--- a/Chapter Presentation/Chapter 9 - Teams and Teamwork.pptx
+++ b/Chapter Presentation/Chapter 9 - Teams and Teamwork.pptx
@@ -2,7 +2,7 @@
 <file path=ppt/presentation.xml><?xml version="1.0" encoding="utf-8"?>
 <p:presentation xmlns:a="http://schemas.openxmlformats.org/drawingml/2006/main" xmlns:r="http://schemas.openxmlformats.org/officeDocument/2006/relationships" xmlns:p="http://schemas.openxmlformats.org/presentationml/2006/main" showSpecialPlsOnTitleSld="0" saveSubsetFonts="1">
   <p:sldMasterIdLst>
-    <p:sldMasterId id="2147483675" r:id="rId1"/>
+    <p:sldMasterId id="2147483710" r:id="rId1"/>
   </p:sldMasterIdLst>
   <p:notesMasterIdLst>
     <p:notesMasterId r:id="rId14"/>
@@ -151,6 +151,36 @@
       </a:defRPr>
     </a:lvl9pPr>
   </p:defaultTextStyle>
+  <p:extLst>
+    <p:ext uri="{EFAFB233-063F-42B5-8137-9DF3F51BA10A}">
+      <p15:sldGuideLst xmlns:p15="http://schemas.microsoft.com/office/powerpoint/2012/main">
+        <p15:guide id="1" orient="horz" pos="2160">
+          <p15:clr>
+            <a:srgbClr val="A4A3A4"/>
+          </p15:clr>
+        </p15:guide>
+        <p15:guide id="2" pos="2880">
+          <p15:clr>
+            <a:srgbClr val="A4A3A4"/>
+          </p15:clr>
+        </p15:guide>
+      </p15:sldGuideLst>
+    </p:ext>
+    <p:ext uri="{2D200454-40CA-4A62-9FC3-DE9A4176ACB9}">
+      <p15:notesGuideLst xmlns:p15="http://schemas.microsoft.com/office/powerpoint/2012/main">
+        <p15:guide id="1" orient="horz" pos="3024">
+          <p15:clr>
+            <a:srgbClr val="A4A3A4"/>
+          </p15:clr>
+        </p15:guide>
+        <p15:guide id="2" pos="2304">
+          <p15:clr>
+            <a:srgbClr val="A4A3A4"/>
+          </p15:clr>
+        </p15:guide>
+      </p15:notesGuideLst>
+    </p:ext>
+  </p:extLst>
 </p:presentation>
 </file>
 
@@ -509,7 +539,7 @@
         <p:nvSpPr>
           <p:cNvPr id="23556" name="Rectangle 4"/>
           <p:cNvSpPr>
-            <a:spLocks noChangeArrowheads="1" noTextEdit="1"/>
+            <a:spLocks noGrp="1" noRot="1" noChangeAspect="1" noChangeArrowheads="1" noTextEdit="1"/>
           </p:cNvSpPr>
           <p:nvPr>
             <p:ph type="sldImg" idx="2"/>
@@ -571,35 +601,35 @@
           <a:p>
             <a:pPr lvl="0"/>
             <a:r>
-              <a:rPr lang="en-US" noProof="0" smtClean="0"/>
+              <a:rPr lang="en-US" noProof="0"/>
               <a:t>Click to edit Master text styles</a:t>
             </a:r>
           </a:p>
           <a:p>
             <a:pPr lvl="1"/>
             <a:r>
-              <a:rPr lang="en-US" noProof="0" smtClean="0"/>
+              <a:rPr lang="en-US" noProof="0"/>
               <a:t>Second level</a:t>
             </a:r>
           </a:p>
           <a:p>
             <a:pPr lvl="2"/>
             <a:r>
-              <a:rPr lang="en-US" noProof="0" smtClean="0"/>
+              <a:rPr lang="en-US" noProof="0"/>
               <a:t>Third level</a:t>
             </a:r>
           </a:p>
           <a:p>
             <a:pPr lvl="3"/>
             <a:r>
-              <a:rPr lang="en-US" noProof="0" smtClean="0"/>
+              <a:rPr lang="en-US" noProof="0"/>
               <a:t>Fourth level</a:t>
             </a:r>
           </a:p>
           <a:p>
             <a:pPr lvl="4"/>
             <a:r>
-              <a:rPr lang="en-US" noProof="0" smtClean="0"/>
+              <a:rPr lang="en-US" noProof="0"/>
               <a:t>Fifth level</a:t>
             </a:r>
           </a:p>
@@ -885,7 +915,7 @@
           <a:bodyPr/>
           <a:lstStyle/>
           <a:p>
-            <a:endParaRPr lang="en-US" smtClean="0"/>
+            <a:endParaRPr lang="en-US"/>
           </a:p>
         </p:txBody>
       </p:sp>
@@ -911,7 +941,7 @@
               <a:pPr/>
               <a:t>1</a:t>
             </a:fld>
-            <a:endParaRPr lang="en-US" smtClean="0"/>
+            <a:endParaRPr lang="en-US"/>
           </a:p>
         </p:txBody>
       </p:sp>
@@ -962,7 +992,7 @@
               <a:pPr/>
               <a:t>4</a:t>
             </a:fld>
-            <a:endParaRPr lang="en-US" smtClean="0"/>
+            <a:endParaRPr lang="en-US"/>
           </a:p>
         </p:txBody>
       </p:sp>
@@ -970,7 +1000,7 @@
         <p:nvSpPr>
           <p:cNvPr id="25603" name="Rectangle 2"/>
           <p:cNvSpPr>
-            <a:spLocks noChangeArrowheads="1" noTextEdit="1"/>
+            <a:spLocks noGrp="1" noRot="1" noChangeAspect="1" noChangeArrowheads="1" noTextEdit="1"/>
           </p:cNvSpPr>
           <p:nvPr>
             <p:ph type="sldImg"/>
@@ -999,7 +1029,7 @@
           <a:lstStyle/>
           <a:p>
             <a:pPr eaLnBrk="1" hangingPunct="1"/>
-            <a:endParaRPr lang="en-US" smtClean="0"/>
+            <a:endParaRPr lang="en-US"/>
           </a:p>
         </p:txBody>
       </p:sp>
@@ -1050,7 +1080,7 @@
               <a:pPr/>
               <a:t>6</a:t>
             </a:fld>
-            <a:endParaRPr lang="en-US" smtClean="0"/>
+            <a:endParaRPr lang="en-US"/>
           </a:p>
         </p:txBody>
       </p:sp>
@@ -1058,7 +1088,7 @@
         <p:nvSpPr>
           <p:cNvPr id="26627" name="Rectangle 2"/>
           <p:cNvSpPr>
-            <a:spLocks noChangeArrowheads="1" noTextEdit="1"/>
+            <a:spLocks noGrp="1" noRot="1" noChangeAspect="1" noChangeArrowheads="1" noTextEdit="1"/>
           </p:cNvSpPr>
           <p:nvPr>
             <p:ph type="sldImg"/>
@@ -1091,7 +1121,7 @@
               <a:buChar char="•"/>
             </a:pPr>
             <a:r>
-              <a:rPr lang="en-US" smtClean="0"/>
+              <a:rPr lang="en-US"/>
               <a:t>Small group – how small is small.  Discuss the number of relationships diagram.</a:t>
             </a:r>
           </a:p>
@@ -1101,7 +1131,7 @@
               <a:buChar char="•"/>
             </a:pPr>
             <a:r>
-              <a:rPr lang="en-US" smtClean="0"/>
+              <a:rPr lang="en-US"/>
               <a:t>Complementary skills – means that if everybody can do the same thing, almost no reason to have a team</a:t>
             </a:r>
           </a:p>
@@ -1111,7 +1141,7 @@
               <a:buChar char="•"/>
             </a:pPr>
             <a:r>
-              <a:rPr lang="en-US" smtClean="0"/>
+              <a:rPr lang="en-US"/>
               <a:t>Common performance &amp; performance goals – they agree upfront on the goals (requirements).</a:t>
             </a:r>
           </a:p>
@@ -1121,7 +1151,7 @@
               <a:buChar char="•"/>
             </a:pPr>
             <a:r>
-              <a:rPr lang="en-US" smtClean="0"/>
+              <a:rPr lang="en-US"/>
               <a:t>Mutually accountable – they have a way to work their problems out  - without outside intervention.</a:t>
             </a:r>
           </a:p>
@@ -1130,7 +1160,7 @@
               <a:buFontTx/>
               <a:buChar char="•"/>
             </a:pPr>
-            <a:endParaRPr lang="en-US" smtClean="0"/>
+            <a:endParaRPr lang="en-US"/>
           </a:p>
         </p:txBody>
       </p:sp>
@@ -1181,7 +1211,7 @@
               <a:pPr/>
               <a:t>7</a:t>
             </a:fld>
-            <a:endParaRPr lang="en-US" smtClean="0"/>
+            <a:endParaRPr lang="en-US"/>
           </a:p>
         </p:txBody>
       </p:sp>
@@ -1189,7 +1219,7 @@
         <p:nvSpPr>
           <p:cNvPr id="27651" name="Rectangle 2"/>
           <p:cNvSpPr>
-            <a:spLocks noChangeArrowheads="1" noTextEdit="1"/>
+            <a:spLocks noGrp="1" noRot="1" noChangeAspect="1" noChangeArrowheads="1" noTextEdit="1"/>
           </p:cNvSpPr>
           <p:nvPr>
             <p:ph type="sldImg"/>
@@ -1222,7 +1252,7 @@
               <a:buChar char="•"/>
             </a:pPr>
             <a:r>
-              <a:rPr lang="en-US" smtClean="0"/>
+              <a:rPr lang="en-US"/>
               <a:t>Forming.  </a:t>
             </a:r>
           </a:p>
@@ -1232,7 +1262,7 @@
               <a:buChar char="•"/>
             </a:pPr>
             <a:r>
-              <a:rPr lang="en-US" smtClean="0"/>
+              <a:rPr lang="en-US"/>
               <a:t>Team created</a:t>
             </a:r>
           </a:p>
@@ -1242,7 +1272,7 @@
               <a:buChar char="•"/>
             </a:pPr>
             <a:r>
-              <a:rPr lang="en-US" smtClean="0"/>
+              <a:rPr lang="en-US"/>
               <a:t>Uncomfortable, anxious</a:t>
             </a:r>
           </a:p>
@@ -1252,7 +1282,7 @@
               <a:buChar char="•"/>
             </a:pPr>
             <a:r>
-              <a:rPr lang="en-US" smtClean="0"/>
+              <a:rPr lang="en-US"/>
               <a:t>Don’t know goals</a:t>
             </a:r>
           </a:p>
@@ -1262,7 +1292,7 @@
               <a:buChar char="•"/>
             </a:pPr>
             <a:r>
-              <a:rPr lang="en-US" smtClean="0"/>
+              <a:rPr lang="en-US"/>
               <a:t>Don’t know roles</a:t>
             </a:r>
           </a:p>
@@ -1272,7 +1302,7 @@
               <a:buChar char="•"/>
             </a:pPr>
             <a:r>
-              <a:rPr lang="en-US" smtClean="0"/>
+              <a:rPr lang="en-US"/>
               <a:t>Storming</a:t>
             </a:r>
           </a:p>
@@ -1282,7 +1312,7 @@
               <a:buChar char="•"/>
             </a:pPr>
             <a:r>
-              <a:rPr lang="en-US" smtClean="0"/>
+              <a:rPr lang="en-US"/>
               <a:t>Work to develop objectives</a:t>
             </a:r>
           </a:p>
@@ -1292,7 +1322,7 @@
               <a:buChar char="•"/>
             </a:pPr>
             <a:r>
-              <a:rPr lang="en-US" smtClean="0"/>
+              <a:rPr lang="en-US"/>
               <a:t>To develop roles</a:t>
             </a:r>
           </a:p>
@@ -1302,7 +1332,7 @@
               <a:buChar char="•"/>
             </a:pPr>
             <a:r>
-              <a:rPr lang="en-US" smtClean="0"/>
+              <a:rPr lang="en-US"/>
               <a:t>Often conflict</a:t>
             </a:r>
           </a:p>
@@ -1312,7 +1342,7 @@
               <a:buChar char="•"/>
             </a:pPr>
             <a:r>
-              <a:rPr lang="en-US" smtClean="0"/>
+              <a:rPr lang="en-US"/>
               <a:t>Need to navigate.</a:t>
             </a:r>
           </a:p>
@@ -1322,7 +1352,7 @@
               <a:buChar char="•"/>
             </a:pPr>
             <a:r>
-              <a:rPr lang="en-US" smtClean="0"/>
+              <a:rPr lang="en-US"/>
               <a:t>Norming</a:t>
             </a:r>
           </a:p>
@@ -1332,7 +1362,7 @@
               <a:buChar char="•"/>
             </a:pPr>
             <a:r>
-              <a:rPr lang="en-US" smtClean="0"/>
+              <a:rPr lang="en-US"/>
               <a:t>People accept objectives</a:t>
             </a:r>
           </a:p>
@@ -1342,7 +1372,7 @@
               <a:buChar char="•"/>
             </a:pPr>
             <a:r>
-              <a:rPr lang="en-US" smtClean="0"/>
+              <a:rPr lang="en-US"/>
               <a:t>Accept roles</a:t>
             </a:r>
           </a:p>
@@ -1352,7 +1382,7 @@
               <a:buChar char="•"/>
             </a:pPr>
             <a:r>
-              <a:rPr lang="en-US" smtClean="0"/>
+              <a:rPr lang="en-US"/>
               <a:t>Develop procedures for working together.</a:t>
             </a:r>
           </a:p>
@@ -1362,7 +1392,7 @@
               <a:buChar char="•"/>
             </a:pPr>
             <a:r>
-              <a:rPr lang="en-US" smtClean="0"/>
+              <a:rPr lang="en-US"/>
               <a:t>Performing</a:t>
             </a:r>
           </a:p>
@@ -1372,7 +1402,7 @@
               <a:buChar char="•"/>
             </a:pPr>
             <a:r>
-              <a:rPr lang="en-US" smtClean="0"/>
+              <a:rPr lang="en-US"/>
               <a:t>Doing it</a:t>
             </a:r>
           </a:p>
@@ -1382,7 +1412,7 @@
               <a:buChar char="•"/>
             </a:pPr>
             <a:r>
-              <a:rPr lang="en-US" smtClean="0"/>
+              <a:rPr lang="en-US"/>
               <a:t>Making decisions.</a:t>
             </a:r>
           </a:p>
@@ -1435,7 +1465,7 @@
               <a:pPr/>
               <a:t>8</a:t>
             </a:fld>
-            <a:endParaRPr lang="en-US" smtClean="0"/>
+            <a:endParaRPr lang="en-US"/>
           </a:p>
         </p:txBody>
       </p:sp>
@@ -1443,7 +1473,7 @@
         <p:nvSpPr>
           <p:cNvPr id="28675" name="Rectangle 2"/>
           <p:cNvSpPr>
-            <a:spLocks noChangeArrowheads="1" noTextEdit="1"/>
+            <a:spLocks noGrp="1" noRot="1" noChangeAspect="1" noChangeArrowheads="1" noTextEdit="1"/>
           </p:cNvSpPr>
           <p:nvPr>
             <p:ph type="sldImg"/>
@@ -1473,7 +1503,7 @@
           <a:p>
             <a:pPr eaLnBrk="1" hangingPunct="1"/>
             <a:r>
-              <a:rPr lang="en-US" smtClean="0"/>
+              <a:rPr lang="en-US"/>
               <a:t>Working Group</a:t>
             </a:r>
           </a:p>
@@ -1483,18 +1513,18 @@
               <a:buChar char="•"/>
             </a:pPr>
             <a:r>
-              <a:rPr lang="en-US" smtClean="0"/>
+              <a:rPr lang="en-US"/>
               <a:t>Not really a team – a collection of individuals</a:t>
             </a:r>
           </a:p>
           <a:p>
             <a:pPr eaLnBrk="1" hangingPunct="1"/>
-            <a:endParaRPr lang="en-US" smtClean="0"/>
+            <a:endParaRPr lang="en-US"/>
           </a:p>
           <a:p>
             <a:pPr eaLnBrk="1" hangingPunct="1"/>
             <a:r>
-              <a:rPr lang="en-US" smtClean="0"/>
+              <a:rPr lang="en-US"/>
               <a:t>Pseudo-Team</a:t>
             </a:r>
           </a:p>
@@ -1504,7 +1534,7 @@
               <a:buChar char="•"/>
             </a:pPr>
             <a:r>
-              <a:rPr lang="en-US" smtClean="0"/>
+              <a:rPr lang="en-US"/>
               <a:t>We’ve had them.  Fight all the time.</a:t>
             </a:r>
           </a:p>
@@ -1513,12 +1543,12 @@
               <a:buFontTx/>
               <a:buChar char="•"/>
             </a:pPr>
-            <a:endParaRPr lang="en-US" smtClean="0"/>
+            <a:endParaRPr lang="en-US"/>
           </a:p>
           <a:p>
             <a:pPr eaLnBrk="1" hangingPunct="1"/>
             <a:r>
-              <a:rPr lang="en-US" smtClean="0"/>
+              <a:rPr lang="en-US"/>
               <a:t>Potential Team</a:t>
             </a:r>
           </a:p>
@@ -1528,18 +1558,18 @@
               <a:buChar char="•"/>
             </a:pPr>
             <a:r>
-              <a:rPr lang="en-US" smtClean="0"/>
+              <a:rPr lang="en-US"/>
               <a:t>Reasonable, but not great</a:t>
             </a:r>
           </a:p>
           <a:p>
             <a:pPr eaLnBrk="1" hangingPunct="1"/>
-            <a:endParaRPr lang="en-US" smtClean="0"/>
+            <a:endParaRPr lang="en-US"/>
           </a:p>
           <a:p>
             <a:pPr eaLnBrk="1" hangingPunct="1"/>
             <a:r>
-              <a:rPr lang="en-US" smtClean="0"/>
+              <a:rPr lang="en-US"/>
               <a:t>Real Team</a:t>
             </a:r>
           </a:p>
@@ -1549,7 +1579,7 @@
               <a:buChar char="•"/>
             </a:pPr>
             <a:r>
-              <a:rPr lang="en-US" smtClean="0"/>
+              <a:rPr lang="en-US"/>
               <a:t>Collective outperforms the individuals.  This is where you want to be</a:t>
             </a:r>
           </a:p>
@@ -1558,12 +1588,12 @@
               <a:buFontTx/>
               <a:buChar char="•"/>
             </a:pPr>
-            <a:endParaRPr lang="en-US" smtClean="0"/>
+            <a:endParaRPr lang="en-US"/>
           </a:p>
           <a:p>
             <a:pPr eaLnBrk="1" hangingPunct="1"/>
             <a:r>
-              <a:rPr lang="en-US" smtClean="0"/>
+              <a:rPr lang="en-US"/>
               <a:t>High-Performance</a:t>
             </a:r>
           </a:p>
@@ -1573,7 +1603,7 @@
               <a:buChar char="•"/>
             </a:pPr>
             <a:r>
-              <a:rPr lang="en-US" smtClean="0"/>
+              <a:rPr lang="en-US"/>
               <a:t>Exceptional performance – occasionally see it in Sr. Design.</a:t>
             </a:r>
           </a:p>
@@ -1626,7 +1656,7 @@
               <a:pPr/>
               <a:t>9</a:t>
             </a:fld>
-            <a:endParaRPr lang="en-US" smtClean="0"/>
+            <a:endParaRPr lang="en-US"/>
           </a:p>
         </p:txBody>
       </p:sp>
@@ -1634,7 +1664,7 @@
         <p:nvSpPr>
           <p:cNvPr id="29699" name="Rectangle 2"/>
           <p:cNvSpPr>
-            <a:spLocks noChangeArrowheads="1" noTextEdit="1"/>
+            <a:spLocks noGrp="1" noRot="1" noChangeAspect="1" noChangeArrowheads="1" noTextEdit="1"/>
           </p:cNvSpPr>
           <p:nvPr>
             <p:ph type="sldImg"/>
@@ -1664,7 +1694,7 @@
           <a:p>
             <a:pPr eaLnBrk="1" hangingPunct="1"/>
             <a:r>
-              <a:rPr lang="en-US" smtClean="0"/>
+              <a:rPr lang="en-US"/>
               <a:t>Skills </a:t>
             </a:r>
           </a:p>
@@ -1674,7 +1704,7 @@
               <a:buChar char="•"/>
             </a:pPr>
             <a:r>
-              <a:rPr lang="en-US" smtClean="0"/>
+              <a:rPr lang="en-US"/>
               <a:t>Technical &amp; functional</a:t>
             </a:r>
           </a:p>
@@ -1684,7 +1714,7 @@
               <a:buChar char="•"/>
             </a:pPr>
             <a:r>
-              <a:rPr lang="en-US" smtClean="0"/>
+              <a:rPr lang="en-US"/>
               <a:t>Problem-solving</a:t>
             </a:r>
           </a:p>
@@ -1694,7 +1724,7 @@
               <a:buChar char="•"/>
             </a:pPr>
             <a:r>
-              <a:rPr lang="en-US" smtClean="0"/>
+              <a:rPr lang="en-US"/>
               <a:t>Interpersonal</a:t>
             </a:r>
           </a:p>
@@ -1704,7 +1734,7 @@
               <a:buChar char="•"/>
             </a:pPr>
             <a:r>
-              <a:rPr lang="en-US" smtClean="0"/>
+              <a:rPr lang="en-US"/>
               <a:t>Others</a:t>
             </a:r>
           </a:p>
@@ -1757,7 +1787,7 @@
               <a:pPr/>
               <a:t>11</a:t>
             </a:fld>
-            <a:endParaRPr lang="en-US" smtClean="0"/>
+            <a:endParaRPr lang="en-US"/>
           </a:p>
         </p:txBody>
       </p:sp>
@@ -1765,7 +1795,7 @@
         <p:nvSpPr>
           <p:cNvPr id="30723" name="Rectangle 2"/>
           <p:cNvSpPr>
-            <a:spLocks noChangeArrowheads="1" noTextEdit="1"/>
+            <a:spLocks noGrp="1" noRot="1" noChangeAspect="1" noChangeArrowheads="1" noTextEdit="1"/>
           </p:cNvSpPr>
           <p:nvPr>
             <p:ph type="sldImg"/>
@@ -1794,7 +1824,7 @@
           <a:lstStyle/>
           <a:p>
             <a:pPr eaLnBrk="1" hangingPunct="1"/>
-            <a:endParaRPr lang="en-US" smtClean="0"/>
+            <a:endParaRPr lang="en-US"/>
           </a:p>
         </p:txBody>
       </p:sp>
@@ -1845,7 +1875,7 @@
               <a:pPr/>
               <a:t>12</a:t>
             </a:fld>
-            <a:endParaRPr lang="en-US" smtClean="0"/>
+            <a:endParaRPr lang="en-US"/>
           </a:p>
         </p:txBody>
       </p:sp>
@@ -1853,7 +1883,7 @@
         <p:nvSpPr>
           <p:cNvPr id="31747" name="Rectangle 2"/>
           <p:cNvSpPr>
-            <a:spLocks noChangeArrowheads="1" noTextEdit="1"/>
+            <a:spLocks noGrp="1" noRot="1" noChangeAspect="1" noChangeArrowheads="1" noTextEdit="1"/>
           </p:cNvSpPr>
           <p:nvPr>
             <p:ph type="sldImg"/>
@@ -1882,7 +1912,7 @@
           <a:lstStyle/>
           <a:p>
             <a:pPr eaLnBrk="1" hangingPunct="1"/>
-            <a:endParaRPr lang="en-US" smtClean="0"/>
+            <a:endParaRPr lang="en-US"/>
           </a:p>
         </p:txBody>
       </p:sp>
@@ -1974,9 +2004,7 @@
         </p:style>
         <p:txBody>
           <a:bodyPr anchor="ctr"/>
-          <a:lstStyle>
-            <a:extLst/>
-          </a:lstStyle>
+          <a:lstStyle/>
           <a:p>
             <a:pPr algn="ctr" eaLnBrk="1" hangingPunct="1">
               <a:defRPr/>
@@ -1987,7 +2015,7 @@
       </p:sp>
       <p:grpSp>
         <p:nvGrpSpPr>
-          <p:cNvPr id="5" name="Group 18"/>
+          <p:cNvPr id="5" name="Group 15"/>
           <p:cNvGrpSpPr>
             <a:grpSpLocks/>
           </p:cNvGrpSpPr>
@@ -2078,9 +2106,7 @@
           </p:spPr>
           <p:txBody>
             <a:bodyPr/>
-            <a:lstStyle>
-              <a:extLst/>
-            </a:lstStyle>
+            <a:lstStyle/>
             <a:p>
               <a:pPr>
                 <a:defRPr/>
@@ -2163,9 +2189,7 @@
           </p:spPr>
           <p:txBody>
             <a:bodyPr/>
-            <a:lstStyle>
-              <a:extLst/>
-            </a:lstStyle>
+            <a:lstStyle/>
             <a:p>
               <a:pPr>
                 <a:defRPr/>
@@ -2325,9 +2349,7 @@
           </p:style>
           <p:txBody>
             <a:bodyPr anchor="ctr"/>
-            <a:lstStyle>
-              <a:extLst/>
-            </a:lstStyle>
+            <a:lstStyle/>
             <a:p>
               <a:pPr algn="ctr" eaLnBrk="1" hangingPunct="1">
                 <a:defRPr/>
@@ -2427,10 +2449,9 @@
           </a:lstStyle>
           <a:p>
             <a:r>
-              <a:rPr lang="en-US" smtClean="0"/>
+              <a:rPr lang="en-US"/>
               <a:t>Click to edit Master title style</a:t>
             </a:r>
-            <a:endParaRPr lang="en-US"/>
           </a:p>
         </p:txBody>
       </p:sp>
@@ -2489,10 +2510,9 @@
           </a:lstStyle>
           <a:p>
             <a:r>
-              <a:rPr lang="en-US" smtClean="0"/>
+              <a:rPr lang="en-US"/>
               <a:t>Click to edit Master subtitle style</a:t>
             </a:r>
-            <a:endParaRPr lang="en-US"/>
           </a:p>
         </p:txBody>
       </p:sp>
@@ -2508,8 +2528,8 @@
         </p:nvSpPr>
         <p:spPr>
           <a:xfrm>
-            <a:off x="6727825" y="6408738"/>
-            <a:ext cx="1919288" cy="365125"/>
+            <a:off x="6248400" y="6408738"/>
+            <a:ext cx="2398713" cy="365125"/>
           </a:xfrm>
           <a:prstGeom prst="rect">
             <a:avLst/>
@@ -2547,8 +2567,8 @@
         </p:nvSpPr>
         <p:spPr>
           <a:xfrm>
-            <a:off x="4379913" y="6408738"/>
-            <a:ext cx="2351087" cy="365125"/>
+            <a:off x="3810000" y="6408738"/>
+            <a:ext cx="2351088" cy="365125"/>
           </a:xfrm>
           <a:prstGeom prst="rect">
             <a:avLst/>
@@ -2591,7 +2611,7 @@
           <a:bodyPr/>
           <a:lstStyle>
             <a:lvl1pPr>
-              <a:defRPr smtClean="0">
+              <a:defRPr>
                 <a:solidFill>
                   <a:srgbClr val="FFFFFF"/>
                 </a:solidFill>
@@ -2604,7 +2624,7 @@
               <a:defRPr/>
             </a:pPr>
             <a:fld id="{B64E6C47-66FC-45DB-92CA-634734CACC5C}" type="slidenum">
-              <a:rPr lang="en-US"/>
+              <a:rPr lang="en-US" smtClean="0"/>
               <a:pPr>
                 <a:defRPr/>
               </a:pPr>
@@ -2615,765 +2635,11 @@
         </p:txBody>
       </p:sp>
     </p:spTree>
-  </p:cSld>
-  <p:clrMapOvr>
-    <a:masterClrMapping/>
-  </p:clrMapOvr>
-</p:sldLayout>
-</file>
-
-<file path=ppt/slideLayouts/slideLayout10.xml><?xml version="1.0" encoding="utf-8"?>
-<p:sldLayout xmlns:a="http://schemas.openxmlformats.org/drawingml/2006/main" xmlns:r="http://schemas.openxmlformats.org/officeDocument/2006/relationships" xmlns:p="http://schemas.openxmlformats.org/presentationml/2006/main" type="vertTx" preserve="1">
-  <p:cSld name="Title and Vertical Text">
-    <p:spTree>
-      <p:nvGrpSpPr>
-        <p:cNvPr id="1" name=""/>
-        <p:cNvGrpSpPr/>
-        <p:nvPr/>
-      </p:nvGrpSpPr>
-      <p:grpSpPr>
-        <a:xfrm>
-          <a:off x="0" y="0"/>
-          <a:ext cx="0" cy="0"/>
-          <a:chOff x="0" y="0"/>
-          <a:chExt cx="0" cy="0"/>
-        </a:xfrm>
-      </p:grpSpPr>
-      <p:sp>
-        <p:nvSpPr>
-          <p:cNvPr id="2" name="Title 1"/>
-          <p:cNvSpPr>
-            <a:spLocks noGrp="1"/>
-          </p:cNvSpPr>
-          <p:nvPr>
-            <p:ph type="title"/>
-          </p:nvPr>
-        </p:nvSpPr>
-        <p:spPr/>
-        <p:txBody>
-          <a:bodyPr/>
-          <a:lstStyle>
-            <a:extLst/>
-          </a:lstStyle>
-          <a:p>
-            <a:r>
-              <a:rPr lang="en-US" smtClean="0"/>
-              <a:t>Click to edit Master title style</a:t>
-            </a:r>
-            <a:endParaRPr lang="en-US"/>
-          </a:p>
-        </p:txBody>
-      </p:sp>
-      <p:sp>
-        <p:nvSpPr>
-          <p:cNvPr id="3" name="Vertical Text Placeholder 2"/>
-          <p:cNvSpPr>
-            <a:spLocks noGrp="1"/>
-          </p:cNvSpPr>
-          <p:nvPr>
-            <p:ph type="body" orient="vert" idx="1"/>
-          </p:nvPr>
-        </p:nvSpPr>
-        <p:spPr>
-          <a:xfrm>
-            <a:off x="457200" y="1481329"/>
-            <a:ext cx="8229600" cy="4386071"/>
-          </a:xfrm>
-        </p:spPr>
-        <p:txBody>
-          <a:bodyPr vert="eaVert"/>
-          <a:lstStyle>
-            <a:extLst/>
-          </a:lstStyle>
-          <a:p>
-            <a:pPr lvl="0"/>
-            <a:r>
-              <a:rPr lang="en-US" smtClean="0"/>
-              <a:t>Click to edit Master text styles</a:t>
-            </a:r>
-          </a:p>
-          <a:p>
-            <a:pPr lvl="1"/>
-            <a:r>
-              <a:rPr lang="en-US" smtClean="0"/>
-              <a:t>Second level</a:t>
-            </a:r>
-          </a:p>
-          <a:p>
-            <a:pPr lvl="2"/>
-            <a:r>
-              <a:rPr lang="en-US" smtClean="0"/>
-              <a:t>Third level</a:t>
-            </a:r>
-          </a:p>
-          <a:p>
-            <a:pPr lvl="3"/>
-            <a:r>
-              <a:rPr lang="en-US" smtClean="0"/>
-              <a:t>Fourth level</a:t>
-            </a:r>
-          </a:p>
-          <a:p>
-            <a:pPr lvl="4"/>
-            <a:r>
-              <a:rPr lang="en-US" smtClean="0"/>
-              <a:t>Fifth level</a:t>
-            </a:r>
-            <a:endParaRPr lang="en-US"/>
-          </a:p>
-        </p:txBody>
-      </p:sp>
-      <p:sp>
-        <p:nvSpPr>
-          <p:cNvPr id="4" name="Date Placeholder 3"/>
-          <p:cNvSpPr>
-            <a:spLocks noGrp="1"/>
-          </p:cNvSpPr>
-          <p:nvPr>
-            <p:ph type="dt" sz="half" idx="10"/>
-          </p:nvPr>
-        </p:nvSpPr>
-        <p:spPr>
-          <a:xfrm>
-            <a:off x="6727825" y="6408738"/>
-            <a:ext cx="1919288" cy="365125"/>
-          </a:xfrm>
-          <a:prstGeom prst="rect">
-            <a:avLst/>
-          </a:prstGeom>
-        </p:spPr>
-        <p:txBody>
-          <a:bodyPr/>
-          <a:lstStyle>
-            <a:lvl1pPr>
-              <a:defRPr/>
-            </a:lvl1pPr>
-            <a:extLst/>
-          </a:lstStyle>
-          <a:p>
-            <a:pPr>
-              <a:defRPr/>
-            </a:pPr>
-            <a:r>
-              <a:rPr lang="en-US"/>
-              <a:t>Design for Electrical and Computer Engineers (Published by McGraw Hill)</a:t>
-            </a:r>
-          </a:p>
-          <a:p>
-            <a:pPr>
-              <a:defRPr/>
-            </a:pPr>
-            <a:r>
-              <a:rPr lang="en-US"/>
-              <a:t>Not to be transmitted or reproduced without written consent of authors</a:t>
-            </a:r>
-          </a:p>
-        </p:txBody>
-      </p:sp>
-      <p:sp>
-        <p:nvSpPr>
-          <p:cNvPr id="5" name="Footer Placeholder 4"/>
-          <p:cNvSpPr>
-            <a:spLocks noGrp="1"/>
-          </p:cNvSpPr>
-          <p:nvPr>
-            <p:ph type="ftr" sz="quarter" idx="11"/>
-          </p:nvPr>
-        </p:nvSpPr>
-        <p:spPr>
-          <a:xfrm>
-            <a:off x="4379913" y="6408738"/>
-            <a:ext cx="2351087" cy="365125"/>
-          </a:xfrm>
-          <a:prstGeom prst="rect">
-            <a:avLst/>
-          </a:prstGeom>
-        </p:spPr>
-        <p:txBody>
-          <a:bodyPr/>
-          <a:lstStyle>
-            <a:lvl1pPr>
-              <a:defRPr/>
-            </a:lvl1pPr>
-            <a:extLst/>
-          </a:lstStyle>
-          <a:p>
-            <a:pPr>
-              <a:defRPr/>
-            </a:pPr>
-            <a:r>
-              <a:rPr lang="en-US"/>
-              <a:t>Copyright 2005 </a:t>
-            </a:r>
-          </a:p>
-          <a:p>
-            <a:pPr>
-              <a:defRPr/>
-            </a:pPr>
-            <a:r>
-              <a:rPr lang="en-US"/>
-              <a:t>Ralph M. Ford and Chris Coulston</a:t>
-            </a:r>
-          </a:p>
-        </p:txBody>
-      </p:sp>
-      <p:sp>
-        <p:nvSpPr>
-          <p:cNvPr id="6" name="Slide Number Placeholder 5"/>
-          <p:cNvSpPr>
-            <a:spLocks noGrp="1"/>
-          </p:cNvSpPr>
-          <p:nvPr>
-            <p:ph type="sldNum" sz="quarter" idx="12"/>
-          </p:nvPr>
-        </p:nvSpPr>
-        <p:spPr/>
-        <p:txBody>
-          <a:bodyPr/>
-          <a:lstStyle>
-            <a:lvl1pPr>
-              <a:defRPr/>
-            </a:lvl1pPr>
-            <a:extLst/>
-          </a:lstStyle>
-          <a:p>
-            <a:pPr>
-              <a:defRPr/>
-            </a:pPr>
-            <a:fld id="{FACFA1C8-80B1-464E-AAA7-427AD810A997}" type="slidenum">
-              <a:rPr lang="en-US"/>
-              <a:pPr>
-                <a:defRPr/>
-              </a:pPr>
-              <a:t>‹#›</a:t>
-            </a:fld>
-            <a:endParaRPr lang="en-US"/>
-          </a:p>
-        </p:txBody>
-      </p:sp>
-    </p:spTree>
-  </p:cSld>
-  <p:clrMapOvr>
-    <a:masterClrMapping/>
-  </p:clrMapOvr>
-</p:sldLayout>
-</file>
-
-<file path=ppt/slideLayouts/slideLayout11.xml><?xml version="1.0" encoding="utf-8"?>
-<p:sldLayout xmlns:a="http://schemas.openxmlformats.org/drawingml/2006/main" xmlns:r="http://schemas.openxmlformats.org/officeDocument/2006/relationships" xmlns:p="http://schemas.openxmlformats.org/presentationml/2006/main" type="vertTitleAndTx" preserve="1">
-  <p:cSld name="Vertical Title and Text">
-    <p:spTree>
-      <p:nvGrpSpPr>
-        <p:cNvPr id="1" name=""/>
-        <p:cNvGrpSpPr/>
-        <p:nvPr/>
-      </p:nvGrpSpPr>
-      <p:grpSpPr>
-        <a:xfrm>
-          <a:off x="0" y="0"/>
-          <a:ext cx="0" cy="0"/>
-          <a:chOff x="0" y="0"/>
-          <a:chExt cx="0" cy="0"/>
-        </a:xfrm>
-      </p:grpSpPr>
-      <p:sp>
-        <p:nvSpPr>
-          <p:cNvPr id="2" name="Vertical Title 1"/>
-          <p:cNvSpPr>
-            <a:spLocks noGrp="1"/>
-          </p:cNvSpPr>
-          <p:nvPr>
-            <p:ph type="title" orient="vert"/>
-          </p:nvPr>
-        </p:nvSpPr>
-        <p:spPr>
-          <a:xfrm>
-            <a:off x="6844013" y="274640"/>
-            <a:ext cx="1777470" cy="5592761"/>
-          </a:xfrm>
-        </p:spPr>
-        <p:txBody>
-          <a:bodyPr vert="eaVert"/>
-          <a:lstStyle>
-            <a:extLst/>
-          </a:lstStyle>
-          <a:p>
-            <a:r>
-              <a:rPr lang="en-US" smtClean="0"/>
-              <a:t>Click to edit Master title style</a:t>
-            </a:r>
-            <a:endParaRPr lang="en-US"/>
-          </a:p>
-        </p:txBody>
-      </p:sp>
-      <p:sp>
-        <p:nvSpPr>
-          <p:cNvPr id="3" name="Vertical Text Placeholder 2"/>
-          <p:cNvSpPr>
-            <a:spLocks noGrp="1"/>
-          </p:cNvSpPr>
-          <p:nvPr>
-            <p:ph type="body" orient="vert" idx="1"/>
-          </p:nvPr>
-        </p:nvSpPr>
-        <p:spPr>
-          <a:xfrm>
-            <a:off x="457200" y="274641"/>
-            <a:ext cx="6324600" cy="5592760"/>
-          </a:xfrm>
-        </p:spPr>
-        <p:txBody>
-          <a:bodyPr vert="eaVert"/>
-          <a:lstStyle>
-            <a:extLst/>
-          </a:lstStyle>
-          <a:p>
-            <a:pPr lvl="0"/>
-            <a:r>
-              <a:rPr lang="en-US" smtClean="0"/>
-              <a:t>Click to edit Master text styles</a:t>
-            </a:r>
-          </a:p>
-          <a:p>
-            <a:pPr lvl="1"/>
-            <a:r>
-              <a:rPr lang="en-US" smtClean="0"/>
-              <a:t>Second level</a:t>
-            </a:r>
-          </a:p>
-          <a:p>
-            <a:pPr lvl="2"/>
-            <a:r>
-              <a:rPr lang="en-US" smtClean="0"/>
-              <a:t>Third level</a:t>
-            </a:r>
-          </a:p>
-          <a:p>
-            <a:pPr lvl="3"/>
-            <a:r>
-              <a:rPr lang="en-US" smtClean="0"/>
-              <a:t>Fourth level</a:t>
-            </a:r>
-          </a:p>
-          <a:p>
-            <a:pPr lvl="4"/>
-            <a:r>
-              <a:rPr lang="en-US" smtClean="0"/>
-              <a:t>Fifth level</a:t>
-            </a:r>
-            <a:endParaRPr lang="en-US"/>
-          </a:p>
-        </p:txBody>
-      </p:sp>
-      <p:sp>
-        <p:nvSpPr>
-          <p:cNvPr id="4" name="Date Placeholder 3"/>
-          <p:cNvSpPr>
-            <a:spLocks noGrp="1"/>
-          </p:cNvSpPr>
-          <p:nvPr>
-            <p:ph type="dt" sz="half" idx="10"/>
-          </p:nvPr>
-        </p:nvSpPr>
-        <p:spPr>
-          <a:xfrm>
-            <a:off x="6727825" y="6408738"/>
-            <a:ext cx="1919288" cy="365125"/>
-          </a:xfrm>
-          <a:prstGeom prst="rect">
-            <a:avLst/>
-          </a:prstGeom>
-        </p:spPr>
-        <p:txBody>
-          <a:bodyPr/>
-          <a:lstStyle>
-            <a:lvl1pPr>
-              <a:defRPr/>
-            </a:lvl1pPr>
-            <a:extLst/>
-          </a:lstStyle>
-          <a:p>
-            <a:pPr>
-              <a:defRPr/>
-            </a:pPr>
-            <a:r>
-              <a:rPr lang="en-US"/>
-              <a:t>Design for Electrical and Computer Engineers (Published by McGraw Hill)</a:t>
-            </a:r>
-          </a:p>
-          <a:p>
-            <a:pPr>
-              <a:defRPr/>
-            </a:pPr>
-            <a:r>
-              <a:rPr lang="en-US"/>
-              <a:t>Not to be transmitted or reproduced without written consent of authors</a:t>
-            </a:r>
-          </a:p>
-        </p:txBody>
-      </p:sp>
-      <p:sp>
-        <p:nvSpPr>
-          <p:cNvPr id="5" name="Footer Placeholder 4"/>
-          <p:cNvSpPr>
-            <a:spLocks noGrp="1"/>
-          </p:cNvSpPr>
-          <p:nvPr>
-            <p:ph type="ftr" sz="quarter" idx="11"/>
-          </p:nvPr>
-        </p:nvSpPr>
-        <p:spPr>
-          <a:xfrm>
-            <a:off x="4379913" y="6408738"/>
-            <a:ext cx="2351087" cy="365125"/>
-          </a:xfrm>
-          <a:prstGeom prst="rect">
-            <a:avLst/>
-          </a:prstGeom>
-        </p:spPr>
-        <p:txBody>
-          <a:bodyPr/>
-          <a:lstStyle>
-            <a:lvl1pPr>
-              <a:defRPr/>
-            </a:lvl1pPr>
-            <a:extLst/>
-          </a:lstStyle>
-          <a:p>
-            <a:pPr>
-              <a:defRPr/>
-            </a:pPr>
-            <a:r>
-              <a:rPr lang="en-US"/>
-              <a:t>Copyright 2005 </a:t>
-            </a:r>
-          </a:p>
-          <a:p>
-            <a:pPr>
-              <a:defRPr/>
-            </a:pPr>
-            <a:r>
-              <a:rPr lang="en-US"/>
-              <a:t>Ralph M. Ford and Chris Coulston</a:t>
-            </a:r>
-          </a:p>
-        </p:txBody>
-      </p:sp>
-      <p:sp>
-        <p:nvSpPr>
-          <p:cNvPr id="6" name="Slide Number Placeholder 5"/>
-          <p:cNvSpPr>
-            <a:spLocks noGrp="1"/>
-          </p:cNvSpPr>
-          <p:nvPr>
-            <p:ph type="sldNum" sz="quarter" idx="12"/>
-          </p:nvPr>
-        </p:nvSpPr>
-        <p:spPr/>
-        <p:txBody>
-          <a:bodyPr/>
-          <a:lstStyle>
-            <a:lvl1pPr>
-              <a:defRPr/>
-            </a:lvl1pPr>
-            <a:extLst/>
-          </a:lstStyle>
-          <a:p>
-            <a:pPr>
-              <a:defRPr/>
-            </a:pPr>
-            <a:fld id="{05E73713-53B3-462E-A1E1-29FD4FA1966A}" type="slidenum">
-              <a:rPr lang="en-US"/>
-              <a:pPr>
-                <a:defRPr/>
-              </a:pPr>
-              <a:t>‹#›</a:t>
-            </a:fld>
-            <a:endParaRPr lang="en-US"/>
-          </a:p>
-        </p:txBody>
-      </p:sp>
-    </p:spTree>
-  </p:cSld>
-  <p:clrMapOvr>
-    <a:masterClrMapping/>
-  </p:clrMapOvr>
-</p:sldLayout>
-</file>
-
-<file path=ppt/slideLayouts/slideLayout12.xml><?xml version="1.0" encoding="utf-8"?>
-<p:sldLayout xmlns:a="http://schemas.openxmlformats.org/drawingml/2006/main" xmlns:r="http://schemas.openxmlformats.org/officeDocument/2006/relationships" xmlns:p="http://schemas.openxmlformats.org/presentationml/2006/main" type="txAndObj">
-  <p:cSld name="Title, Text, and Content">
-    <p:spTree>
-      <p:nvGrpSpPr>
-        <p:cNvPr id="1" name=""/>
-        <p:cNvGrpSpPr/>
-        <p:nvPr/>
-      </p:nvGrpSpPr>
-      <p:grpSpPr>
-        <a:xfrm>
-          <a:off x="0" y="0"/>
-          <a:ext cx="0" cy="0"/>
-          <a:chOff x="0" y="0"/>
-          <a:chExt cx="0" cy="0"/>
-        </a:xfrm>
-      </p:grpSpPr>
-      <p:sp>
-        <p:nvSpPr>
-          <p:cNvPr id="2" name="Title 1"/>
-          <p:cNvSpPr>
-            <a:spLocks noGrp="1"/>
-          </p:cNvSpPr>
-          <p:nvPr>
-            <p:ph type="title"/>
-          </p:nvPr>
-        </p:nvSpPr>
-        <p:spPr>
-          <a:xfrm>
-            <a:off x="762000" y="228600"/>
-            <a:ext cx="7924800" cy="685800"/>
-          </a:xfrm>
-        </p:spPr>
-        <p:txBody>
-          <a:bodyPr/>
-          <a:lstStyle/>
-          <a:p>
-            <a:r>
-              <a:rPr lang="en-US" smtClean="0"/>
-              <a:t>Click to edit Master title style</a:t>
-            </a:r>
-            <a:endParaRPr lang="en-US"/>
-          </a:p>
-        </p:txBody>
-      </p:sp>
-      <p:sp>
-        <p:nvSpPr>
-          <p:cNvPr id="3" name="Text Placeholder 2"/>
-          <p:cNvSpPr>
-            <a:spLocks noGrp="1"/>
-          </p:cNvSpPr>
-          <p:nvPr>
-            <p:ph type="body" sz="half" idx="1"/>
-          </p:nvPr>
-        </p:nvSpPr>
-        <p:spPr>
-          <a:xfrm>
-            <a:off x="838200" y="1295400"/>
-            <a:ext cx="3770313" cy="4791075"/>
-          </a:xfrm>
-        </p:spPr>
-        <p:txBody>
-          <a:bodyPr/>
-          <a:lstStyle/>
-          <a:p>
-            <a:pPr lvl="0"/>
-            <a:r>
-              <a:rPr lang="en-US" smtClean="0"/>
-              <a:t>Click to edit Master text styles</a:t>
-            </a:r>
-          </a:p>
-          <a:p>
-            <a:pPr lvl="1"/>
-            <a:r>
-              <a:rPr lang="en-US" smtClean="0"/>
-              <a:t>Second level</a:t>
-            </a:r>
-          </a:p>
-          <a:p>
-            <a:pPr lvl="2"/>
-            <a:r>
-              <a:rPr lang="en-US" smtClean="0"/>
-              <a:t>Third level</a:t>
-            </a:r>
-          </a:p>
-          <a:p>
-            <a:pPr lvl="3"/>
-            <a:r>
-              <a:rPr lang="en-US" smtClean="0"/>
-              <a:t>Fourth level</a:t>
-            </a:r>
-          </a:p>
-          <a:p>
-            <a:pPr lvl="4"/>
-            <a:r>
-              <a:rPr lang="en-US" smtClean="0"/>
-              <a:t>Fifth level</a:t>
-            </a:r>
-            <a:endParaRPr lang="en-US"/>
-          </a:p>
-        </p:txBody>
-      </p:sp>
-      <p:sp>
-        <p:nvSpPr>
-          <p:cNvPr id="4" name="Content Placeholder 3"/>
-          <p:cNvSpPr>
-            <a:spLocks noGrp="1"/>
-          </p:cNvSpPr>
-          <p:nvPr>
-            <p:ph sz="half" idx="2"/>
-          </p:nvPr>
-        </p:nvSpPr>
-        <p:spPr>
-          <a:xfrm>
-            <a:off x="4760913" y="1295400"/>
-            <a:ext cx="3770312" cy="4791075"/>
-          </a:xfrm>
-        </p:spPr>
-        <p:txBody>
-          <a:bodyPr/>
-          <a:lstStyle/>
-          <a:p>
-            <a:pPr lvl="0"/>
-            <a:r>
-              <a:rPr lang="en-US" smtClean="0"/>
-              <a:t>Click to edit Master text styles</a:t>
-            </a:r>
-          </a:p>
-          <a:p>
-            <a:pPr lvl="1"/>
-            <a:r>
-              <a:rPr lang="en-US" smtClean="0"/>
-              <a:t>Second level</a:t>
-            </a:r>
-          </a:p>
-          <a:p>
-            <a:pPr lvl="2"/>
-            <a:r>
-              <a:rPr lang="en-US" smtClean="0"/>
-              <a:t>Third level</a:t>
-            </a:r>
-          </a:p>
-          <a:p>
-            <a:pPr lvl="3"/>
-            <a:r>
-              <a:rPr lang="en-US" smtClean="0"/>
-              <a:t>Fourth level</a:t>
-            </a:r>
-          </a:p>
-          <a:p>
-            <a:pPr lvl="4"/>
-            <a:r>
-              <a:rPr lang="en-US" smtClean="0"/>
-              <a:t>Fifth level</a:t>
-            </a:r>
-            <a:endParaRPr lang="en-US"/>
-          </a:p>
-        </p:txBody>
-      </p:sp>
-      <p:sp>
-        <p:nvSpPr>
-          <p:cNvPr id="5" name="Date Placeholder 4"/>
-          <p:cNvSpPr>
-            <a:spLocks noGrp="1"/>
-          </p:cNvSpPr>
-          <p:nvPr>
-            <p:ph type="dt" sz="half" idx="10"/>
-          </p:nvPr>
-        </p:nvSpPr>
-        <p:spPr>
-          <a:xfrm>
-            <a:off x="762000" y="6248400"/>
-            <a:ext cx="5029200" cy="474663"/>
-          </a:xfrm>
-          <a:prstGeom prst="rect">
-            <a:avLst/>
-          </a:prstGeom>
-        </p:spPr>
-        <p:txBody>
-          <a:bodyPr/>
-          <a:lstStyle>
-            <a:lvl1pPr>
-              <a:defRPr/>
-            </a:lvl1pPr>
-          </a:lstStyle>
-          <a:p>
-            <a:r>
-              <a:rPr lang="en-US"/>
-              <a:t>Design for Electrical and Computer Engineers </a:t>
-            </a:r>
-          </a:p>
-          <a:p>
-            <a:r>
-              <a:rPr lang="en-US"/>
-              <a:t>Not to be transmitted or reproduced without written consent of authors</a:t>
-            </a:r>
-          </a:p>
-        </p:txBody>
-      </p:sp>
-      <p:sp>
-        <p:nvSpPr>
-          <p:cNvPr id="6" name="Footer Placeholder 5"/>
-          <p:cNvSpPr>
-            <a:spLocks noGrp="1"/>
-          </p:cNvSpPr>
-          <p:nvPr>
-            <p:ph type="ftr" sz="quarter" idx="11"/>
-          </p:nvPr>
-        </p:nvSpPr>
-        <p:spPr>
-          <a:xfrm>
-            <a:off x="5791200" y="6248400"/>
-            <a:ext cx="2897188" cy="474663"/>
-          </a:xfrm>
-          <a:prstGeom prst="rect">
-            <a:avLst/>
-          </a:prstGeom>
-        </p:spPr>
-        <p:txBody>
-          <a:bodyPr/>
-          <a:lstStyle>
-            <a:lvl1pPr>
-              <a:defRPr/>
-            </a:lvl1pPr>
-          </a:lstStyle>
-          <a:p>
-            <a:r>
-              <a:rPr lang="en-US"/>
-              <a:t>Copyright 2005 </a:t>
-            </a:r>
-          </a:p>
-          <a:p>
-            <a:r>
-              <a:rPr lang="en-US"/>
-              <a:t>Ralph M. Ford and Chris Coulston</a:t>
-            </a:r>
-          </a:p>
-        </p:txBody>
-      </p:sp>
-      <p:sp>
-        <p:nvSpPr>
-          <p:cNvPr id="7" name="Slide Number Placeholder 6"/>
-          <p:cNvSpPr>
-            <a:spLocks noGrp="1"/>
-          </p:cNvSpPr>
-          <p:nvPr>
-            <p:ph type="sldNum" sz="quarter" idx="12"/>
-          </p:nvPr>
-        </p:nvSpPr>
-        <p:spPr>
-          <a:xfrm>
-            <a:off x="84138" y="6242050"/>
-            <a:ext cx="587375" cy="488950"/>
-          </a:xfrm>
-        </p:spPr>
-        <p:txBody>
-          <a:bodyPr/>
-          <a:lstStyle>
-            <a:lvl1pPr>
-              <a:defRPr/>
-            </a:lvl1pPr>
-          </a:lstStyle>
-          <a:p>
-            <a:fld id="{22FCBE36-A1A8-4D44-8FD5-036874077CA6}" type="slidenum">
-              <a:rPr lang="en-US"/>
-              <a:pPr/>
-              <a:t>‹#›</a:t>
-            </a:fld>
-            <a:endParaRPr lang="en-US"/>
-          </a:p>
-        </p:txBody>
-      </p:sp>
-    </p:spTree>
+    <p:extLst>
+      <p:ext uri="{BB962C8B-B14F-4D97-AF65-F5344CB8AC3E}">
+        <p14:creationId xmlns:p14="http://schemas.microsoft.com/office/powerpoint/2010/main" val="4067202193"/>
+      </p:ext>
+    </p:extLst>
   </p:cSld>
   <p:clrMapOvr>
     <a:masterClrMapping/>
@@ -3411,44 +2677,41 @@
         <p:spPr/>
         <p:txBody>
           <a:bodyPr/>
-          <a:lstStyle>
-            <a:extLst/>
-          </a:lstStyle>
+          <a:lstStyle/>
           <a:p>
             <a:pPr lvl="0"/>
             <a:r>
-              <a:rPr lang="en-US" smtClean="0"/>
-              <a:t>Click to edit Master text styles</a:t>
+              <a:rPr lang="en-US"/>
+              <a:t>Edit Master text styles</a:t>
             </a:r>
           </a:p>
           <a:p>
             <a:pPr lvl="1"/>
             <a:r>
-              <a:rPr lang="en-US" smtClean="0"/>
+              <a:rPr lang="en-US"/>
               <a:t>Second level</a:t>
             </a:r>
           </a:p>
           <a:p>
             <a:pPr lvl="2"/>
             <a:r>
-              <a:rPr lang="en-US" smtClean="0"/>
+              <a:rPr lang="en-US"/>
               <a:t>Third level</a:t>
             </a:r>
           </a:p>
           <a:p>
             <a:pPr lvl="3"/>
             <a:r>
-              <a:rPr lang="en-US" smtClean="0"/>
+              <a:rPr lang="en-US"/>
               <a:t>Fourth level</a:t>
             </a:r>
           </a:p>
           <a:p>
             <a:pPr lvl="4"/>
             <a:r>
-              <a:rPr lang="en-US" smtClean="0"/>
+              <a:rPr lang="en-US"/>
               <a:t>Fifth level</a:t>
             </a:r>
-            <a:endParaRPr lang="en-US"/>
           </a:p>
         </p:txBody>
       </p:sp>
@@ -3462,118 +2725,27 @@
             <p:ph type="title"/>
           </p:nvPr>
         </p:nvSpPr>
-        <p:spPr/>
+        <p:spPr>
+          <a:xfrm>
+            <a:off x="457200" y="274638"/>
+            <a:ext cx="8001000" cy="1143000"/>
+          </a:xfrm>
+        </p:spPr>
         <p:txBody>
           <a:bodyPr rtlCol="0"/>
-          <a:lstStyle>
-            <a:extLst/>
-          </a:lstStyle>
-          <a:p>
-            <a:r>
-              <a:rPr lang="en-US" smtClean="0"/>
+          <a:lstStyle/>
+          <a:p>
+            <a:r>
+              <a:rPr lang="en-US"/>
               <a:t>Click to edit Master title style</a:t>
             </a:r>
-            <a:endParaRPr lang="en-US"/>
+            <a:endParaRPr lang="en-US" dirty="0"/>
           </a:p>
         </p:txBody>
       </p:sp>
       <p:sp>
         <p:nvSpPr>
-          <p:cNvPr id="4" name="Date Placeholder 3"/>
-          <p:cNvSpPr>
-            <a:spLocks noGrp="1"/>
-          </p:cNvSpPr>
-          <p:nvPr>
-            <p:ph type="dt" sz="half" idx="10"/>
-          </p:nvPr>
-        </p:nvSpPr>
-        <p:spPr>
-          <a:xfrm>
-            <a:off x="6727825" y="6408738"/>
-            <a:ext cx="1919288" cy="365125"/>
-          </a:xfrm>
-          <a:prstGeom prst="rect">
-            <a:avLst/>
-          </a:prstGeom>
-        </p:spPr>
-        <p:txBody>
-          <a:bodyPr/>
-          <a:lstStyle>
-            <a:lvl1pPr>
-              <a:defRPr/>
-            </a:lvl1pPr>
-            <a:extLst/>
-          </a:lstStyle>
-          <a:p>
-            <a:pPr>
-              <a:defRPr/>
-            </a:pPr>
-            <a:r>
-              <a:rPr lang="en-US"/>
-              <a:t>Design for Electrical and Computer Engineers (Published by McGraw Hill)</a:t>
-            </a:r>
-          </a:p>
-          <a:p>
-            <a:pPr>
-              <a:defRPr/>
-            </a:pPr>
-            <a:r>
-              <a:rPr lang="en-US"/>
-              <a:t>Not to be transmitted or reproduced without written consent of authors</a:t>
-            </a:r>
-          </a:p>
-        </p:txBody>
-      </p:sp>
-      <p:sp>
-        <p:nvSpPr>
-          <p:cNvPr id="5" name="Footer Placeholder 4"/>
-          <p:cNvSpPr>
-            <a:spLocks noGrp="1"/>
-          </p:cNvSpPr>
-          <p:nvPr>
-            <p:ph type="ftr" sz="quarter" idx="11"/>
-          </p:nvPr>
-        </p:nvSpPr>
-        <p:spPr>
-          <a:xfrm>
-            <a:off x="4379913" y="6408738"/>
-            <a:ext cx="2351087" cy="365125"/>
-          </a:xfrm>
-          <a:prstGeom prst="rect">
-            <a:avLst/>
-          </a:prstGeom>
-        </p:spPr>
-        <p:txBody>
-          <a:bodyPr/>
-          <a:lstStyle>
-            <a:lvl1pPr>
-              <a:defRPr/>
-            </a:lvl1pPr>
-            <a:extLst/>
-          </a:lstStyle>
-          <a:p>
-            <a:pPr>
-              <a:defRPr/>
-            </a:pPr>
-            <a:r>
-              <a:rPr lang="en-US"/>
-              <a:t>Copyright 2005 </a:t>
-            </a:r>
-          </a:p>
-          <a:p>
-            <a:pPr>
-              <a:defRPr/>
-            </a:pPr>
-            <a:r>
-              <a:rPr lang="en-US"/>
-              <a:t>Ralph M. Ford and Chris Coulston</a:t>
-            </a:r>
-          </a:p>
-        </p:txBody>
-      </p:sp>
-      <p:sp>
-        <p:nvSpPr>
-          <p:cNvPr id="6" name="Slide Number Placeholder 5"/>
+          <p:cNvPr id="8" name="Slide Number Placeholder 17"/>
           <p:cNvSpPr>
             <a:spLocks noGrp="1"/>
           </p:cNvSpPr>
@@ -3588,14 +2760,13 @@
             <a:lvl1pPr>
               <a:defRPr/>
             </a:lvl1pPr>
-            <a:extLst/>
           </a:lstStyle>
           <a:p>
             <a:pPr>
               <a:defRPr/>
             </a:pPr>
             <a:fld id="{BEAE16FA-6E05-4612-8277-4F97E5BAAEFA}" type="slidenum">
-              <a:rPr lang="en-US"/>
+              <a:rPr lang="en-US" smtClean="0"/>
               <a:pPr>
                 <a:defRPr/>
               </a:pPr>
@@ -3606,6 +2777,11 @@
         </p:txBody>
       </p:sp>
     </p:spTree>
+    <p:extLst>
+      <p:ext uri="{BB962C8B-B14F-4D97-AF65-F5344CB8AC3E}">
+        <p14:creationId xmlns:p14="http://schemas.microsoft.com/office/powerpoint/2010/main" val="4190375572"/>
+      </p:ext>
+    </p:extLst>
   </p:cSld>
   <p:clrMapOvr>
     <a:masterClrMapping/>
@@ -3614,786 +2790,8 @@
 </file>
 
 <file path=ppt/slideLayouts/slideLayout3.xml><?xml version="1.0" encoding="utf-8"?>
-<p:sldLayout xmlns:a="http://schemas.openxmlformats.org/drawingml/2006/main" xmlns:r="http://schemas.openxmlformats.org/officeDocument/2006/relationships" xmlns:p="http://schemas.openxmlformats.org/presentationml/2006/main" type="secHead" preserve="1">
-  <p:cSld name="Section Header">
-    <p:bg>
-      <p:bgRef idx="1002">
-        <a:schemeClr val="bg1"/>
-      </p:bgRef>
-    </p:bg>
-    <p:spTree>
-      <p:nvGrpSpPr>
-        <p:cNvPr id="1" name=""/>
-        <p:cNvGrpSpPr/>
-        <p:nvPr/>
-      </p:nvGrpSpPr>
-      <p:grpSpPr>
-        <a:xfrm>
-          <a:off x="0" y="0"/>
-          <a:ext cx="0" cy="0"/>
-          <a:chOff x="0" y="0"/>
-          <a:chExt cx="0" cy="0"/>
-        </a:xfrm>
-      </p:grpSpPr>
-      <p:sp>
-        <p:nvSpPr>
-          <p:cNvPr id="4" name="Chevron 3"/>
-          <p:cNvSpPr/>
-          <p:nvPr/>
-        </p:nvSpPr>
-        <p:spPr>
-          <a:xfrm>
-            <a:off x="3636963" y="3005138"/>
-            <a:ext cx="182562" cy="228600"/>
-          </a:xfrm>
-          <a:prstGeom prst="chevron">
-            <a:avLst>
-              <a:gd name="adj" fmla="val 50000"/>
-            </a:avLst>
-          </a:prstGeom>
-          <a:gradFill flip="none" rotWithShape="1">
-            <a:gsLst>
-              <a:gs pos="0">
-                <a:schemeClr val="accent1">
-                  <a:shade val="60000"/>
-                  <a:satMod val="125000"/>
-                </a:schemeClr>
-              </a:gs>
-              <a:gs pos="72000">
-                <a:schemeClr val="accent1">
-                  <a:tint val="90000"/>
-                  <a:satMod val="138000"/>
-                </a:schemeClr>
-              </a:gs>
-              <a:gs pos="100000">
-                <a:schemeClr val="accent1">
-                  <a:tint val="76000"/>
-                  <a:satMod val="136000"/>
-                </a:schemeClr>
-              </a:gs>
-            </a:gsLst>
-            <a:lin ang="16200000" scaled="0"/>
-          </a:gradFill>
-          <a:ln w="3175" cap="rnd" cmpd="sng" algn="ctr">
-            <a:solidFill>
-              <a:schemeClr val="accent1">
-                <a:shade val="50000"/>
-              </a:schemeClr>
-            </a:solidFill>
-            <a:prstDash val="solid"/>
-          </a:ln>
-          <a:effectLst>
-            <a:outerShdw blurRad="50800" dist="25400" dir="5400000">
-              <a:srgbClr val="000000">
-                <a:alpha val="46000"/>
-              </a:srgbClr>
-            </a:outerShdw>
-          </a:effectLst>
-        </p:spPr>
-        <p:style>
-          <a:lnRef idx="1">
-            <a:schemeClr val="accent1"/>
-          </a:lnRef>
-          <a:fillRef idx="3">
-            <a:schemeClr val="accent1"/>
-          </a:fillRef>
-          <a:effectRef idx="2">
-            <a:schemeClr val="accent1"/>
-          </a:effectRef>
-          <a:fontRef idx="minor">
-            <a:schemeClr val="lt1"/>
-          </a:fontRef>
-        </p:style>
-        <p:txBody>
-          <a:bodyPr anchor="ctr"/>
-          <a:lstStyle>
-            <a:extLst/>
-          </a:lstStyle>
-          <a:p>
-            <a:pPr eaLnBrk="1" hangingPunct="1">
-              <a:defRPr/>
-            </a:pPr>
-            <a:endParaRPr lang="en-US"/>
-          </a:p>
-        </p:txBody>
-      </p:sp>
-      <p:sp>
-        <p:nvSpPr>
-          <p:cNvPr id="5" name="Chevron 4"/>
-          <p:cNvSpPr/>
-          <p:nvPr/>
-        </p:nvSpPr>
-        <p:spPr>
-          <a:xfrm>
-            <a:off x="3449638" y="3005138"/>
-            <a:ext cx="184150" cy="228600"/>
-          </a:xfrm>
-          <a:prstGeom prst="chevron">
-            <a:avLst>
-              <a:gd name="adj" fmla="val 50000"/>
-            </a:avLst>
-          </a:prstGeom>
-          <a:gradFill flip="none" rotWithShape="1">
-            <a:gsLst>
-              <a:gs pos="0">
-                <a:schemeClr val="accent1">
-                  <a:shade val="60000"/>
-                  <a:satMod val="125000"/>
-                </a:schemeClr>
-              </a:gs>
-              <a:gs pos="72000">
-                <a:schemeClr val="accent1">
-                  <a:tint val="90000"/>
-                  <a:satMod val="138000"/>
-                </a:schemeClr>
-              </a:gs>
-              <a:gs pos="100000">
-                <a:schemeClr val="accent1">
-                  <a:tint val="76000"/>
-                  <a:satMod val="136000"/>
-                </a:schemeClr>
-              </a:gs>
-            </a:gsLst>
-            <a:lin ang="16200000" scaled="0"/>
-          </a:gradFill>
-          <a:ln w="3175" cap="rnd" cmpd="sng" algn="ctr">
-            <a:solidFill>
-              <a:schemeClr val="accent1">
-                <a:shade val="50000"/>
-              </a:schemeClr>
-            </a:solidFill>
-            <a:prstDash val="solid"/>
-          </a:ln>
-          <a:effectLst>
-            <a:outerShdw blurRad="50800" dist="25400" dir="5400000">
-              <a:srgbClr val="000000">
-                <a:alpha val="46000"/>
-              </a:srgbClr>
-            </a:outerShdw>
-          </a:effectLst>
-        </p:spPr>
-        <p:style>
-          <a:lnRef idx="1">
-            <a:schemeClr val="accent1"/>
-          </a:lnRef>
-          <a:fillRef idx="3">
-            <a:schemeClr val="accent1"/>
-          </a:fillRef>
-          <a:effectRef idx="2">
-            <a:schemeClr val="accent1"/>
-          </a:effectRef>
-          <a:fontRef idx="minor">
-            <a:schemeClr val="lt1"/>
-          </a:fontRef>
-        </p:style>
-        <p:txBody>
-          <a:bodyPr anchor="ctr"/>
-          <a:lstStyle>
-            <a:extLst/>
-          </a:lstStyle>
-          <a:p>
-            <a:pPr eaLnBrk="1" hangingPunct="1">
-              <a:defRPr/>
-            </a:pPr>
-            <a:endParaRPr lang="en-US"/>
-          </a:p>
-        </p:txBody>
-      </p:sp>
-      <p:sp>
-        <p:nvSpPr>
-          <p:cNvPr id="2" name="Title 1"/>
-          <p:cNvSpPr>
-            <a:spLocks noGrp="1"/>
-          </p:cNvSpPr>
-          <p:nvPr>
-            <p:ph type="title"/>
-          </p:nvPr>
-        </p:nvSpPr>
-        <p:spPr>
-          <a:xfrm>
-            <a:off x="722376" y="1059712"/>
-            <a:ext cx="7772400" cy="1828800"/>
-          </a:xfrm>
-        </p:spPr>
-        <p:txBody>
-          <a:bodyPr anchor="b"/>
-          <a:lstStyle>
-            <a:lvl1pPr algn="r">
-              <a:buNone/>
-              <a:defRPr sz="4800" b="1" cap="none" baseline="0">
-                <a:effectLst>
-                  <a:outerShdw blurRad="31750" dist="25400" dir="5400000" algn="tl" rotWithShape="0">
-                    <a:srgbClr val="000000">
-                      <a:alpha val="25000"/>
-                    </a:srgbClr>
-                  </a:outerShdw>
-                </a:effectLst>
-              </a:defRPr>
-            </a:lvl1pPr>
-            <a:extLst/>
-          </a:lstStyle>
-          <a:p>
-            <a:r>
-              <a:rPr lang="en-US" smtClean="0"/>
-              <a:t>Click to edit Master title style</a:t>
-            </a:r>
-            <a:endParaRPr lang="en-US"/>
-          </a:p>
-        </p:txBody>
-      </p:sp>
-      <p:sp>
-        <p:nvSpPr>
-          <p:cNvPr id="3" name="Text Placeholder 2"/>
-          <p:cNvSpPr>
-            <a:spLocks noGrp="1"/>
-          </p:cNvSpPr>
-          <p:nvPr>
-            <p:ph type="body" idx="1"/>
-          </p:nvPr>
-        </p:nvSpPr>
-        <p:spPr>
-          <a:xfrm>
-            <a:off x="3922713" y="2931712"/>
-            <a:ext cx="4572000" cy="1454888"/>
-          </a:xfrm>
-        </p:spPr>
-        <p:txBody>
-          <a:bodyPr/>
-          <a:lstStyle>
-            <a:lvl1pPr marL="0" indent="0" algn="l">
-              <a:buNone/>
-              <a:defRPr sz="2300">
-                <a:solidFill>
-                  <a:schemeClr val="tx1"/>
-                </a:solidFill>
-              </a:defRPr>
-            </a:lvl1pPr>
-            <a:lvl2pPr>
-              <a:buNone/>
-              <a:defRPr sz="1800">
-                <a:solidFill>
-                  <a:schemeClr val="tx1">
-                    <a:tint val="75000"/>
-                  </a:schemeClr>
-                </a:solidFill>
-              </a:defRPr>
-            </a:lvl2pPr>
-            <a:lvl3pPr>
-              <a:buNone/>
-              <a:defRPr sz="1600">
-                <a:solidFill>
-                  <a:schemeClr val="tx1">
-                    <a:tint val="75000"/>
-                  </a:schemeClr>
-                </a:solidFill>
-              </a:defRPr>
-            </a:lvl3pPr>
-            <a:lvl4pPr>
-              <a:buNone/>
-              <a:defRPr sz="1400">
-                <a:solidFill>
-                  <a:schemeClr val="tx1">
-                    <a:tint val="75000"/>
-                  </a:schemeClr>
-                </a:solidFill>
-              </a:defRPr>
-            </a:lvl4pPr>
-            <a:lvl5pPr>
-              <a:buNone/>
-              <a:defRPr sz="1400">
-                <a:solidFill>
-                  <a:schemeClr val="tx1">
-                    <a:tint val="75000"/>
-                  </a:schemeClr>
-                </a:solidFill>
-              </a:defRPr>
-            </a:lvl5pPr>
-            <a:extLst/>
-          </a:lstStyle>
-          <a:p>
-            <a:pPr lvl="0"/>
-            <a:r>
-              <a:rPr lang="en-US" smtClean="0"/>
-              <a:t>Click to edit Master text styles</a:t>
-            </a:r>
-          </a:p>
-        </p:txBody>
-      </p:sp>
-      <p:sp>
-        <p:nvSpPr>
-          <p:cNvPr id="6" name="Date Placeholder 3"/>
-          <p:cNvSpPr>
-            <a:spLocks noGrp="1"/>
-          </p:cNvSpPr>
-          <p:nvPr>
-            <p:ph type="dt" sz="half" idx="10"/>
-          </p:nvPr>
-        </p:nvSpPr>
-        <p:spPr>
-          <a:xfrm>
-            <a:off x="6727825" y="6408738"/>
-            <a:ext cx="1919288" cy="365125"/>
-          </a:xfrm>
-          <a:prstGeom prst="rect">
-            <a:avLst/>
-          </a:prstGeom>
-        </p:spPr>
-        <p:txBody>
-          <a:bodyPr/>
-          <a:lstStyle>
-            <a:lvl1pPr>
-              <a:defRPr/>
-            </a:lvl1pPr>
-            <a:extLst/>
-          </a:lstStyle>
-          <a:p>
-            <a:pPr>
-              <a:defRPr/>
-            </a:pPr>
-            <a:r>
-              <a:rPr lang="en-US"/>
-              <a:t>Design for Electrical and Computer Engineers (Published by McGraw Hill)</a:t>
-            </a:r>
-          </a:p>
-          <a:p>
-            <a:pPr>
-              <a:defRPr/>
-            </a:pPr>
-            <a:r>
-              <a:rPr lang="en-US"/>
-              <a:t>Not to be transmitted or reproduced without written consent of authors</a:t>
-            </a:r>
-          </a:p>
-        </p:txBody>
-      </p:sp>
-      <p:sp>
-        <p:nvSpPr>
-          <p:cNvPr id="7" name="Footer Placeholder 4"/>
-          <p:cNvSpPr>
-            <a:spLocks noGrp="1"/>
-          </p:cNvSpPr>
-          <p:nvPr>
-            <p:ph type="ftr" sz="quarter" idx="11"/>
-          </p:nvPr>
-        </p:nvSpPr>
-        <p:spPr>
-          <a:xfrm>
-            <a:off x="4379913" y="6408738"/>
-            <a:ext cx="2351087" cy="365125"/>
-          </a:xfrm>
-          <a:prstGeom prst="rect">
-            <a:avLst/>
-          </a:prstGeom>
-        </p:spPr>
-        <p:txBody>
-          <a:bodyPr/>
-          <a:lstStyle>
-            <a:lvl1pPr>
-              <a:defRPr/>
-            </a:lvl1pPr>
-            <a:extLst/>
-          </a:lstStyle>
-          <a:p>
-            <a:pPr>
-              <a:defRPr/>
-            </a:pPr>
-            <a:r>
-              <a:rPr lang="en-US"/>
-              <a:t>Copyright 2005 </a:t>
-            </a:r>
-          </a:p>
-          <a:p>
-            <a:pPr>
-              <a:defRPr/>
-            </a:pPr>
-            <a:r>
-              <a:rPr lang="en-US"/>
-              <a:t>Ralph M. Ford and Chris Coulston</a:t>
-            </a:r>
-          </a:p>
-        </p:txBody>
-      </p:sp>
-      <p:sp>
-        <p:nvSpPr>
-          <p:cNvPr id="8" name="Slide Number Placeholder 5"/>
-          <p:cNvSpPr>
-            <a:spLocks noGrp="1"/>
-          </p:cNvSpPr>
-          <p:nvPr>
-            <p:ph type="sldNum" sz="quarter" idx="12"/>
-          </p:nvPr>
-        </p:nvSpPr>
-        <p:spPr/>
-        <p:txBody>
-          <a:bodyPr/>
-          <a:lstStyle>
-            <a:lvl1pPr>
-              <a:defRPr/>
-            </a:lvl1pPr>
-            <a:extLst/>
-          </a:lstStyle>
-          <a:p>
-            <a:pPr>
-              <a:defRPr/>
-            </a:pPr>
-            <a:fld id="{1F294169-59BE-40C6-9732-70D92BBF36AB}" type="slidenum">
-              <a:rPr lang="en-US"/>
-              <a:pPr>
-                <a:defRPr/>
-              </a:pPr>
-              <a:t>‹#›</a:t>
-            </a:fld>
-            <a:endParaRPr lang="en-US"/>
-          </a:p>
-        </p:txBody>
-      </p:sp>
-    </p:spTree>
-  </p:cSld>
-  <p:clrMapOvr>
-    <a:overrideClrMapping bg1="dk1" tx1="lt1" bg2="dk2" tx2="lt2" accent1="accent1" accent2="accent2" accent3="accent3" accent4="accent4" accent5="accent5" accent6="accent6" hlink="hlink" folHlink="folHlink"/>
-  </p:clrMapOvr>
-</p:sldLayout>
-</file>
-
-<file path=ppt/slideLayouts/slideLayout4.xml><?xml version="1.0" encoding="utf-8"?>
-<p:sldLayout xmlns:a="http://schemas.openxmlformats.org/drawingml/2006/main" xmlns:r="http://schemas.openxmlformats.org/officeDocument/2006/relationships" xmlns:p="http://schemas.openxmlformats.org/presentationml/2006/main" type="twoObj" preserve="1">
-  <p:cSld name="Two Content">
-    <p:bg>
-      <p:bgRef idx="1002">
-        <a:schemeClr val="bg1"/>
-      </p:bgRef>
-    </p:bg>
-    <p:spTree>
-      <p:nvGrpSpPr>
-        <p:cNvPr id="1" name=""/>
-        <p:cNvGrpSpPr/>
-        <p:nvPr/>
-      </p:nvGrpSpPr>
-      <p:grpSpPr>
-        <a:xfrm>
-          <a:off x="0" y="0"/>
-          <a:ext cx="0" cy="0"/>
-          <a:chOff x="0" y="0"/>
-          <a:chExt cx="0" cy="0"/>
-        </a:xfrm>
-      </p:grpSpPr>
-      <p:sp>
-        <p:nvSpPr>
-          <p:cNvPr id="3" name="Content Placeholder 2"/>
-          <p:cNvSpPr>
-            <a:spLocks noGrp="1"/>
-          </p:cNvSpPr>
-          <p:nvPr>
-            <p:ph sz="half" idx="1"/>
-          </p:nvPr>
-        </p:nvSpPr>
-        <p:spPr>
-          <a:xfrm>
-            <a:off x="457200" y="1481328"/>
-            <a:ext cx="4038600" cy="4525963"/>
-          </a:xfrm>
-        </p:spPr>
-        <p:txBody>
-          <a:bodyPr/>
-          <a:lstStyle>
-            <a:lvl1pPr>
-              <a:defRPr sz="2800"/>
-            </a:lvl1pPr>
-            <a:lvl2pPr>
-              <a:defRPr sz="2400"/>
-            </a:lvl2pPr>
-            <a:lvl3pPr>
-              <a:defRPr sz="2000"/>
-            </a:lvl3pPr>
-            <a:lvl4pPr>
-              <a:defRPr sz="1800"/>
-            </a:lvl4pPr>
-            <a:lvl5pPr>
-              <a:defRPr sz="1800"/>
-            </a:lvl5pPr>
-            <a:extLst/>
-          </a:lstStyle>
-          <a:p>
-            <a:pPr lvl="0"/>
-            <a:r>
-              <a:rPr lang="en-US" smtClean="0"/>
-              <a:t>Click to edit Master text styles</a:t>
-            </a:r>
-          </a:p>
-          <a:p>
-            <a:pPr lvl="1"/>
-            <a:r>
-              <a:rPr lang="en-US" smtClean="0"/>
-              <a:t>Second level</a:t>
-            </a:r>
-          </a:p>
-          <a:p>
-            <a:pPr lvl="2"/>
-            <a:r>
-              <a:rPr lang="en-US" smtClean="0"/>
-              <a:t>Third level</a:t>
-            </a:r>
-          </a:p>
-          <a:p>
-            <a:pPr lvl="3"/>
-            <a:r>
-              <a:rPr lang="en-US" smtClean="0"/>
-              <a:t>Fourth level</a:t>
-            </a:r>
-          </a:p>
-          <a:p>
-            <a:pPr lvl="4"/>
-            <a:r>
-              <a:rPr lang="en-US" smtClean="0"/>
-              <a:t>Fifth level</a:t>
-            </a:r>
-            <a:endParaRPr lang="en-US"/>
-          </a:p>
-        </p:txBody>
-      </p:sp>
-      <p:sp>
-        <p:nvSpPr>
-          <p:cNvPr id="4" name="Content Placeholder 3"/>
-          <p:cNvSpPr>
-            <a:spLocks noGrp="1"/>
-          </p:cNvSpPr>
-          <p:nvPr>
-            <p:ph sz="half" idx="2"/>
-          </p:nvPr>
-        </p:nvSpPr>
-        <p:spPr>
-          <a:xfrm>
-            <a:off x="4648200" y="1481328"/>
-            <a:ext cx="4038600" cy="4525963"/>
-          </a:xfrm>
-        </p:spPr>
-        <p:txBody>
-          <a:bodyPr/>
-          <a:lstStyle>
-            <a:lvl1pPr>
-              <a:defRPr sz="2800"/>
-            </a:lvl1pPr>
-            <a:lvl2pPr>
-              <a:defRPr sz="2400"/>
-            </a:lvl2pPr>
-            <a:lvl3pPr>
-              <a:defRPr sz="2000"/>
-            </a:lvl3pPr>
-            <a:lvl4pPr>
-              <a:defRPr sz="1800"/>
-            </a:lvl4pPr>
-            <a:lvl5pPr>
-              <a:defRPr sz="1800"/>
-            </a:lvl5pPr>
-            <a:extLst/>
-          </a:lstStyle>
-          <a:p>
-            <a:pPr lvl="0"/>
-            <a:r>
-              <a:rPr lang="en-US" smtClean="0"/>
-              <a:t>Click to edit Master text styles</a:t>
-            </a:r>
-          </a:p>
-          <a:p>
-            <a:pPr lvl="1"/>
-            <a:r>
-              <a:rPr lang="en-US" smtClean="0"/>
-              <a:t>Second level</a:t>
-            </a:r>
-          </a:p>
-          <a:p>
-            <a:pPr lvl="2"/>
-            <a:r>
-              <a:rPr lang="en-US" smtClean="0"/>
-              <a:t>Third level</a:t>
-            </a:r>
-          </a:p>
-          <a:p>
-            <a:pPr lvl="3"/>
-            <a:r>
-              <a:rPr lang="en-US" smtClean="0"/>
-              <a:t>Fourth level</a:t>
-            </a:r>
-          </a:p>
-          <a:p>
-            <a:pPr lvl="4"/>
-            <a:r>
-              <a:rPr lang="en-US" smtClean="0"/>
-              <a:t>Fifth level</a:t>
-            </a:r>
-            <a:endParaRPr lang="en-US"/>
-          </a:p>
-        </p:txBody>
-      </p:sp>
-      <p:sp>
-        <p:nvSpPr>
-          <p:cNvPr id="8" name="Title 7"/>
-          <p:cNvSpPr>
-            <a:spLocks noGrp="1"/>
-          </p:cNvSpPr>
-          <p:nvPr>
-            <p:ph type="title"/>
-          </p:nvPr>
-        </p:nvSpPr>
-        <p:spPr/>
-        <p:txBody>
-          <a:bodyPr rtlCol="0"/>
-          <a:lstStyle>
-            <a:extLst/>
-          </a:lstStyle>
-          <a:p>
-            <a:r>
-              <a:rPr lang="en-US" smtClean="0"/>
-              <a:t>Click to edit Master title style</a:t>
-            </a:r>
-            <a:endParaRPr lang="en-US"/>
-          </a:p>
-        </p:txBody>
-      </p:sp>
-      <p:sp>
-        <p:nvSpPr>
-          <p:cNvPr id="5" name="Date Placeholder 4"/>
-          <p:cNvSpPr>
-            <a:spLocks noGrp="1"/>
-          </p:cNvSpPr>
-          <p:nvPr>
-            <p:ph type="dt" sz="half" idx="10"/>
-          </p:nvPr>
-        </p:nvSpPr>
-        <p:spPr>
-          <a:xfrm>
-            <a:off x="6727825" y="6408738"/>
-            <a:ext cx="1919288" cy="365125"/>
-          </a:xfrm>
-          <a:prstGeom prst="rect">
-            <a:avLst/>
-          </a:prstGeom>
-        </p:spPr>
-        <p:txBody>
-          <a:bodyPr/>
-          <a:lstStyle>
-            <a:lvl1pPr>
-              <a:defRPr/>
-            </a:lvl1pPr>
-            <a:extLst/>
-          </a:lstStyle>
-          <a:p>
-            <a:pPr>
-              <a:defRPr/>
-            </a:pPr>
-            <a:r>
-              <a:rPr lang="en-US"/>
-              <a:t>Design for Electrical and Computer Engineers (Published by McGraw Hill)</a:t>
-            </a:r>
-          </a:p>
-          <a:p>
-            <a:pPr>
-              <a:defRPr/>
-            </a:pPr>
-            <a:r>
-              <a:rPr lang="en-US"/>
-              <a:t>Not to be transmitted or reproduced without written consent of authors</a:t>
-            </a:r>
-          </a:p>
-        </p:txBody>
-      </p:sp>
-      <p:sp>
-        <p:nvSpPr>
-          <p:cNvPr id="6" name="Footer Placeholder 5"/>
-          <p:cNvSpPr>
-            <a:spLocks noGrp="1"/>
-          </p:cNvSpPr>
-          <p:nvPr>
-            <p:ph type="ftr" sz="quarter" idx="11"/>
-          </p:nvPr>
-        </p:nvSpPr>
-        <p:spPr>
-          <a:xfrm>
-            <a:off x="4379913" y="6408738"/>
-            <a:ext cx="2351087" cy="365125"/>
-          </a:xfrm>
-          <a:prstGeom prst="rect">
-            <a:avLst/>
-          </a:prstGeom>
-        </p:spPr>
-        <p:txBody>
-          <a:bodyPr/>
-          <a:lstStyle>
-            <a:lvl1pPr>
-              <a:defRPr/>
-            </a:lvl1pPr>
-            <a:extLst/>
-          </a:lstStyle>
-          <a:p>
-            <a:pPr>
-              <a:defRPr/>
-            </a:pPr>
-            <a:r>
-              <a:rPr lang="en-US"/>
-              <a:t>Copyright 2005 </a:t>
-            </a:r>
-          </a:p>
-          <a:p>
-            <a:pPr>
-              <a:defRPr/>
-            </a:pPr>
-            <a:r>
-              <a:rPr lang="en-US"/>
-              <a:t>Ralph M. Ford and Chris Coulston</a:t>
-            </a:r>
-          </a:p>
-        </p:txBody>
-      </p:sp>
-      <p:sp>
-        <p:nvSpPr>
-          <p:cNvPr id="7" name="Slide Number Placeholder 6"/>
-          <p:cNvSpPr>
-            <a:spLocks noGrp="1"/>
-          </p:cNvSpPr>
-          <p:nvPr>
-            <p:ph type="sldNum" sz="quarter" idx="12"/>
-          </p:nvPr>
-        </p:nvSpPr>
-        <p:spPr/>
-        <p:txBody>
-          <a:bodyPr/>
-          <a:lstStyle>
-            <a:lvl1pPr>
-              <a:defRPr/>
-            </a:lvl1pPr>
-            <a:extLst/>
-          </a:lstStyle>
-          <a:p>
-            <a:pPr>
-              <a:defRPr/>
-            </a:pPr>
-            <a:fld id="{9D566E27-1036-415D-B387-8D6AABC28E4F}" type="slidenum">
-              <a:rPr lang="en-US"/>
-              <a:pPr>
-                <a:defRPr/>
-              </a:pPr>
-              <a:t>‹#›</a:t>
-            </a:fld>
-            <a:endParaRPr lang="en-US"/>
-          </a:p>
-        </p:txBody>
-      </p:sp>
-    </p:spTree>
-  </p:cSld>
-  <p:clrMapOvr>
-    <a:overrideClrMapping bg1="dk1" tx1="lt1" bg2="dk2" tx2="lt2" accent1="accent1" accent2="accent2" accent3="accent3" accent4="accent4" accent5="accent5" accent6="accent6" hlink="hlink" folHlink="folHlink"/>
-  </p:clrMapOvr>
-</p:sldLayout>
-</file>
-
-<file path=ppt/slideLayouts/slideLayout5.xml><?xml version="1.0" encoding="utf-8"?>
-<p:sldLayout xmlns:a="http://schemas.openxmlformats.org/drawingml/2006/main" xmlns:r="http://schemas.openxmlformats.org/officeDocument/2006/relationships" xmlns:p="http://schemas.openxmlformats.org/presentationml/2006/main" showMasterSp="0" type="twoTxTwoObj" preserve="1">
-  <p:cSld name="Comparison">
-    <p:bg>
-      <p:bgRef idx="1003">
-        <a:schemeClr val="bg1"/>
-      </p:bgRef>
-    </p:bg>
+<p:sldLayout xmlns:a="http://schemas.openxmlformats.org/drawingml/2006/main" xmlns:r="http://schemas.openxmlformats.org/officeDocument/2006/relationships" xmlns:p="http://schemas.openxmlformats.org/presentationml/2006/main" type="tbl">
+  <p:cSld name="Title and Table">
     <p:spTree>
       <p:nvGrpSpPr>
         <p:cNvPr id="1" name=""/>
@@ -4420,8 +2818,65 @@
         </p:nvSpPr>
         <p:spPr>
           <a:xfrm>
-            <a:off x="457200" y="273050"/>
-            <a:ext cx="8229600" cy="1143000"/>
+            <a:off x="762000" y="228600"/>
+            <a:ext cx="7924800" cy="685800"/>
+          </a:xfrm>
+        </p:spPr>
+        <p:txBody>
+          <a:bodyPr/>
+          <a:lstStyle/>
+          <a:p>
+            <a:r>
+              <a:rPr lang="en-US"/>
+              <a:t>Click to edit Master title style</a:t>
+            </a:r>
+          </a:p>
+        </p:txBody>
+      </p:sp>
+      <p:sp>
+        <p:nvSpPr>
+          <p:cNvPr id="3" name="Table Placeholder 2"/>
+          <p:cNvSpPr>
+            <a:spLocks noGrp="1"/>
+          </p:cNvSpPr>
+          <p:nvPr>
+            <p:ph type="tbl" idx="1"/>
+          </p:nvPr>
+        </p:nvSpPr>
+        <p:spPr>
+          <a:xfrm>
+            <a:off x="838200" y="1295400"/>
+            <a:ext cx="7693025" cy="4791075"/>
+          </a:xfrm>
+        </p:spPr>
+        <p:txBody>
+          <a:bodyPr>
+            <a:normAutofit/>
+          </a:bodyPr>
+          <a:lstStyle/>
+          <a:p>
+            <a:pPr lvl="0"/>
+            <a:r>
+              <a:rPr lang="en-US" noProof="0"/>
+              <a:t>Click icon to add table</a:t>
+            </a:r>
+          </a:p>
+        </p:txBody>
+      </p:sp>
+      <p:sp>
+        <p:nvSpPr>
+          <p:cNvPr id="6" name="Slide Number Placeholder 5"/>
+          <p:cNvSpPr>
+            <a:spLocks noGrp="1"/>
+          </p:cNvSpPr>
+          <p:nvPr>
+            <p:ph type="sldNum" sz="quarter" idx="12"/>
+          </p:nvPr>
+        </p:nvSpPr>
+        <p:spPr>
+          <a:xfrm>
+            <a:off x="84138" y="6242050"/>
+            <a:ext cx="587375" cy="488950"/>
           </a:xfrm>
         </p:spPr>
         <p:txBody>
@@ -4430,423 +2885,13 @@
             <a:lvl1pPr>
               <a:defRPr/>
             </a:lvl1pPr>
-            <a:extLst/>
-          </a:lstStyle>
-          <a:p>
-            <a:r>
-              <a:rPr lang="en-US" smtClean="0"/>
-              <a:t>Click to edit Master title style</a:t>
-            </a:r>
-            <a:endParaRPr lang="en-US"/>
-          </a:p>
-        </p:txBody>
-      </p:sp>
-      <p:sp>
-        <p:nvSpPr>
-          <p:cNvPr id="3" name="Text Placeholder 2"/>
-          <p:cNvSpPr>
-            <a:spLocks noGrp="1"/>
-          </p:cNvSpPr>
-          <p:nvPr>
-            <p:ph type="body" idx="1"/>
-          </p:nvPr>
-        </p:nvSpPr>
-        <p:spPr>
-          <a:xfrm>
-            <a:off x="457200" y="5410200"/>
-            <a:ext cx="4040188" cy="762000"/>
-          </a:xfrm>
-          <a:solidFill>
-            <a:schemeClr val="accent1"/>
-          </a:solidFill>
-          <a:ln w="9652">
-            <a:solidFill>
-              <a:schemeClr val="accent1"/>
-            </a:solidFill>
-            <a:miter lim="800000"/>
-          </a:ln>
-        </p:spPr>
-        <p:txBody>
-          <a:bodyPr lIns="182880" anchor="ctr"/>
-          <a:lstStyle>
-            <a:lvl1pPr marL="0" indent="0">
-              <a:buNone/>
-              <a:defRPr sz="2400" b="0">
-                <a:solidFill>
-                  <a:schemeClr val="bg1"/>
-                </a:solidFill>
-              </a:defRPr>
-            </a:lvl1pPr>
-            <a:lvl2pPr>
-              <a:buNone/>
-              <a:defRPr sz="2000" b="1"/>
-            </a:lvl2pPr>
-            <a:lvl3pPr>
-              <a:buNone/>
-              <a:defRPr sz="1800" b="1"/>
-            </a:lvl3pPr>
-            <a:lvl4pPr>
-              <a:buNone/>
-              <a:defRPr sz="1600" b="1"/>
-            </a:lvl4pPr>
-            <a:lvl5pPr>
-              <a:buNone/>
-              <a:defRPr sz="1600" b="1"/>
-            </a:lvl5pPr>
-            <a:extLst/>
-          </a:lstStyle>
-          <a:p>
-            <a:pPr lvl="0"/>
-            <a:r>
-              <a:rPr lang="en-US" smtClean="0"/>
-              <a:t>Click to edit Master text styles</a:t>
-            </a:r>
-          </a:p>
-        </p:txBody>
-      </p:sp>
-      <p:sp>
-        <p:nvSpPr>
-          <p:cNvPr id="4" name="Text Placeholder 3"/>
-          <p:cNvSpPr>
-            <a:spLocks noGrp="1"/>
-          </p:cNvSpPr>
-          <p:nvPr>
-            <p:ph type="body" sz="half" idx="3"/>
-          </p:nvPr>
-        </p:nvSpPr>
-        <p:spPr>
-          <a:xfrm>
-            <a:off x="4645026" y="5410200"/>
-            <a:ext cx="4041775" cy="762000"/>
-          </a:xfrm>
-          <a:solidFill>
-            <a:schemeClr val="accent1"/>
-          </a:solidFill>
-          <a:ln w="9652">
-            <a:solidFill>
-              <a:schemeClr val="accent1"/>
-            </a:solidFill>
-            <a:miter lim="800000"/>
-          </a:ln>
-        </p:spPr>
-        <p:txBody>
-          <a:bodyPr lIns="182880" anchor="ctr"/>
-          <a:lstStyle>
-            <a:lvl1pPr marL="0" indent="0">
-              <a:buNone/>
-              <a:defRPr sz="2400" b="0">
-                <a:solidFill>
-                  <a:schemeClr val="bg1"/>
-                </a:solidFill>
-              </a:defRPr>
-            </a:lvl1pPr>
-            <a:lvl2pPr>
-              <a:buNone/>
-              <a:defRPr sz="2000" b="1"/>
-            </a:lvl2pPr>
-            <a:lvl3pPr>
-              <a:buNone/>
-              <a:defRPr sz="1800" b="1"/>
-            </a:lvl3pPr>
-            <a:lvl4pPr>
-              <a:buNone/>
-              <a:defRPr sz="1600" b="1"/>
-            </a:lvl4pPr>
-            <a:lvl5pPr>
-              <a:buNone/>
-              <a:defRPr sz="1600" b="1"/>
-            </a:lvl5pPr>
-            <a:extLst/>
-          </a:lstStyle>
-          <a:p>
-            <a:pPr lvl="0"/>
-            <a:r>
-              <a:rPr lang="en-US" smtClean="0"/>
-              <a:t>Click to edit Master text styles</a:t>
-            </a:r>
-          </a:p>
-        </p:txBody>
-      </p:sp>
-      <p:sp>
-        <p:nvSpPr>
-          <p:cNvPr id="5" name="Content Placeholder 4"/>
-          <p:cNvSpPr>
-            <a:spLocks noGrp="1"/>
-          </p:cNvSpPr>
-          <p:nvPr>
-            <p:ph sz="quarter" idx="2"/>
-          </p:nvPr>
-        </p:nvSpPr>
-        <p:spPr>
-          <a:xfrm>
-            <a:off x="457200" y="1444294"/>
-            <a:ext cx="4040188" cy="3941763"/>
-          </a:xfrm>
-          <a:ln>
-            <a:noFill/>
-            <a:prstDash val="sysDash"/>
-            <a:miter lim="800000"/>
-          </a:ln>
-        </p:spPr>
-        <p:txBody>
-          <a:bodyPr/>
-          <a:lstStyle>
-            <a:lvl1pPr>
-              <a:defRPr sz="2400"/>
-            </a:lvl1pPr>
-            <a:lvl2pPr>
-              <a:defRPr sz="2000"/>
-            </a:lvl2pPr>
-            <a:lvl3pPr>
-              <a:defRPr sz="1800"/>
-            </a:lvl3pPr>
-            <a:lvl4pPr>
-              <a:defRPr sz="1600"/>
-            </a:lvl4pPr>
-            <a:lvl5pPr>
-              <a:defRPr sz="1600"/>
-            </a:lvl5pPr>
-            <a:extLst/>
-          </a:lstStyle>
-          <a:p>
-            <a:pPr lvl="0"/>
-            <a:r>
-              <a:rPr lang="en-US" smtClean="0"/>
-              <a:t>Click to edit Master text styles</a:t>
-            </a:r>
-          </a:p>
-          <a:p>
-            <a:pPr lvl="1"/>
-            <a:r>
-              <a:rPr lang="en-US" smtClean="0"/>
-              <a:t>Second level</a:t>
-            </a:r>
-          </a:p>
-          <a:p>
-            <a:pPr lvl="2"/>
-            <a:r>
-              <a:rPr lang="en-US" smtClean="0"/>
-              <a:t>Third level</a:t>
-            </a:r>
-          </a:p>
-          <a:p>
-            <a:pPr lvl="3"/>
-            <a:r>
-              <a:rPr lang="en-US" smtClean="0"/>
-              <a:t>Fourth level</a:t>
-            </a:r>
-          </a:p>
-          <a:p>
-            <a:pPr lvl="4"/>
-            <a:r>
-              <a:rPr lang="en-US" smtClean="0"/>
-              <a:t>Fifth level</a:t>
-            </a:r>
-            <a:endParaRPr lang="en-US"/>
-          </a:p>
-        </p:txBody>
-      </p:sp>
-      <p:sp>
-        <p:nvSpPr>
-          <p:cNvPr id="6" name="Content Placeholder 5"/>
-          <p:cNvSpPr>
-            <a:spLocks noGrp="1"/>
-          </p:cNvSpPr>
-          <p:nvPr>
-            <p:ph sz="quarter" idx="4"/>
-          </p:nvPr>
-        </p:nvSpPr>
-        <p:spPr>
-          <a:xfrm>
-            <a:off x="4645025" y="1444294"/>
-            <a:ext cx="4041775" cy="3941763"/>
-          </a:xfrm>
-          <a:ln>
-            <a:noFill/>
-            <a:prstDash val="sysDash"/>
-            <a:miter lim="800000"/>
-          </a:ln>
-        </p:spPr>
-        <p:txBody>
-          <a:bodyPr/>
-          <a:lstStyle>
-            <a:lvl1pPr>
-              <a:spcBef>
-                <a:spcPts val="0"/>
-              </a:spcBef>
-              <a:defRPr sz="2400"/>
-            </a:lvl1pPr>
-            <a:lvl2pPr>
-              <a:defRPr sz="2000"/>
-            </a:lvl2pPr>
-            <a:lvl3pPr>
-              <a:defRPr sz="1800"/>
-            </a:lvl3pPr>
-            <a:lvl4pPr>
-              <a:defRPr sz="1600"/>
-            </a:lvl4pPr>
-            <a:lvl5pPr>
-              <a:defRPr sz="1600"/>
-            </a:lvl5pPr>
-            <a:extLst/>
-          </a:lstStyle>
-          <a:p>
-            <a:pPr lvl="0"/>
-            <a:r>
-              <a:rPr lang="en-US" smtClean="0"/>
-              <a:t>Click to edit Master text styles</a:t>
-            </a:r>
-          </a:p>
-          <a:p>
-            <a:pPr lvl="1"/>
-            <a:r>
-              <a:rPr lang="en-US" smtClean="0"/>
-              <a:t>Second level</a:t>
-            </a:r>
-          </a:p>
-          <a:p>
-            <a:pPr lvl="2"/>
-            <a:r>
-              <a:rPr lang="en-US" smtClean="0"/>
-              <a:t>Third level</a:t>
-            </a:r>
-          </a:p>
-          <a:p>
-            <a:pPr lvl="3"/>
-            <a:r>
-              <a:rPr lang="en-US" smtClean="0"/>
-              <a:t>Fourth level</a:t>
-            </a:r>
-          </a:p>
-          <a:p>
-            <a:pPr lvl="4"/>
-            <a:r>
-              <a:rPr lang="en-US" smtClean="0"/>
-              <a:t>Fifth level</a:t>
-            </a:r>
-            <a:endParaRPr lang="en-US"/>
-          </a:p>
-        </p:txBody>
-      </p:sp>
-      <p:sp>
-        <p:nvSpPr>
-          <p:cNvPr id="7" name="Date Placeholder 6"/>
-          <p:cNvSpPr>
-            <a:spLocks noGrp="1"/>
-          </p:cNvSpPr>
-          <p:nvPr>
-            <p:ph type="dt" sz="half" idx="10"/>
-          </p:nvPr>
-        </p:nvSpPr>
-        <p:spPr>
-          <a:xfrm>
-            <a:off x="6727825" y="6408738"/>
-            <a:ext cx="1919288" cy="365125"/>
-          </a:xfrm>
-          <a:prstGeom prst="rect">
-            <a:avLst/>
-          </a:prstGeom>
-        </p:spPr>
-        <p:txBody>
-          <a:bodyPr/>
-          <a:lstStyle>
-            <a:lvl1pPr>
-              <a:defRPr/>
-            </a:lvl1pPr>
-            <a:extLst/>
           </a:lstStyle>
           <a:p>
             <a:pPr>
               <a:defRPr/>
             </a:pPr>
-            <a:r>
-              <a:rPr lang="en-US"/>
-              <a:t>Design for Electrical and Computer Engineers (Published by McGraw Hill)</a:t>
-            </a:r>
-          </a:p>
-          <a:p>
-            <a:pPr>
-              <a:defRPr/>
-            </a:pPr>
-            <a:r>
-              <a:rPr lang="en-US"/>
-              <a:t>Not to be transmitted or reproduced without written consent of authors</a:t>
-            </a:r>
-          </a:p>
-        </p:txBody>
-      </p:sp>
-      <p:sp>
-        <p:nvSpPr>
-          <p:cNvPr id="8" name="Footer Placeholder 7"/>
-          <p:cNvSpPr>
-            <a:spLocks noGrp="1"/>
-          </p:cNvSpPr>
-          <p:nvPr>
-            <p:ph type="ftr" sz="quarter" idx="11"/>
-          </p:nvPr>
-        </p:nvSpPr>
-        <p:spPr>
-          <a:xfrm>
-            <a:off x="4379913" y="6408738"/>
-            <a:ext cx="2351087" cy="365125"/>
-          </a:xfrm>
-          <a:prstGeom prst="rect">
-            <a:avLst/>
-          </a:prstGeom>
-        </p:spPr>
-        <p:txBody>
-          <a:bodyPr/>
-          <a:lstStyle>
-            <a:lvl1pPr>
-              <a:defRPr/>
-            </a:lvl1pPr>
-            <a:extLst/>
-          </a:lstStyle>
-          <a:p>
-            <a:pPr>
-              <a:defRPr/>
-            </a:pPr>
-            <a:r>
-              <a:rPr lang="en-US"/>
-              <a:t>Copyright 2005 </a:t>
-            </a:r>
-          </a:p>
-          <a:p>
-            <a:pPr>
-              <a:defRPr/>
-            </a:pPr>
-            <a:r>
-              <a:rPr lang="en-US"/>
-              <a:t>Ralph M. Ford and Chris Coulston</a:t>
-            </a:r>
-          </a:p>
-        </p:txBody>
-      </p:sp>
-      <p:sp>
-        <p:nvSpPr>
-          <p:cNvPr id="9" name="Slide Number Placeholder 8"/>
-          <p:cNvSpPr>
-            <a:spLocks noGrp="1"/>
-          </p:cNvSpPr>
-          <p:nvPr>
-            <p:ph type="sldNum" sz="quarter" idx="12"/>
-          </p:nvPr>
-        </p:nvSpPr>
-        <p:spPr/>
-        <p:txBody>
-          <a:bodyPr/>
-          <a:lstStyle>
-            <a:lvl1pPr>
-              <a:defRPr/>
-            </a:lvl1pPr>
-            <a:extLst/>
-          </a:lstStyle>
-          <a:p>
-            <a:pPr>
-              <a:defRPr/>
-            </a:pPr>
-            <a:fld id="{24FE1423-C33B-4D34-89D3-2DD24FAE7D7B}" type="slidenum">
-              <a:rPr lang="en-US"/>
+            <a:fld id="{54FE3507-E8A7-4C13-9E9B-1A526CB1AA49}" type="slidenum">
+              <a:rPr lang="en-US" smtClean="0"/>
               <a:pPr>
                 <a:defRPr/>
               </a:pPr>
@@ -4857,357 +2902,22 @@
         </p:txBody>
       </p:sp>
     </p:spTree>
-  </p:cSld>
-  <p:clrMapOvr>
-    <a:overrideClrMapping bg1="lt1" tx1="dk1" bg2="lt2" tx2="dk2" accent1="accent1" accent2="accent2" accent3="accent3" accent4="accent4" accent5="accent5" accent6="accent6" hlink="hlink" folHlink="folHlink"/>
-  </p:clrMapOvr>
-</p:sldLayout>
-</file>
-
-<file path=ppt/slideLayouts/slideLayout6.xml><?xml version="1.0" encoding="utf-8"?>
-<p:sldLayout xmlns:a="http://schemas.openxmlformats.org/drawingml/2006/main" xmlns:r="http://schemas.openxmlformats.org/officeDocument/2006/relationships" xmlns:p="http://schemas.openxmlformats.org/presentationml/2006/main" type="titleOnly" preserve="1">
-  <p:cSld name="Title Only">
-    <p:bg>
-      <p:bgRef idx="1002">
-        <a:schemeClr val="bg1"/>
-      </p:bgRef>
-    </p:bg>
-    <p:spTree>
-      <p:nvGrpSpPr>
-        <p:cNvPr id="1" name=""/>
-        <p:cNvGrpSpPr/>
-        <p:nvPr/>
-      </p:nvGrpSpPr>
-      <p:grpSpPr>
-        <a:xfrm>
-          <a:off x="0" y="0"/>
-          <a:ext cx="0" cy="0"/>
-          <a:chOff x="0" y="0"/>
-          <a:chExt cx="0" cy="0"/>
-        </a:xfrm>
-      </p:grpSpPr>
-      <p:sp>
-        <p:nvSpPr>
-          <p:cNvPr id="6" name="Title 5"/>
-          <p:cNvSpPr>
-            <a:spLocks noGrp="1"/>
-          </p:cNvSpPr>
-          <p:nvPr>
-            <p:ph type="title"/>
-          </p:nvPr>
-        </p:nvSpPr>
-        <p:spPr/>
-        <p:txBody>
-          <a:bodyPr rtlCol="0"/>
-          <a:lstStyle>
-            <a:extLst/>
-          </a:lstStyle>
-          <a:p>
-            <a:r>
-              <a:rPr lang="en-US" smtClean="0"/>
-              <a:t>Click to edit Master title style</a:t>
-            </a:r>
-            <a:endParaRPr lang="en-US"/>
-          </a:p>
-        </p:txBody>
-      </p:sp>
-      <p:sp>
-        <p:nvSpPr>
-          <p:cNvPr id="3" name="Date Placeholder 2"/>
-          <p:cNvSpPr>
-            <a:spLocks noGrp="1"/>
-          </p:cNvSpPr>
-          <p:nvPr>
-            <p:ph type="dt" sz="half" idx="10"/>
-          </p:nvPr>
-        </p:nvSpPr>
-        <p:spPr>
-          <a:xfrm>
-            <a:off x="6727825" y="6408738"/>
-            <a:ext cx="1919288" cy="365125"/>
-          </a:xfrm>
-          <a:prstGeom prst="rect">
-            <a:avLst/>
-          </a:prstGeom>
-        </p:spPr>
-        <p:txBody>
-          <a:bodyPr/>
-          <a:lstStyle>
-            <a:lvl1pPr>
-              <a:defRPr/>
-            </a:lvl1pPr>
-            <a:extLst/>
-          </a:lstStyle>
-          <a:p>
-            <a:pPr>
-              <a:defRPr/>
-            </a:pPr>
-            <a:r>
-              <a:rPr lang="en-US"/>
-              <a:t>Design for Electrical and Computer Engineers (Published by McGraw Hill)</a:t>
-            </a:r>
-          </a:p>
-          <a:p>
-            <a:pPr>
-              <a:defRPr/>
-            </a:pPr>
-            <a:r>
-              <a:rPr lang="en-US"/>
-              <a:t>Not to be transmitted or reproduced without written consent of authors</a:t>
-            </a:r>
-          </a:p>
-        </p:txBody>
-      </p:sp>
-      <p:sp>
-        <p:nvSpPr>
-          <p:cNvPr id="4" name="Footer Placeholder 3"/>
-          <p:cNvSpPr>
-            <a:spLocks noGrp="1"/>
-          </p:cNvSpPr>
-          <p:nvPr>
-            <p:ph type="ftr" sz="quarter" idx="11"/>
-          </p:nvPr>
-        </p:nvSpPr>
-        <p:spPr>
-          <a:xfrm>
-            <a:off x="4379913" y="6408738"/>
-            <a:ext cx="2351087" cy="365125"/>
-          </a:xfrm>
-          <a:prstGeom prst="rect">
-            <a:avLst/>
-          </a:prstGeom>
-        </p:spPr>
-        <p:txBody>
-          <a:bodyPr/>
-          <a:lstStyle>
-            <a:lvl1pPr>
-              <a:defRPr/>
-            </a:lvl1pPr>
-            <a:extLst/>
-          </a:lstStyle>
-          <a:p>
-            <a:pPr>
-              <a:defRPr/>
-            </a:pPr>
-            <a:r>
-              <a:rPr lang="en-US"/>
-              <a:t>Copyright 2005 </a:t>
-            </a:r>
-          </a:p>
-          <a:p>
-            <a:pPr>
-              <a:defRPr/>
-            </a:pPr>
-            <a:r>
-              <a:rPr lang="en-US"/>
-              <a:t>Ralph M. Ford and Chris Coulston</a:t>
-            </a:r>
-          </a:p>
-        </p:txBody>
-      </p:sp>
-      <p:sp>
-        <p:nvSpPr>
-          <p:cNvPr id="5" name="Slide Number Placeholder 4"/>
-          <p:cNvSpPr>
-            <a:spLocks noGrp="1"/>
-          </p:cNvSpPr>
-          <p:nvPr>
-            <p:ph type="sldNum" sz="quarter" idx="12"/>
-          </p:nvPr>
-        </p:nvSpPr>
-        <p:spPr/>
-        <p:txBody>
-          <a:bodyPr/>
-          <a:lstStyle>
-            <a:lvl1pPr>
-              <a:defRPr/>
-            </a:lvl1pPr>
-            <a:extLst/>
-          </a:lstStyle>
-          <a:p>
-            <a:pPr>
-              <a:defRPr/>
-            </a:pPr>
-            <a:fld id="{53EC42A2-20F6-43FF-9536-FD23E45BA85E}" type="slidenum">
-              <a:rPr lang="en-US"/>
-              <a:pPr>
-                <a:defRPr/>
-              </a:pPr>
-              <a:t>‹#›</a:t>
-            </a:fld>
-            <a:endParaRPr lang="en-US"/>
-          </a:p>
-        </p:txBody>
-      </p:sp>
-    </p:spTree>
-  </p:cSld>
-  <p:clrMapOvr>
-    <a:overrideClrMapping bg1="dk1" tx1="lt1" bg2="dk2" tx2="lt2" accent1="accent1" accent2="accent2" accent3="accent3" accent4="accent4" accent5="accent5" accent6="accent6" hlink="hlink" folHlink="folHlink"/>
-  </p:clrMapOvr>
-</p:sldLayout>
-</file>
-
-<file path=ppt/slideLayouts/slideLayout7.xml><?xml version="1.0" encoding="utf-8"?>
-<p:sldLayout xmlns:a="http://schemas.openxmlformats.org/drawingml/2006/main" xmlns:r="http://schemas.openxmlformats.org/officeDocument/2006/relationships" xmlns:p="http://schemas.openxmlformats.org/presentationml/2006/main" type="blank" preserve="1">
-  <p:cSld name="Blank">
-    <p:spTree>
-      <p:nvGrpSpPr>
-        <p:cNvPr id="1" name=""/>
-        <p:cNvGrpSpPr/>
-        <p:nvPr/>
-      </p:nvGrpSpPr>
-      <p:grpSpPr>
-        <a:xfrm>
-          <a:off x="0" y="0"/>
-          <a:ext cx="0" cy="0"/>
-          <a:chOff x="0" y="0"/>
-          <a:chExt cx="0" cy="0"/>
-        </a:xfrm>
-      </p:grpSpPr>
-      <p:sp>
-        <p:nvSpPr>
-          <p:cNvPr id="2" name="Date Placeholder 1"/>
-          <p:cNvSpPr>
-            <a:spLocks noGrp="1"/>
-          </p:cNvSpPr>
-          <p:nvPr>
-            <p:ph type="dt" sz="half" idx="10"/>
-          </p:nvPr>
-        </p:nvSpPr>
-        <p:spPr>
-          <a:xfrm>
-            <a:off x="6727825" y="6408738"/>
-            <a:ext cx="1919288" cy="365125"/>
-          </a:xfrm>
-          <a:prstGeom prst="rect">
-            <a:avLst/>
-          </a:prstGeom>
-        </p:spPr>
-        <p:txBody>
-          <a:bodyPr/>
-          <a:lstStyle>
-            <a:lvl1pPr>
-              <a:defRPr/>
-            </a:lvl1pPr>
-            <a:extLst/>
-          </a:lstStyle>
-          <a:p>
-            <a:pPr>
-              <a:defRPr/>
-            </a:pPr>
-            <a:r>
-              <a:rPr lang="en-US"/>
-              <a:t>Design for Electrical and Computer Engineers (Published by McGraw Hill)</a:t>
-            </a:r>
-          </a:p>
-          <a:p>
-            <a:pPr>
-              <a:defRPr/>
-            </a:pPr>
-            <a:r>
-              <a:rPr lang="en-US"/>
-              <a:t>Not to be transmitted or reproduced without written consent of authors</a:t>
-            </a:r>
-          </a:p>
-        </p:txBody>
-      </p:sp>
-      <p:sp>
-        <p:nvSpPr>
-          <p:cNvPr id="3" name="Footer Placeholder 2"/>
-          <p:cNvSpPr>
-            <a:spLocks noGrp="1"/>
-          </p:cNvSpPr>
-          <p:nvPr>
-            <p:ph type="ftr" sz="quarter" idx="11"/>
-          </p:nvPr>
-        </p:nvSpPr>
-        <p:spPr>
-          <a:xfrm>
-            <a:off x="4379913" y="6408738"/>
-            <a:ext cx="2351087" cy="365125"/>
-          </a:xfrm>
-          <a:prstGeom prst="rect">
-            <a:avLst/>
-          </a:prstGeom>
-        </p:spPr>
-        <p:txBody>
-          <a:bodyPr/>
-          <a:lstStyle>
-            <a:lvl1pPr>
-              <a:defRPr/>
-            </a:lvl1pPr>
-            <a:extLst/>
-          </a:lstStyle>
-          <a:p>
-            <a:pPr>
-              <a:defRPr/>
-            </a:pPr>
-            <a:r>
-              <a:rPr lang="en-US"/>
-              <a:t>Copyright 2005 </a:t>
-            </a:r>
-          </a:p>
-          <a:p>
-            <a:pPr>
-              <a:defRPr/>
-            </a:pPr>
-            <a:r>
-              <a:rPr lang="en-US"/>
-              <a:t>Ralph M. Ford and Chris Coulston</a:t>
-            </a:r>
-          </a:p>
-        </p:txBody>
-      </p:sp>
-      <p:sp>
-        <p:nvSpPr>
-          <p:cNvPr id="4" name="Slide Number Placeholder 3"/>
-          <p:cNvSpPr>
-            <a:spLocks noGrp="1"/>
-          </p:cNvSpPr>
-          <p:nvPr>
-            <p:ph type="sldNum" sz="quarter" idx="12"/>
-          </p:nvPr>
-        </p:nvSpPr>
-        <p:spPr/>
-        <p:txBody>
-          <a:bodyPr/>
-          <a:lstStyle>
-            <a:lvl1pPr>
-              <a:defRPr/>
-            </a:lvl1pPr>
-            <a:extLst/>
-          </a:lstStyle>
-          <a:p>
-            <a:pPr>
-              <a:defRPr/>
-            </a:pPr>
-            <a:fld id="{FC856514-50B2-4B20-B70F-C6E26642108A}" type="slidenum">
-              <a:rPr lang="en-US"/>
-              <a:pPr>
-                <a:defRPr/>
-              </a:pPr>
-              <a:t>‹#›</a:t>
-            </a:fld>
-            <a:endParaRPr lang="en-US"/>
-          </a:p>
-        </p:txBody>
-      </p:sp>
-    </p:spTree>
+    <p:extLst>
+      <p:ext uri="{BB962C8B-B14F-4D97-AF65-F5344CB8AC3E}">
+        <p14:creationId xmlns:p14="http://schemas.microsoft.com/office/powerpoint/2010/main" val="2426364304"/>
+      </p:ext>
+    </p:extLst>
   </p:cSld>
   <p:clrMapOvr>
     <a:masterClrMapping/>
   </p:clrMapOvr>
+  <p:hf hdr="0"/>
 </p:sldLayout>
 </file>
 
-<file path=ppt/slideLayouts/slideLayout8.xml><?xml version="1.0" encoding="utf-8"?>
-<p:sldLayout xmlns:a="http://schemas.openxmlformats.org/drawingml/2006/main" xmlns:r="http://schemas.openxmlformats.org/officeDocument/2006/relationships" xmlns:p="http://schemas.openxmlformats.org/presentationml/2006/main" showMasterSp="0" type="objTx" preserve="1">
-  <p:cSld name="Content with Caption">
-    <p:bg>
-      <p:bgRef idx="1003">
-        <a:schemeClr val="bg1"/>
-      </p:bgRef>
-    </p:bg>
+<file path=ppt/slideLayouts/slideLayout4.xml><?xml version="1.0" encoding="utf-8"?>
+<p:sldLayout xmlns:a="http://schemas.openxmlformats.org/drawingml/2006/main" xmlns:r="http://schemas.openxmlformats.org/officeDocument/2006/relationships" xmlns:p="http://schemas.openxmlformats.org/presentationml/2006/main" type="txAndObj">
+  <p:cSld name="Title, Text, and Content">
     <p:spTree>
       <p:nvGrpSpPr>
         <p:cNvPr id="1" name=""/>
@@ -5234,35 +2944,18 @@
         </p:nvSpPr>
         <p:spPr>
           <a:xfrm>
-            <a:off x="914400" y="4876800"/>
-            <a:ext cx="7481776" cy="457200"/>
+            <a:off x="762000" y="228600"/>
+            <a:ext cx="7924800" cy="685800"/>
           </a:xfrm>
         </p:spPr>
         <p:txBody>
-          <a:bodyPr anchor="t">
-            <a:noAutofit/>
-            <a:sp3d prstMaterial="softEdge">
-              <a:bevelT w="0" h="0"/>
-            </a:sp3d>
-          </a:bodyPr>
-          <a:lstStyle>
-            <a:lvl1pPr algn="r">
-              <a:buNone/>
-              <a:defRPr sz="2500" b="0">
-                <a:solidFill>
-                  <a:schemeClr val="accent1"/>
-                </a:solidFill>
-                <a:effectLst/>
-              </a:defRPr>
-            </a:lvl1pPr>
-            <a:extLst/>
-          </a:lstStyle>
-          <a:p>
-            <a:r>
-              <a:rPr lang="en-US" smtClean="0"/>
+          <a:bodyPr/>
+          <a:lstStyle/>
+          <a:p>
+            <a:r>
+              <a:rPr lang="en-US"/>
               <a:t>Click to edit Master title style</a:t>
             </a:r>
-            <a:endParaRPr lang="en-US"/>
           </a:p>
         </p:txBody>
       </p:sp>
@@ -5273,45 +2966,51 @@
             <a:spLocks noGrp="1"/>
           </p:cNvSpPr>
           <p:nvPr>
-            <p:ph type="body" idx="2"/>
+            <p:ph type="body" sz="half" idx="1"/>
           </p:nvPr>
         </p:nvSpPr>
         <p:spPr>
           <a:xfrm>
-            <a:off x="4419600" y="5355102"/>
-            <a:ext cx="3974592" cy="914400"/>
+            <a:off x="838200" y="1295400"/>
+            <a:ext cx="3770313" cy="4791075"/>
           </a:xfrm>
         </p:spPr>
         <p:txBody>
           <a:bodyPr/>
-          <a:lstStyle>
-            <a:lvl1pPr marL="0" indent="0" algn="r">
-              <a:buNone/>
-              <a:defRPr sz="1600"/>
-            </a:lvl1pPr>
-            <a:lvl2pPr>
-              <a:buNone/>
-              <a:defRPr sz="1200"/>
-            </a:lvl2pPr>
-            <a:lvl3pPr>
-              <a:buNone/>
-              <a:defRPr sz="1000"/>
-            </a:lvl3pPr>
-            <a:lvl4pPr>
-              <a:buNone/>
-              <a:defRPr sz="900"/>
-            </a:lvl4pPr>
-            <a:lvl5pPr>
-              <a:buNone/>
-              <a:defRPr sz="900"/>
-            </a:lvl5pPr>
-            <a:extLst/>
-          </a:lstStyle>
+          <a:lstStyle/>
           <a:p>
             <a:pPr lvl="0"/>
             <a:r>
-              <a:rPr lang="en-US" smtClean="0"/>
-              <a:t>Click to edit Master text styles</a:t>
+              <a:rPr lang="en-US"/>
+              <a:t>Edit Master text styles</a:t>
+            </a:r>
+          </a:p>
+          <a:p>
+            <a:pPr lvl="1"/>
+            <a:r>
+              <a:rPr lang="en-US"/>
+              <a:t>Second level</a:t>
+            </a:r>
+          </a:p>
+          <a:p>
+            <a:pPr lvl="2"/>
+            <a:r>
+              <a:rPr lang="en-US"/>
+              <a:t>Third level</a:t>
+            </a:r>
+          </a:p>
+          <a:p>
+            <a:pPr lvl="3"/>
+            <a:r>
+              <a:rPr lang="en-US"/>
+              <a:t>Fourth level</a:t>
+            </a:r>
+          </a:p>
+          <a:p>
+            <a:pPr lvl="4"/>
+            <a:r>
+              <a:rPr lang="en-US"/>
+              <a:t>Fifth level</a:t>
             </a:r>
           </a:p>
         </p:txBody>
@@ -5323,172 +3022,60 @@
             <a:spLocks noGrp="1"/>
           </p:cNvSpPr>
           <p:nvPr>
-            <p:ph sz="half" idx="1"/>
+            <p:ph sz="half" idx="2"/>
           </p:nvPr>
         </p:nvSpPr>
         <p:spPr>
           <a:xfrm>
-            <a:off x="914400" y="274320"/>
-            <a:ext cx="7479792" cy="4572000"/>
+            <a:off x="4760913" y="1295400"/>
+            <a:ext cx="3770312" cy="4791075"/>
           </a:xfrm>
         </p:spPr>
         <p:txBody>
           <a:bodyPr/>
-          <a:lstStyle>
-            <a:lvl1pPr>
-              <a:defRPr sz="3200"/>
-            </a:lvl1pPr>
-            <a:lvl2pPr>
-              <a:defRPr sz="2800"/>
-            </a:lvl2pPr>
-            <a:lvl3pPr>
-              <a:defRPr sz="2400"/>
-            </a:lvl3pPr>
-            <a:lvl4pPr>
-              <a:defRPr sz="2000"/>
-            </a:lvl4pPr>
-            <a:lvl5pPr>
-              <a:defRPr sz="2000"/>
-            </a:lvl5pPr>
-            <a:extLst/>
-          </a:lstStyle>
+          <a:lstStyle/>
           <a:p>
             <a:pPr lvl="0"/>
             <a:r>
-              <a:rPr lang="en-US" smtClean="0"/>
-              <a:t>Click to edit Master text styles</a:t>
+              <a:rPr lang="en-US"/>
+              <a:t>Edit Master text styles</a:t>
             </a:r>
           </a:p>
           <a:p>
             <a:pPr lvl="1"/>
             <a:r>
-              <a:rPr lang="en-US" smtClean="0"/>
+              <a:rPr lang="en-US"/>
               <a:t>Second level</a:t>
             </a:r>
           </a:p>
           <a:p>
             <a:pPr lvl="2"/>
             <a:r>
-              <a:rPr lang="en-US" smtClean="0"/>
+              <a:rPr lang="en-US"/>
               <a:t>Third level</a:t>
             </a:r>
           </a:p>
           <a:p>
             <a:pPr lvl="3"/>
             <a:r>
-              <a:rPr lang="en-US" smtClean="0"/>
+              <a:rPr lang="en-US"/>
               <a:t>Fourth level</a:t>
             </a:r>
           </a:p>
           <a:p>
             <a:pPr lvl="4"/>
             <a:r>
-              <a:rPr lang="en-US" smtClean="0"/>
+              <a:rPr lang="en-US"/>
               <a:t>Fifth level</a:t>
             </a:r>
-            <a:endParaRPr lang="en-US"/>
           </a:p>
         </p:txBody>
       </p:sp>
       <p:sp>
         <p:nvSpPr>
-          <p:cNvPr id="5" name="Date Placeholder 4"/>
+          <p:cNvPr id="7" name="Rectangle 13"/>
           <p:cNvSpPr>
-            <a:spLocks noGrp="1"/>
-          </p:cNvSpPr>
-          <p:nvPr>
-            <p:ph type="dt" sz="half" idx="10"/>
-          </p:nvPr>
-        </p:nvSpPr>
-        <p:spPr>
-          <a:xfrm>
-            <a:off x="6727825" y="6408738"/>
-            <a:ext cx="1919288" cy="365125"/>
-          </a:xfrm>
-          <a:prstGeom prst="rect">
-            <a:avLst/>
-          </a:prstGeom>
-        </p:spPr>
-        <p:txBody>
-          <a:bodyPr/>
-          <a:lstStyle>
-            <a:lvl1pPr>
-              <a:defRPr/>
-            </a:lvl1pPr>
-            <a:extLst/>
-          </a:lstStyle>
-          <a:p>
-            <a:pPr>
-              <a:defRPr/>
-            </a:pPr>
-            <a:r>
-              <a:rPr lang="en-US"/>
-              <a:t>Design for Electrical and Computer Engineers (Published by McGraw Hill)</a:t>
-            </a:r>
-          </a:p>
-          <a:p>
-            <a:pPr>
-              <a:defRPr/>
-            </a:pPr>
-            <a:r>
-              <a:rPr lang="en-US"/>
-              <a:t>Not to be transmitted or reproduced without written consent of authors</a:t>
-            </a:r>
-          </a:p>
-        </p:txBody>
-      </p:sp>
-      <p:sp>
-        <p:nvSpPr>
-          <p:cNvPr id="6" name="Footer Placeholder 5"/>
-          <p:cNvSpPr>
-            <a:spLocks noGrp="1"/>
-          </p:cNvSpPr>
-          <p:nvPr>
-            <p:ph type="ftr" sz="quarter" idx="11"/>
-          </p:nvPr>
-        </p:nvSpPr>
-        <p:spPr>
-          <a:xfrm>
-            <a:off x="4379913" y="6408738"/>
-            <a:ext cx="2351087" cy="365125"/>
-          </a:xfrm>
-          <a:prstGeom prst="rect">
-            <a:avLst/>
-          </a:prstGeom>
-        </p:spPr>
-        <p:txBody>
-          <a:bodyPr/>
-          <a:lstStyle>
-            <a:lvl1pPr>
-              <a:defRPr/>
-            </a:lvl1pPr>
-            <a:extLst/>
-          </a:lstStyle>
-          <a:p>
-            <a:pPr>
-              <a:defRPr/>
-            </a:pPr>
-            <a:r>
-              <a:rPr lang="en-US"/>
-              <a:t>Copyright 2005 </a:t>
-            </a:r>
-          </a:p>
-          <a:p>
-            <a:pPr>
-              <a:defRPr/>
-            </a:pPr>
-            <a:r>
-              <a:rPr lang="en-US"/>
-              <a:t>Ralph M. Ford and Chris Coulston</a:t>
-            </a:r>
-          </a:p>
-        </p:txBody>
-      </p:sp>
-      <p:sp>
-        <p:nvSpPr>
-          <p:cNvPr id="7" name="Slide Number Placeholder 6"/>
-          <p:cNvSpPr>
-            <a:spLocks noGrp="1"/>
+            <a:spLocks noGrp="1" noChangeArrowheads="1"/>
           </p:cNvSpPr>
           <p:nvPr>
             <p:ph type="sldNum" sz="quarter" idx="12"/>
@@ -5501,17 +3088,11 @@
             <a:lvl1pPr>
               <a:defRPr/>
             </a:lvl1pPr>
-            <a:extLst/>
           </a:lstStyle>
           <a:p>
-            <a:pPr>
-              <a:defRPr/>
-            </a:pPr>
-            <a:fld id="{56F76B84-A27B-4E58-A625-14FFC27360CF}" type="slidenum">
-              <a:rPr lang="en-US"/>
-              <a:pPr>
-                <a:defRPr/>
-              </a:pPr>
+            <a:fld id="{22FCBE36-A1A8-4D44-8FD5-036874077CA6}" type="slidenum">
+              <a:rPr lang="en-US" smtClean="0"/>
+              <a:pPr/>
               <a:t>‹#›</a:t>
             </a:fld>
             <a:endParaRPr lang="en-US"/>
@@ -5519,18 +3100,23 @@
         </p:txBody>
       </p:sp>
     </p:spTree>
+    <p:extLst>
+      <p:ext uri="{BB962C8B-B14F-4D97-AF65-F5344CB8AC3E}">
+        <p14:creationId xmlns:p14="http://schemas.microsoft.com/office/powerpoint/2010/main" val="3900688071"/>
+      </p:ext>
+    </p:extLst>
   </p:cSld>
   <p:clrMapOvr>
-    <a:overrideClrMapping bg1="lt1" tx1="dk1" bg2="lt2" tx2="dk2" accent1="accent1" accent2="accent2" accent3="accent3" accent4="accent4" accent5="accent5" accent6="accent6" hlink="hlink" folHlink="folHlink"/>
+    <a:masterClrMapping/>
   </p:clrMapOvr>
 </p:sldLayout>
 </file>
 
-<file path=ppt/slideLayouts/slideLayout9.xml><?xml version="1.0" encoding="utf-8"?>
-<p:sldLayout xmlns:a="http://schemas.openxmlformats.org/drawingml/2006/main" xmlns:r="http://schemas.openxmlformats.org/officeDocument/2006/relationships" xmlns:p="http://schemas.openxmlformats.org/presentationml/2006/main" showMasterSp="0" type="picTx" preserve="1">
-  <p:cSld name="Picture with Caption">
+<file path=ppt/slideMasters/slideMaster1.xml><?xml version="1.0" encoding="utf-8"?>
+<p:sldMaster xmlns:a="http://schemas.openxmlformats.org/drawingml/2006/main" xmlns:r="http://schemas.openxmlformats.org/officeDocument/2006/relationships" xmlns:p="http://schemas.openxmlformats.org/presentationml/2006/main">
+  <p:cSld>
     <p:bg>
-      <p:bgRef idx="1002">
+      <p:bgRef idx="1001">
         <a:schemeClr val="bg1"/>
       </p:bgRef>
     </p:bg>
@@ -5550,7 +3136,7 @@
       </p:grpSpPr>
       <p:sp>
         <p:nvSpPr>
-          <p:cNvPr id="5" name="Freeform 4"/>
+          <p:cNvPr id="13" name="Freeform 12"/>
           <p:cNvSpPr>
             <a:spLocks/>
           </p:cNvSpPr>
@@ -5624,9 +3210,7 @@
         </p:spPr>
         <p:txBody>
           <a:bodyPr/>
-          <a:lstStyle>
-            <a:extLst/>
-          </a:lstStyle>
+          <a:lstStyle/>
           <a:p>
             <a:pPr>
               <a:defRPr/>
@@ -5637,7 +3221,7 @@
       </p:sp>
       <p:sp>
         <p:nvSpPr>
-          <p:cNvPr id="6" name="Freeform 5"/>
+          <p:cNvPr id="12" name="Freeform 11"/>
           <p:cNvSpPr>
             <a:spLocks/>
           </p:cNvSpPr>
@@ -5709,9 +3293,7 @@
         </p:spPr>
         <p:txBody>
           <a:bodyPr/>
-          <a:lstStyle>
-            <a:extLst/>
-          </a:lstStyle>
+          <a:lstStyle/>
           <a:p>
             <a:pPr>
               <a:defRPr/>
@@ -5722,7 +3304,7 @@
       </p:sp>
       <p:sp>
         <p:nvSpPr>
-          <p:cNvPr id="7" name="Right Triangle 6"/>
+          <p:cNvPr id="14" name="Right Triangle 13"/>
           <p:cNvSpPr>
             <a:spLocks/>
           </p:cNvSpPr>
@@ -5737,7 +3319,7 @@
             <a:avLst/>
           </a:prstGeom>
           <a:blipFill>
-            <a:blip r:embed="rId3">
+            <a:blip r:embed="rId6">
               <a:alphaModFix amt="50000"/>
             </a:blip>
             <a:tile tx="0" ty="0" sx="50000" sy="50000" flip="none" algn="t"/>
@@ -5822,863 +3404,7 @@
         </p:style>
         <p:txBody>
           <a:bodyPr anchor="ctr"/>
-          <a:lstStyle>
-            <a:extLst/>
-          </a:lstStyle>
-          <a:p>
-            <a:pPr algn="ctr" eaLnBrk="1" hangingPunct="1">
-              <a:defRPr/>
-            </a:pPr>
-            <a:endParaRPr lang="en-US"/>
-          </a:p>
-        </p:txBody>
-      </p:sp>
-      <p:cxnSp>
-        <p:nvCxnSpPr>
-          <p:cNvPr id="8" name="Straight Connector 7"/>
-          <p:cNvCxnSpPr/>
-          <p:nvPr/>
-        </p:nvCxnSpPr>
-        <p:spPr>
-          <a:xfrm>
-            <a:off x="-9237" y="5787738"/>
-            <a:ext cx="3405509" cy="1084383"/>
-          </a:xfrm>
-          <a:prstGeom prst="line">
-            <a:avLst/>
-          </a:prstGeom>
-          <a:noFill/>
-          <a:ln w="12065" cap="flat" cmpd="sng" algn="ctr">
-            <a:gradFill>
-              <a:gsLst>
-                <a:gs pos="45000">
-                  <a:schemeClr val="accent1">
-                    <a:tint val="70000"/>
-                    <a:satMod val="110000"/>
-                  </a:schemeClr>
-                </a:gs>
-                <a:gs pos="15000">
-                  <a:schemeClr val="accent1">
-                    <a:shade val="40000"/>
-                    <a:satMod val="110000"/>
-                  </a:schemeClr>
-                </a:gs>
-              </a:gsLst>
-              <a:lin ang="5400000" scaled="1"/>
-            </a:gradFill>
-            <a:prstDash val="solid"/>
-            <a:miter lim="800000"/>
-          </a:ln>
-          <a:effectLst/>
-        </p:spPr>
-        <p:style>
-          <a:lnRef idx="2">
-            <a:schemeClr val="accent1"/>
-          </a:lnRef>
-          <a:fillRef idx="0">
-            <a:schemeClr val="accent1"/>
-          </a:fillRef>
-          <a:effectRef idx="1">
-            <a:schemeClr val="accent1"/>
-          </a:effectRef>
-          <a:fontRef idx="minor">
-            <a:schemeClr val="tx1"/>
-          </a:fontRef>
-        </p:style>
-      </p:cxnSp>
-      <p:sp>
-        <p:nvSpPr>
-          <p:cNvPr id="9" name="Chevron 8"/>
-          <p:cNvSpPr/>
-          <p:nvPr/>
-        </p:nvSpPr>
-        <p:spPr>
-          <a:xfrm>
-            <a:off x="8664575" y="4987925"/>
-            <a:ext cx="182563" cy="228600"/>
-          </a:xfrm>
-          <a:prstGeom prst="chevron">
-            <a:avLst>
-              <a:gd name="adj" fmla="val 50000"/>
-            </a:avLst>
-          </a:prstGeom>
-          <a:gradFill flip="none" rotWithShape="1">
-            <a:gsLst>
-              <a:gs pos="0">
-                <a:schemeClr val="accent1">
-                  <a:shade val="60000"/>
-                  <a:satMod val="125000"/>
-                </a:schemeClr>
-              </a:gs>
-              <a:gs pos="72000">
-                <a:schemeClr val="accent1">
-                  <a:tint val="90000"/>
-                  <a:satMod val="138000"/>
-                </a:schemeClr>
-              </a:gs>
-              <a:gs pos="100000">
-                <a:schemeClr val="accent1">
-                  <a:tint val="76000"/>
-                  <a:satMod val="136000"/>
-                </a:schemeClr>
-              </a:gs>
-            </a:gsLst>
-            <a:lin ang="16200000" scaled="0"/>
-          </a:gradFill>
-          <a:ln w="3175" cap="rnd" cmpd="sng" algn="ctr">
-            <a:solidFill>
-              <a:schemeClr val="accent1">
-                <a:shade val="50000"/>
-              </a:schemeClr>
-            </a:solidFill>
-            <a:prstDash val="solid"/>
-          </a:ln>
-          <a:effectLst>
-            <a:outerShdw blurRad="50800" dist="25400" dir="5400000">
-              <a:srgbClr val="000000">
-                <a:alpha val="46000"/>
-              </a:srgbClr>
-            </a:outerShdw>
-          </a:effectLst>
-        </p:spPr>
-        <p:style>
-          <a:lnRef idx="1">
-            <a:schemeClr val="accent1"/>
-          </a:lnRef>
-          <a:fillRef idx="3">
-            <a:schemeClr val="accent1"/>
-          </a:fillRef>
-          <a:effectRef idx="2">
-            <a:schemeClr val="accent1"/>
-          </a:effectRef>
-          <a:fontRef idx="minor">
-            <a:schemeClr val="lt1"/>
-          </a:fontRef>
-        </p:style>
-        <p:txBody>
-          <a:bodyPr anchor="ctr"/>
-          <a:lstStyle>
-            <a:extLst/>
-          </a:lstStyle>
-          <a:p>
-            <a:pPr eaLnBrk="1" hangingPunct="1">
-              <a:defRPr/>
-            </a:pPr>
-            <a:endParaRPr lang="en-US"/>
-          </a:p>
-        </p:txBody>
-      </p:sp>
-      <p:sp>
-        <p:nvSpPr>
-          <p:cNvPr id="10" name="Chevron 9"/>
-          <p:cNvSpPr/>
-          <p:nvPr/>
-        </p:nvSpPr>
-        <p:spPr>
-          <a:xfrm>
-            <a:off x="8477250" y="4987925"/>
-            <a:ext cx="182563" cy="228600"/>
-          </a:xfrm>
-          <a:prstGeom prst="chevron">
-            <a:avLst>
-              <a:gd name="adj" fmla="val 50000"/>
-            </a:avLst>
-          </a:prstGeom>
-          <a:gradFill flip="none" rotWithShape="1">
-            <a:gsLst>
-              <a:gs pos="0">
-                <a:schemeClr val="accent1">
-                  <a:shade val="60000"/>
-                  <a:satMod val="125000"/>
-                </a:schemeClr>
-              </a:gs>
-              <a:gs pos="72000">
-                <a:schemeClr val="accent1">
-                  <a:tint val="90000"/>
-                  <a:satMod val="138000"/>
-                </a:schemeClr>
-              </a:gs>
-              <a:gs pos="100000">
-                <a:schemeClr val="accent1">
-                  <a:tint val="76000"/>
-                  <a:satMod val="136000"/>
-                </a:schemeClr>
-              </a:gs>
-            </a:gsLst>
-            <a:lin ang="16200000" scaled="0"/>
-          </a:gradFill>
-          <a:ln w="3175" cap="rnd" cmpd="sng" algn="ctr">
-            <a:solidFill>
-              <a:schemeClr val="accent1">
-                <a:shade val="50000"/>
-              </a:schemeClr>
-            </a:solidFill>
-            <a:prstDash val="solid"/>
-          </a:ln>
-          <a:effectLst>
-            <a:outerShdw blurRad="50800" dist="25400" dir="5400000">
-              <a:srgbClr val="000000">
-                <a:alpha val="46000"/>
-              </a:srgbClr>
-            </a:outerShdw>
-          </a:effectLst>
-        </p:spPr>
-        <p:style>
-          <a:lnRef idx="1">
-            <a:schemeClr val="accent1"/>
-          </a:lnRef>
-          <a:fillRef idx="3">
-            <a:schemeClr val="accent1"/>
-          </a:fillRef>
-          <a:effectRef idx="2">
-            <a:schemeClr val="accent1"/>
-          </a:effectRef>
-          <a:fontRef idx="minor">
-            <a:schemeClr val="lt1"/>
-          </a:fontRef>
-        </p:style>
-        <p:txBody>
-          <a:bodyPr anchor="ctr"/>
-          <a:lstStyle>
-            <a:extLst/>
-          </a:lstStyle>
-          <a:p>
-            <a:pPr eaLnBrk="1" hangingPunct="1">
-              <a:defRPr/>
-            </a:pPr>
-            <a:endParaRPr lang="en-US"/>
-          </a:p>
-        </p:txBody>
-      </p:sp>
-      <p:sp>
-        <p:nvSpPr>
-          <p:cNvPr id="4" name="Text Placeholder 3"/>
-          <p:cNvSpPr>
-            <a:spLocks noGrp="1"/>
-          </p:cNvSpPr>
-          <p:nvPr>
-            <p:ph type="body" sz="half" idx="2"/>
-          </p:nvPr>
-        </p:nvSpPr>
-        <p:spPr>
-          <a:xfrm>
-            <a:off x="1141232" y="5443402"/>
-            <a:ext cx="7162800" cy="648232"/>
-          </a:xfrm>
-          <a:noFill/>
-        </p:spPr>
-        <p:txBody>
-          <a:bodyPr tIns="0"/>
-          <a:lstStyle>
-            <a:lvl1pPr marL="0" marR="18288" indent="0" algn="r">
-              <a:buNone/>
-              <a:defRPr sz="1400"/>
-            </a:lvl1pPr>
-            <a:lvl2pPr>
-              <a:defRPr sz="1200"/>
-            </a:lvl2pPr>
-            <a:lvl3pPr>
-              <a:defRPr sz="1000"/>
-            </a:lvl3pPr>
-            <a:lvl4pPr>
-              <a:defRPr sz="900"/>
-            </a:lvl4pPr>
-            <a:lvl5pPr>
-              <a:defRPr sz="900"/>
-            </a:lvl5pPr>
-            <a:extLst/>
-          </a:lstStyle>
-          <a:p>
-            <a:pPr lvl="0"/>
-            <a:r>
-              <a:rPr lang="en-US" smtClean="0"/>
-              <a:t>Click to edit Master text styles</a:t>
-            </a:r>
-          </a:p>
-        </p:txBody>
-      </p:sp>
-      <p:sp>
-        <p:nvSpPr>
-          <p:cNvPr id="3" name="Picture Placeholder 2"/>
-          <p:cNvSpPr>
-            <a:spLocks noGrp="1"/>
-          </p:cNvSpPr>
-          <p:nvPr>
-            <p:ph type="pic" idx="1"/>
-          </p:nvPr>
-        </p:nvSpPr>
-        <p:spPr>
-          <a:xfrm>
-            <a:off x="228600" y="189968"/>
-            <a:ext cx="8686800" cy="4389120"/>
-          </a:xfrm>
-          <a:prstGeom prst="rect">
-            <a:avLst/>
-          </a:prstGeom>
-          <a:solidFill>
-            <a:schemeClr val="bg2"/>
-          </a:solidFill>
-          <a:ln>
-            <a:solidFill>
-              <a:schemeClr val="bg1"/>
-            </a:solidFill>
-          </a:ln>
-          <a:effectLst>
-            <a:innerShdw blurRad="95250">
-              <a:srgbClr val="000000"/>
-            </a:innerShdw>
-          </a:effectLst>
-        </p:spPr>
-        <p:txBody>
-          <a:bodyPr>
-            <a:normAutofit/>
-          </a:bodyPr>
-          <a:lstStyle>
-            <a:lvl1pPr marL="0" indent="0">
-              <a:buNone/>
-              <a:defRPr sz="3200"/>
-            </a:lvl1pPr>
-            <a:extLst/>
-          </a:lstStyle>
-          <a:p>
-            <a:pPr lvl="0"/>
-            <a:r>
-              <a:rPr lang="en-US" noProof="0" smtClean="0"/>
-              <a:t>Click icon to add picture</a:t>
-            </a:r>
-            <a:endParaRPr lang="en-US" noProof="0" dirty="0"/>
-          </a:p>
-        </p:txBody>
-      </p:sp>
-      <p:sp>
-        <p:nvSpPr>
-          <p:cNvPr id="2" name="Title 1"/>
-          <p:cNvSpPr>
-            <a:spLocks noGrp="1"/>
-          </p:cNvSpPr>
-          <p:nvPr>
-            <p:ph type="title"/>
-          </p:nvPr>
-        </p:nvSpPr>
-        <p:spPr>
-          <a:xfrm>
-            <a:off x="228600" y="4865122"/>
-            <a:ext cx="8075432" cy="562672"/>
-          </a:xfrm>
-          <a:noFill/>
-        </p:spPr>
-        <p:txBody>
-          <a:bodyPr anchor="t">
-            <a:sp3d prstMaterial="softEdge"/>
-          </a:bodyPr>
-          <a:lstStyle>
-            <a:lvl1pPr marR="0" algn="r">
-              <a:buNone/>
-              <a:defRPr sz="3000" b="0">
-                <a:solidFill>
-                  <a:schemeClr val="accent1"/>
-                </a:solidFill>
-                <a:effectLst>
-                  <a:outerShdw blurRad="50800" dist="25000" dir="5400000" algn="t" rotWithShape="0">
-                    <a:prstClr val="black">
-                      <a:alpha val="45000"/>
-                    </a:prstClr>
-                  </a:outerShdw>
-                </a:effectLst>
-              </a:defRPr>
-            </a:lvl1pPr>
-            <a:extLst/>
-          </a:lstStyle>
-          <a:p>
-            <a:r>
-              <a:rPr lang="en-US" smtClean="0"/>
-              <a:t>Click to edit Master title style</a:t>
-            </a:r>
-            <a:endParaRPr lang="en-US"/>
-          </a:p>
-        </p:txBody>
-      </p:sp>
-      <p:sp>
-        <p:nvSpPr>
-          <p:cNvPr id="11" name="Date Placeholder 4"/>
-          <p:cNvSpPr>
-            <a:spLocks noGrp="1"/>
-          </p:cNvSpPr>
-          <p:nvPr>
-            <p:ph type="dt" sz="half" idx="10"/>
-          </p:nvPr>
-        </p:nvSpPr>
-        <p:spPr>
-          <a:xfrm>
-            <a:off x="6727825" y="6408738"/>
-            <a:ext cx="1919288" cy="365125"/>
-          </a:xfrm>
-          <a:prstGeom prst="rect">
-            <a:avLst/>
-          </a:prstGeom>
-        </p:spPr>
-        <p:txBody>
-          <a:bodyPr/>
-          <a:lstStyle>
-            <a:lvl1pPr>
-              <a:defRPr smtClean="0">
-                <a:solidFill>
-                  <a:schemeClr val="tx1"/>
-                </a:solidFill>
-              </a:defRPr>
-            </a:lvl1pPr>
-            <a:extLst/>
-          </a:lstStyle>
-          <a:p>
-            <a:pPr>
-              <a:defRPr/>
-            </a:pPr>
-            <a:r>
-              <a:rPr lang="en-US"/>
-              <a:t>Design for Electrical and Computer Engineers (Published by McGraw Hill)</a:t>
-            </a:r>
-          </a:p>
-          <a:p>
-            <a:pPr>
-              <a:defRPr/>
-            </a:pPr>
-            <a:r>
-              <a:rPr lang="en-US"/>
-              <a:t>Not to be transmitted or reproduced without written consent of authors</a:t>
-            </a:r>
-            <a:endParaRPr lang="en-US"/>
-          </a:p>
-        </p:txBody>
-      </p:sp>
-      <p:sp>
-        <p:nvSpPr>
-          <p:cNvPr id="12" name="Footer Placeholder 5"/>
-          <p:cNvSpPr>
-            <a:spLocks noGrp="1"/>
-          </p:cNvSpPr>
-          <p:nvPr>
-            <p:ph type="ftr" sz="quarter" idx="11"/>
-          </p:nvPr>
-        </p:nvSpPr>
-        <p:spPr>
-          <a:xfrm>
-            <a:off x="4379913" y="6408738"/>
-            <a:ext cx="2351087" cy="365125"/>
-          </a:xfrm>
-          <a:prstGeom prst="rect">
-            <a:avLst/>
-          </a:prstGeom>
-        </p:spPr>
-        <p:txBody>
-          <a:bodyPr/>
-          <a:lstStyle>
-            <a:lvl1pPr>
-              <a:defRPr smtClean="0">
-                <a:solidFill>
-                  <a:schemeClr val="tx1"/>
-                </a:solidFill>
-              </a:defRPr>
-            </a:lvl1pPr>
-            <a:extLst/>
-          </a:lstStyle>
-          <a:p>
-            <a:pPr>
-              <a:defRPr/>
-            </a:pPr>
-            <a:r>
-              <a:rPr lang="en-US"/>
-              <a:t>Copyright 2005 </a:t>
-            </a:r>
-          </a:p>
-          <a:p>
-            <a:pPr>
-              <a:defRPr/>
-            </a:pPr>
-            <a:r>
-              <a:rPr lang="en-US"/>
-              <a:t>Ralph M. Ford and Chris Coulston</a:t>
-            </a:r>
-            <a:endParaRPr lang="en-US"/>
-          </a:p>
-        </p:txBody>
-      </p:sp>
-      <p:sp>
-        <p:nvSpPr>
-          <p:cNvPr id="13" name="Slide Number Placeholder 6"/>
-          <p:cNvSpPr>
-            <a:spLocks noGrp="1"/>
-          </p:cNvSpPr>
-          <p:nvPr>
-            <p:ph type="sldNum" sz="quarter" idx="12"/>
-          </p:nvPr>
-        </p:nvSpPr>
-        <p:spPr/>
-        <p:txBody>
-          <a:bodyPr/>
-          <a:lstStyle>
-            <a:lvl1pPr>
-              <a:defRPr smtClean="0">
-                <a:solidFill>
-                  <a:schemeClr val="tx1"/>
-                </a:solidFill>
-              </a:defRPr>
-            </a:lvl1pPr>
-            <a:extLst/>
-          </a:lstStyle>
-          <a:p>
-            <a:pPr>
-              <a:defRPr/>
-            </a:pPr>
-            <a:fld id="{D131450C-1A69-45DE-87A9-F6F89797DE78}" type="slidenum">
-              <a:rPr lang="en-US"/>
-              <a:pPr>
-                <a:defRPr/>
-              </a:pPr>
-              <a:t>‹#›</a:t>
-            </a:fld>
-            <a:endParaRPr lang="en-US"/>
-          </a:p>
-        </p:txBody>
-      </p:sp>
-    </p:spTree>
-  </p:cSld>
-  <p:clrMapOvr>
-    <a:overrideClrMapping bg1="dk1" tx1="lt1" bg2="dk2" tx2="lt2" accent1="accent1" accent2="accent2" accent3="accent3" accent4="accent4" accent5="accent5" accent6="accent6" hlink="hlink" folHlink="folHlink"/>
-  </p:clrMapOvr>
-</p:sldLayout>
-</file>
-
-<file path=ppt/slideMasters/slideMaster1.xml><?xml version="1.0" encoding="utf-8"?>
-<p:sldMaster xmlns:a="http://schemas.openxmlformats.org/drawingml/2006/main" xmlns:r="http://schemas.openxmlformats.org/officeDocument/2006/relationships" xmlns:p="http://schemas.openxmlformats.org/presentationml/2006/main">
-  <p:cSld>
-    <p:bg>
-      <p:bgRef idx="1001">
-        <a:schemeClr val="bg1"/>
-      </p:bgRef>
-    </p:bg>
-    <p:spTree>
-      <p:nvGrpSpPr>
-        <p:cNvPr id="1" name=""/>
-        <p:cNvGrpSpPr/>
-        <p:nvPr/>
-      </p:nvGrpSpPr>
-      <p:grpSpPr>
-        <a:xfrm>
-          <a:off x="0" y="0"/>
-          <a:ext cx="0" cy="0"/>
-          <a:chOff x="0" y="0"/>
-          <a:chExt cx="0" cy="0"/>
-        </a:xfrm>
-      </p:grpSpPr>
-      <p:pic>
-        <p:nvPicPr>
-          <p:cNvPr id="1026" name="Picture 15" descr="copyright.gif"/>
-          <p:cNvPicPr>
-            <a:picLocks noChangeAspect="1"/>
-          </p:cNvPicPr>
-          <p:nvPr userDrawn="1"/>
-        </p:nvPicPr>
-        <p:blipFill>
-          <a:blip r:embed="rId14"/>
-          <a:srcRect/>
-          <a:stretch>
-            <a:fillRect/>
-          </a:stretch>
-        </p:blipFill>
-        <p:spPr bwMode="auto">
-          <a:xfrm>
-            <a:off x="4638675" y="6334125"/>
-            <a:ext cx="4048125" cy="523875"/>
-          </a:xfrm>
-          <a:prstGeom prst="rect">
-            <a:avLst/>
-          </a:prstGeom>
-          <a:noFill/>
-          <a:ln w="9525">
-            <a:noFill/>
-            <a:miter lim="800000"/>
-            <a:headEnd/>
-            <a:tailEnd/>
-          </a:ln>
-        </p:spPr>
-      </p:pic>
-      <p:sp>
-        <p:nvSpPr>
-          <p:cNvPr id="13" name="Freeform 12"/>
-          <p:cNvSpPr>
-            <a:spLocks/>
-          </p:cNvSpPr>
-          <p:nvPr/>
-        </p:nvSpPr>
-        <p:spPr bwMode="auto">
-          <a:xfrm>
-            <a:off x="715963" y="5002213"/>
-            <a:ext cx="3802062" cy="1443037"/>
-          </a:xfrm>
-          <a:custGeom>
-            <a:avLst>
-              <a:gd name="A1" fmla="val 0"/>
-              <a:gd name="A2" fmla="val 0"/>
-              <a:gd name="A3" fmla="val 0"/>
-              <a:gd name="A4" fmla="val 0"/>
-              <a:gd name="A5" fmla="val 0"/>
-              <a:gd name="A6" fmla="val 0"/>
-              <a:gd name="A7" fmla="val 0"/>
-              <a:gd name="A8" fmla="val 0"/>
-            </a:avLst>
-            <a:gdLst/>
-            <a:ahLst/>
-            <a:cxnLst>
-              <a:cxn ang="0">
-                <a:pos x="0" y="0"/>
-              </a:cxn>
-              <a:cxn ang="0">
-                <a:pos x="5760" y="0"/>
-              </a:cxn>
-              <a:cxn ang="0">
-                <a:pos x="5760" y="528"/>
-              </a:cxn>
-              <a:cxn ang="0">
-                <a:pos x="48" y="0"/>
-              </a:cxn>
-            </a:cxnLst>
-            <a:rect l="0" t="0" r="0" b="0"/>
-            <a:pathLst>
-              <a:path w="5760" h="528">
-                <a:moveTo>
-                  <a:pt x="-329" y="347"/>
-                </a:moveTo>
-                <a:lnTo>
-                  <a:pt x="7156" y="682"/>
-                </a:lnTo>
-                <a:lnTo>
-                  <a:pt x="5229" y="682"/>
-                </a:lnTo>
-                <a:lnTo>
-                  <a:pt x="-328" y="345"/>
-                </a:lnTo>
-              </a:path>
-            </a:pathLst>
-          </a:custGeom>
-          <a:solidFill>
-            <a:schemeClr val="accent1">
-              <a:tint val="65000"/>
-              <a:satMod val="115000"/>
-              <a:alpha val="40000"/>
-            </a:schemeClr>
-          </a:solidFill>
-          <a:ln w="9525" cap="flat" cmpd="sng" algn="ctr">
-            <a:noFill/>
-            <a:prstDash val="solid"/>
-            <a:round/>
-            <a:headEnd type="none" w="med" len="med"/>
-            <a:tailEnd type="none" w="med" len="med"/>
-          </a:ln>
-          <a:effectLst/>
-        </p:spPr>
-        <p:txBody>
-          <a:bodyPr/>
-          <a:lstStyle>
-            <a:extLst/>
-          </a:lstStyle>
-          <a:p>
-            <a:pPr>
-              <a:defRPr/>
-            </a:pPr>
-            <a:endParaRPr lang="en-US"/>
-          </a:p>
-        </p:txBody>
-      </p:sp>
-      <p:sp>
-        <p:nvSpPr>
-          <p:cNvPr id="12" name="Freeform 11"/>
-          <p:cNvSpPr>
-            <a:spLocks/>
-          </p:cNvSpPr>
-          <p:nvPr/>
-        </p:nvSpPr>
-        <p:spPr bwMode="auto">
-          <a:xfrm>
-            <a:off x="-53975" y="5784850"/>
-            <a:ext cx="3802063" cy="838200"/>
-          </a:xfrm>
-          <a:custGeom>
-            <a:avLst>
-              <a:gd name="A1" fmla="val 0"/>
-              <a:gd name="A2" fmla="val 0"/>
-              <a:gd name="A3" fmla="val 0"/>
-              <a:gd name="A4" fmla="val 0"/>
-              <a:gd name="A5" fmla="val 0"/>
-              <a:gd name="A6" fmla="val 0"/>
-              <a:gd name="A7" fmla="val 0"/>
-              <a:gd name="A8" fmla="val 0"/>
-            </a:avLst>
-            <a:gdLst/>
-            <a:ahLst/>
-            <a:cxnLst>
-              <a:cxn ang="0">
-                <a:pos x="0" y="0"/>
-              </a:cxn>
-              <a:cxn ang="0">
-                <a:pos x="5760" y="0"/>
-              </a:cxn>
-              <a:cxn ang="0">
-                <a:pos x="5760" y="528"/>
-              </a:cxn>
-              <a:cxn ang="0">
-                <a:pos x="48" y="0"/>
-              </a:cxn>
-            </a:cxnLst>
-            <a:rect l="0" t="0" r="0" b="0"/>
-            <a:pathLst>
-              <a:path w="5760" h="528">
-                <a:moveTo>
-                  <a:pt x="817" y="97"/>
-                </a:moveTo>
-                <a:lnTo>
-                  <a:pt x="6408" y="682"/>
-                </a:lnTo>
-                <a:lnTo>
-                  <a:pt x="5232" y="685"/>
-                </a:lnTo>
-                <a:lnTo>
-                  <a:pt x="829" y="101"/>
-                </a:lnTo>
-              </a:path>
-            </a:pathLst>
-          </a:custGeom>
-          <a:solidFill>
-            <a:srgbClr val="000000">
-              <a:alpha val="100000"/>
-            </a:srgbClr>
-          </a:solidFill>
-          <a:ln w="9525" cap="flat" cmpd="sng" algn="ctr">
-            <a:noFill/>
-            <a:prstDash val="solid"/>
-            <a:round/>
-            <a:headEnd type="none" w="med" len="med"/>
-            <a:tailEnd type="none" w="med" len="med"/>
-          </a:ln>
-          <a:effectLst/>
-        </p:spPr>
-        <p:txBody>
-          <a:bodyPr/>
-          <a:lstStyle>
-            <a:extLst/>
-          </a:lstStyle>
-          <a:p>
-            <a:pPr>
-              <a:defRPr/>
-            </a:pPr>
-            <a:endParaRPr lang="en-US"/>
-          </a:p>
-        </p:txBody>
-      </p:sp>
-      <p:sp>
-        <p:nvSpPr>
-          <p:cNvPr id="14" name="Right Triangle 13"/>
-          <p:cNvSpPr>
-            <a:spLocks/>
-          </p:cNvSpPr>
-          <p:nvPr/>
-        </p:nvSpPr>
-        <p:spPr bwMode="auto">
-          <a:xfrm>
-            <a:off x="-6042" y="5791253"/>
-            <a:ext cx="3402314" cy="1080868"/>
-          </a:xfrm>
-          <a:prstGeom prst="rtTriangle">
-            <a:avLst/>
-          </a:prstGeom>
-          <a:blipFill>
-            <a:blip r:embed="rId15">
-              <a:alphaModFix amt="50000"/>
-            </a:blip>
-            <a:tile tx="0" ty="0" sx="50000" sy="50000" flip="none" algn="t"/>
-          </a:blipFill>
-          <a:ln w="12700" cap="rnd" cmpd="thickThin" algn="ctr">
-            <a:noFill/>
-            <a:prstDash val="solid"/>
-          </a:ln>
-          <a:effectLst>
-            <a:fillOverlay blend="mult">
-              <a:gradFill flip="none" rotWithShape="1">
-                <a:gsLst>
-                  <a:gs pos="0">
-                    <a:schemeClr val="accent1">
-                      <a:shade val="20000"/>
-                      <a:satMod val="176000"/>
-                      <a:alpha val="100000"/>
-                    </a:schemeClr>
-                  </a:gs>
-                  <a:gs pos="18000">
-                    <a:schemeClr val="accent1">
-                      <a:shade val="48000"/>
-                      <a:satMod val="153000"/>
-                      <a:alpha val="100000"/>
-                    </a:schemeClr>
-                  </a:gs>
-                  <a:gs pos="43000">
-                    <a:schemeClr val="accent1">
-                      <a:tint val="86000"/>
-                      <a:satMod val="149000"/>
-                      <a:alpha val="100000"/>
-                    </a:schemeClr>
-                  </a:gs>
-                  <a:gs pos="45000">
-                    <a:schemeClr val="accent1">
-                      <a:tint val="85000"/>
-                      <a:satMod val="150000"/>
-                      <a:alpha val="100000"/>
-                    </a:schemeClr>
-                  </a:gs>
-                  <a:gs pos="50000">
-                    <a:schemeClr val="accent1">
-                      <a:tint val="86000"/>
-                      <a:satMod val="149000"/>
-                      <a:alpha val="100000"/>
-                    </a:schemeClr>
-                  </a:gs>
-                  <a:gs pos="79000">
-                    <a:schemeClr val="accent1">
-                      <a:shade val="53000"/>
-                      <a:satMod val="150000"/>
-                      <a:alpha val="100000"/>
-                    </a:schemeClr>
-                  </a:gs>
-                  <a:gs pos="100000">
-                    <a:schemeClr val="accent1">
-                      <a:shade val="25000"/>
-                      <a:satMod val="170000"/>
-                      <a:alpha val="100000"/>
-                    </a:schemeClr>
-                  </a:gs>
-                </a:gsLst>
-                <a:lin ang="450000" scaled="1"/>
-                <a:tileRect/>
-              </a:gradFill>
-            </a:fillOverlay>
-          </a:effectLst>
-        </p:spPr>
-        <p:style>
-          <a:lnRef idx="3">
-            <a:schemeClr val="lt1"/>
-          </a:lnRef>
-          <a:fillRef idx="1">
-            <a:schemeClr val="accent1"/>
-          </a:fillRef>
-          <a:effectRef idx="1">
-            <a:schemeClr val="accent1"/>
-          </a:effectRef>
-          <a:fontRef idx="minor">
-            <a:schemeClr val="lt1"/>
-          </a:fontRef>
-        </p:style>
-        <p:txBody>
-          <a:bodyPr anchor="ctr"/>
-          <a:lstStyle>
-            <a:extLst/>
-          </a:lstStyle>
+          <a:lstStyle/>
           <a:p>
             <a:pPr algn="ctr" eaLnBrk="1" hangingPunct="1">
               <a:defRPr/>
@@ -6770,15 +3496,12 @@
               <a:bevelT w="25400" h="25400"/>
             </a:sp3d>
           </a:bodyPr>
-          <a:lstStyle>
-            <a:extLst/>
-          </a:lstStyle>
-          <a:p>
-            <a:r>
-              <a:rPr lang="en-US" smtClean="0"/>
+          <a:lstStyle/>
+          <a:p>
+            <a:r>
+              <a:rPr lang="en-US"/>
               <a:t>Click to edit Master title style</a:t>
             </a:r>
-            <a:endParaRPr lang="en-US"/>
           </a:p>
         </p:txBody>
       </p:sp>
@@ -6818,35 +3541,35 @@
           <a:p>
             <a:pPr lvl="0"/>
             <a:r>
-              <a:rPr lang="en-US" smtClean="0"/>
-              <a:t>Click to edit Master text styles</a:t>
+              <a:rPr lang="en-US"/>
+              <a:t>Edit Master text styles</a:t>
             </a:r>
           </a:p>
           <a:p>
             <a:pPr lvl="1"/>
             <a:r>
-              <a:rPr lang="en-US" smtClean="0"/>
+              <a:rPr lang="en-US"/>
               <a:t>Second level</a:t>
             </a:r>
           </a:p>
           <a:p>
             <a:pPr lvl="2"/>
             <a:r>
-              <a:rPr lang="en-US" smtClean="0"/>
+              <a:rPr lang="en-US"/>
               <a:t>Third level</a:t>
             </a:r>
           </a:p>
           <a:p>
             <a:pPr lvl="3"/>
             <a:r>
-              <a:rPr lang="en-US" smtClean="0"/>
+              <a:rPr lang="en-US"/>
               <a:t>Fourth level</a:t>
             </a:r>
           </a:p>
           <a:p>
             <a:pPr lvl="4"/>
             <a:r>
-              <a:rPr lang="en-US" smtClean="0"/>
+              <a:rPr lang="en-US"/>
               <a:t>Fifth level</a:t>
             </a:r>
           </a:p>
@@ -6875,7 +3598,7 @@
           <a:bodyPr vert="horz" anchor="b"/>
           <a:lstStyle>
             <a:lvl1pPr algn="r" eaLnBrk="1" latinLnBrk="0" hangingPunct="1">
-              <a:defRPr kumimoji="0" sz="1000" b="0" smtClean="0">
+              <a:defRPr kumimoji="0" sz="1000" b="0">
                 <a:solidFill>
                   <a:schemeClr val="tx1"/>
                 </a:solidFill>
@@ -6888,7 +3611,7 @@
               <a:defRPr/>
             </a:pPr>
             <a:fld id="{54FE3507-E8A7-4C13-9E9B-1A526CB1AA49}" type="slidenum">
-              <a:rPr lang="en-US"/>
+              <a:rPr lang="en-US" smtClean="0"/>
               <a:pPr>
                 <a:defRPr/>
               </a:pPr>
@@ -6898,59 +3621,24 @@
           </a:p>
         </p:txBody>
       </p:sp>
-      <p:pic>
-        <p:nvPicPr>
-          <p:cNvPr id="1036" name="Picture 4" descr="cover"/>
-          <p:cNvPicPr>
-            <a:picLocks noChangeAspect="1" noChangeArrowheads="1"/>
-          </p:cNvPicPr>
-          <p:nvPr userDrawn="1"/>
-        </p:nvPicPr>
-        <p:blipFill>
-          <a:blip r:embed="rId16"/>
-          <a:srcRect/>
-          <a:stretch>
-            <a:fillRect/>
-          </a:stretch>
-        </p:blipFill>
-        <p:spPr bwMode="auto">
-          <a:xfrm>
-            <a:off x="8397875" y="0"/>
-            <a:ext cx="746125" cy="917575"/>
-          </a:xfrm>
-          <a:prstGeom prst="rect">
-            <a:avLst/>
-          </a:prstGeom>
-          <a:noFill/>
-          <a:ln w="76200">
-            <a:noFill/>
-            <a:miter lim="800000"/>
-            <a:headEnd/>
-            <a:tailEnd/>
-          </a:ln>
-        </p:spPr>
-      </p:pic>
     </p:spTree>
+    <p:extLst>
+      <p:ext uri="{BB962C8B-B14F-4D97-AF65-F5344CB8AC3E}">
+        <p14:creationId xmlns:p14="http://schemas.microsoft.com/office/powerpoint/2010/main" val="717797957"/>
+      </p:ext>
+    </p:extLst>
   </p:cSld>
   <p:clrMap bg1="lt1" tx1="dk1" bg2="lt2" tx2="dk2" accent1="accent1" accent2="accent2" accent3="accent3" accent4="accent4" accent5="accent5" accent6="accent6" hlink="hlink" folHlink="folHlink"/>
   <p:sldLayoutIdLst>
-    <p:sldLayoutId id="2147483698" r:id="rId1"/>
-    <p:sldLayoutId id="2147483699" r:id="rId2"/>
-    <p:sldLayoutId id="2147483700" r:id="rId3"/>
-    <p:sldLayoutId id="2147483701" r:id="rId4"/>
-    <p:sldLayoutId id="2147483702" r:id="rId5"/>
-    <p:sldLayoutId id="2147483703" r:id="rId6"/>
-    <p:sldLayoutId id="2147483704" r:id="rId7"/>
-    <p:sldLayoutId id="2147483705" r:id="rId8"/>
-    <p:sldLayoutId id="2147483706" r:id="rId9"/>
-    <p:sldLayoutId id="2147483707" r:id="rId10"/>
-    <p:sldLayoutId id="2147483708" r:id="rId11"/>
-    <p:sldLayoutId id="2147483709" r:id="rId12"/>
+    <p:sldLayoutId id="2147483711" r:id="rId1"/>
+    <p:sldLayoutId id="2147483712" r:id="rId2"/>
+    <p:sldLayoutId id="2147483713" r:id="rId3"/>
+    <p:sldLayoutId id="2147483714" r:id="rId4"/>
   </p:sldLayoutIdLst>
   <p:hf hdr="0"/>
   <p:txStyles>
     <p:titleStyle>
-      <a:lvl1pPr algn="l" rtl="0" fontAlgn="base">
+      <a:lvl1pPr algn="l" rtl="0" eaLnBrk="1" fontAlgn="base" hangingPunct="1">
         <a:spcBef>
           <a:spcPct val="0"/>
         </a:spcBef>
@@ -6973,7 +3661,7 @@
           <a:cs typeface="+mj-cs"/>
         </a:defRPr>
       </a:lvl1pPr>
-      <a:lvl2pPr algn="l" rtl="0" fontAlgn="base">
+      <a:lvl2pPr algn="l" rtl="0" eaLnBrk="1" fontAlgn="base" hangingPunct="1">
         <a:spcBef>
           <a:spcPct val="0"/>
         </a:spcBef>
@@ -6987,7 +3675,7 @@
           <a:latin typeface="Lucida Sans Unicode" pitchFamily="34" charset="0"/>
         </a:defRPr>
       </a:lvl2pPr>
-      <a:lvl3pPr algn="l" rtl="0" fontAlgn="base">
+      <a:lvl3pPr algn="l" rtl="0" eaLnBrk="1" fontAlgn="base" hangingPunct="1">
         <a:spcBef>
           <a:spcPct val="0"/>
         </a:spcBef>
@@ -7001,7 +3689,7 @@
           <a:latin typeface="Lucida Sans Unicode" pitchFamily="34" charset="0"/>
         </a:defRPr>
       </a:lvl3pPr>
-      <a:lvl4pPr algn="l" rtl="0" fontAlgn="base">
+      <a:lvl4pPr algn="l" rtl="0" eaLnBrk="1" fontAlgn="base" hangingPunct="1">
         <a:spcBef>
           <a:spcPct val="0"/>
         </a:spcBef>
@@ -7015,7 +3703,7 @@
           <a:latin typeface="Lucida Sans Unicode" pitchFamily="34" charset="0"/>
         </a:defRPr>
       </a:lvl4pPr>
-      <a:lvl5pPr algn="l" rtl="0" fontAlgn="base">
+      <a:lvl5pPr algn="l" rtl="0" eaLnBrk="1" fontAlgn="base" hangingPunct="1">
         <a:spcBef>
           <a:spcPct val="0"/>
         </a:spcBef>
@@ -7029,7 +3717,7 @@
           <a:latin typeface="Lucida Sans Unicode" pitchFamily="34" charset="0"/>
         </a:defRPr>
       </a:lvl5pPr>
-      <a:lvl6pPr marL="457200" algn="l" rtl="0" fontAlgn="base">
+      <a:lvl6pPr marL="457200" algn="l" rtl="0" eaLnBrk="1" fontAlgn="base" hangingPunct="1">
         <a:spcBef>
           <a:spcPct val="0"/>
         </a:spcBef>
@@ -7043,7 +3731,7 @@
           <a:latin typeface="Lucida Sans Unicode" pitchFamily="34" charset="0"/>
         </a:defRPr>
       </a:lvl6pPr>
-      <a:lvl7pPr marL="914400" algn="l" rtl="0" fontAlgn="base">
+      <a:lvl7pPr marL="914400" algn="l" rtl="0" eaLnBrk="1" fontAlgn="base" hangingPunct="1">
         <a:spcBef>
           <a:spcPct val="0"/>
         </a:spcBef>
@@ -7057,7 +3745,7 @@
           <a:latin typeface="Lucida Sans Unicode" pitchFamily="34" charset="0"/>
         </a:defRPr>
       </a:lvl7pPr>
-      <a:lvl8pPr marL="1371600" algn="l" rtl="0" fontAlgn="base">
+      <a:lvl8pPr marL="1371600" algn="l" rtl="0" eaLnBrk="1" fontAlgn="base" hangingPunct="1">
         <a:spcBef>
           <a:spcPct val="0"/>
         </a:spcBef>
@@ -7071,7 +3759,7 @@
           <a:latin typeface="Lucida Sans Unicode" pitchFamily="34" charset="0"/>
         </a:defRPr>
       </a:lvl8pPr>
-      <a:lvl9pPr marL="1828800" algn="l" rtl="0" fontAlgn="base">
+      <a:lvl9pPr marL="1828800" algn="l" rtl="0" eaLnBrk="1" fontAlgn="base" hangingPunct="1">
         <a:spcBef>
           <a:spcPct val="0"/>
         </a:spcBef>
@@ -7088,7 +3776,7 @@
       <a:extLst/>
     </p:titleStyle>
     <p:bodyStyle>
-      <a:lvl1pPr marL="365125" indent="-255588" algn="l" rtl="0" fontAlgn="base">
+      <a:lvl1pPr marL="365125" indent="-255588" algn="l" rtl="0" eaLnBrk="1" fontAlgn="base" hangingPunct="1">
         <a:spcBef>
           <a:spcPts val="400"/>
         </a:spcBef>
@@ -7110,7 +3798,7 @@
           <a:cs typeface="+mn-cs"/>
         </a:defRPr>
       </a:lvl1pPr>
-      <a:lvl2pPr marL="620713" indent="-228600" algn="l" rtl="0" fontAlgn="base">
+      <a:lvl2pPr marL="620713" indent="-228600" algn="l" rtl="0" eaLnBrk="1" fontAlgn="base" hangingPunct="1">
         <a:spcBef>
           <a:spcPts val="325"/>
         </a:spcBef>
@@ -7131,7 +3819,7 @@
           <a:cs typeface="+mn-cs"/>
         </a:defRPr>
       </a:lvl2pPr>
-      <a:lvl3pPr marL="858838" indent="-228600" algn="l" rtl="0" fontAlgn="base">
+      <a:lvl3pPr marL="858838" indent="-228600" algn="l" rtl="0" eaLnBrk="1" fontAlgn="base" hangingPunct="1">
         <a:spcBef>
           <a:spcPts val="350"/>
         </a:spcBef>
@@ -7153,7 +3841,7 @@
           <a:cs typeface="+mn-cs"/>
         </a:defRPr>
       </a:lvl3pPr>
-      <a:lvl4pPr marL="1143000" indent="-228600" algn="l" rtl="0" fontAlgn="base">
+      <a:lvl4pPr marL="1143000" indent="-228600" algn="l" rtl="0" eaLnBrk="1" fontAlgn="base" hangingPunct="1">
         <a:spcBef>
           <a:spcPts val="350"/>
         </a:spcBef>
@@ -7174,7 +3862,7 @@
           <a:cs typeface="+mn-cs"/>
         </a:defRPr>
       </a:lvl4pPr>
-      <a:lvl5pPr marL="1371600" indent="-228600" algn="l" rtl="0" fontAlgn="base">
+      <a:lvl5pPr marL="1371600" indent="-228600" algn="l" rtl="0" eaLnBrk="1" fontAlgn="base" hangingPunct="1">
         <a:spcBef>
           <a:spcPts val="350"/>
         </a:spcBef>
@@ -7186,7 +3874,7 @@
         </a:buClr>
         <a:buFont typeface="Wingdings 2" pitchFamily="18" charset="2"/>
         <a:buChar char=""/>
-        <a:defRPr kern="1200">
+        <a:defRPr sz="2000" kern="1200">
           <a:solidFill>
             <a:schemeClr val="tx1"/>
           </a:solidFill>
@@ -7411,70 +4099,16 @@
             </a:pPr>
             <a:r>
               <a:rPr lang="en-US" dirty="0"/>
-              <a:t>Chapter </a:t>
-            </a:r>
-            <a:r>
-              <a:rPr lang="en-US" dirty="0" smtClean="0"/>
-              <a:t>9 </a:t>
-            </a:r>
-            <a:r>
-              <a:rPr lang="en-US" dirty="0"/>
-              <a:t>– </a:t>
-            </a:r>
-            <a:r>
-              <a:rPr lang="en-US" dirty="0" smtClean="0"/>
-              <a:t>Teams and Teamwork</a:t>
-            </a:r>
-            <a:endParaRPr lang="en-US" dirty="0"/>
+              <a:t>Chapter 9 – Teams and Teamwork</a:t>
+            </a:r>
           </a:p>
         </p:txBody>
       </p:sp>
-      <p:pic>
-        <p:nvPicPr>
-          <p:cNvPr id="13315" name="Picture 4" descr="cover"/>
-          <p:cNvPicPr>
-            <a:picLocks noChangeAspect="1" noChangeArrowheads="1"/>
-          </p:cNvPicPr>
-          <p:nvPr/>
-        </p:nvPicPr>
-        <p:blipFill>
-          <a:blip r:embed="rId3"/>
-          <a:srcRect/>
-          <a:stretch>
-            <a:fillRect/>
-          </a:stretch>
-        </p:blipFill>
-        <p:spPr bwMode="auto">
-          <a:xfrm>
-            <a:off x="990600" y="2743200"/>
-            <a:ext cx="2974975" cy="3657600"/>
-          </a:xfrm>
-          <a:prstGeom prst="rect">
-            <a:avLst/>
-          </a:prstGeom>
-          <a:noFill/>
-          <a:ln w="76200">
-            <a:solidFill>
-              <a:srgbClr val="000000"/>
-            </a:solidFill>
-            <a:miter lim="800000"/>
-            <a:headEnd/>
-            <a:tailEnd/>
-          </a:ln>
-        </p:spPr>
-      </p:pic>
     </p:spTree>
   </p:cSld>
   <p:clrMapOvr>
     <a:masterClrMapping/>
   </p:clrMapOvr>
-  <p:timing>
-    <p:tnLst>
-      <p:par>
-        <p:cTn id="1" dur="indefinite" restart="never" nodeType="tmRoot"/>
-      </p:par>
-    </p:tnLst>
-  </p:timing>
 </p:sld>
 </file>
 
@@ -7516,7 +4150,7 @@
               </a:lnSpc>
             </a:pPr>
             <a:r>
-              <a:rPr lang="en-US" sz="2800" smtClean="0"/>
+              <a:rPr lang="en-US" sz="2800"/>
               <a:t>A set of guidelines/rules (your constitution) that governs the performance of your team behavior.</a:t>
             </a:r>
           </a:p>
@@ -7528,7 +4162,7 @@
               <a:buFont typeface="Wingdings" pitchFamily="2" charset="2"/>
               <a:buNone/>
             </a:pPr>
-            <a:endParaRPr lang="en-US" sz="2800" smtClean="0"/>
+            <a:endParaRPr lang="en-US" sz="2800"/>
           </a:p>
           <a:p>
             <a:pPr algn="ctr">
@@ -7539,7 +4173,7 @@
               <a:buNone/>
             </a:pPr>
             <a:r>
-              <a:rPr lang="en-US" sz="2800" smtClean="0"/>
+              <a:rPr lang="en-US" sz="2800"/>
               <a:t>See book for contents</a:t>
             </a:r>
           </a:p>
@@ -7551,7 +4185,7 @@
               <a:buFont typeface="Wingdings" pitchFamily="2" charset="2"/>
               <a:buNone/>
             </a:pPr>
-            <a:endParaRPr lang="en-US" sz="2800" smtClean="0"/>
+            <a:endParaRPr lang="en-US" sz="2800"/>
           </a:p>
           <a:p>
             <a:pPr>
@@ -7560,7 +4194,7 @@
               </a:lnSpc>
             </a:pPr>
             <a:r>
-              <a:rPr lang="en-US" sz="2800" smtClean="0"/>
+              <a:rPr lang="en-US" sz="2800"/>
               <a:t>See the Team Self-Assessment Checklist (Table 9.1) in the book.</a:t>
             </a:r>
           </a:p>
@@ -7572,7 +4206,42 @@
               <a:buFont typeface="Wingdings" pitchFamily="2" charset="2"/>
               <a:buNone/>
             </a:pPr>
-            <a:endParaRPr lang="en-US" sz="2800" smtClean="0"/>
+            <a:endParaRPr lang="en-US" sz="2800"/>
+          </a:p>
+        </p:txBody>
+      </p:sp>
+      <p:sp>
+        <p:nvSpPr>
+          <p:cNvPr id="10245" name="AutoShape 2"/>
+          <p:cNvSpPr>
+            <a:spLocks noGrp="1" noChangeArrowheads="1"/>
+          </p:cNvSpPr>
+          <p:nvPr>
+            <p:ph type="title"/>
+          </p:nvPr>
+        </p:nvSpPr>
+        <p:spPr>
+          <a:xfrm>
+            <a:off x="762000" y="381000"/>
+            <a:ext cx="7924800" cy="685800"/>
+          </a:xfrm>
+        </p:spPr>
+        <p:txBody>
+          <a:bodyPr>
+            <a:normAutofit fontScale="90000"/>
+          </a:bodyPr>
+          <a:lstStyle/>
+          <a:p>
+            <a:pPr fontAlgn="auto">
+              <a:spcAft>
+                <a:spcPts val="0"/>
+              </a:spcAft>
+              <a:defRPr/>
+            </a:pPr>
+            <a:r>
+              <a:rPr lang="en-US" sz="3200"/>
+              <a:t>9.4 Project Application: Team  Process Guidelines</a:t>
+            </a:r>
           </a:p>
         </p:txBody>
       </p:sp>
@@ -7608,41 +4277,6 @@
               <a:t>10</a:t>
             </a:fld>
             <a:endParaRPr lang="en-US"/>
-          </a:p>
-        </p:txBody>
-      </p:sp>
-      <p:sp>
-        <p:nvSpPr>
-          <p:cNvPr id="10245" name="AutoShape 2"/>
-          <p:cNvSpPr>
-            <a:spLocks noGrp="1" noChangeArrowheads="1"/>
-          </p:cNvSpPr>
-          <p:nvPr>
-            <p:ph type="title"/>
-          </p:nvPr>
-        </p:nvSpPr>
-        <p:spPr>
-          <a:xfrm>
-            <a:off x="762000" y="381000"/>
-            <a:ext cx="7924800" cy="685800"/>
-          </a:xfrm>
-        </p:spPr>
-        <p:txBody>
-          <a:bodyPr>
-            <a:normAutofit fontScale="90000"/>
-          </a:bodyPr>
-          <a:lstStyle/>
-          <a:p>
-            <a:pPr fontAlgn="auto">
-              <a:spcAft>
-                <a:spcPts val="0"/>
-              </a:spcAft>
-              <a:defRPr/>
-            </a:pPr>
-            <a:r>
-              <a:rPr lang="en-US" sz="3200" smtClean="0"/>
-              <a:t>9.4 Project Application: Team  Process Guidelines</a:t>
-            </a:r>
           </a:p>
         </p:txBody>
       </p:sp>
@@ -7880,7 +4514,7 @@
               <a:defRPr/>
             </a:pPr>
             <a:r>
-              <a:rPr lang="en-US" dirty="0" smtClean="0"/>
+              <a:rPr lang="en-US" dirty="0"/>
               <a:t>Every member responsible for team’s progress and success.</a:t>
             </a:r>
           </a:p>
@@ -7897,7 +4531,7 @@
               <a:defRPr/>
             </a:pPr>
             <a:r>
-              <a:rPr lang="en-US" dirty="0" smtClean="0"/>
+              <a:rPr lang="en-US" dirty="0"/>
               <a:t>Attend all meetings, be on time.</a:t>
             </a:r>
           </a:p>
@@ -7914,7 +4548,7 @@
               <a:defRPr/>
             </a:pPr>
             <a:r>
-              <a:rPr lang="en-US" dirty="0" smtClean="0"/>
+              <a:rPr lang="en-US" dirty="0"/>
               <a:t>Come prepared.</a:t>
             </a:r>
           </a:p>
@@ -7931,7 +4565,7 @@
               <a:defRPr/>
             </a:pPr>
             <a:r>
-              <a:rPr lang="en-US" dirty="0" smtClean="0"/>
+              <a:rPr lang="en-US" dirty="0"/>
               <a:t>Carry out assignments on schedule.</a:t>
             </a:r>
           </a:p>
@@ -7948,7 +4582,7 @@
               <a:defRPr/>
             </a:pPr>
             <a:r>
-              <a:rPr lang="en-US" dirty="0" smtClean="0"/>
+              <a:rPr lang="en-US" dirty="0"/>
               <a:t>Listen to and show respect for the contributions of others; be an active listener.</a:t>
             </a:r>
           </a:p>
@@ -7965,7 +4599,7 @@
               <a:defRPr/>
             </a:pPr>
             <a:r>
-              <a:rPr lang="en-US" dirty="0" smtClean="0"/>
+              <a:rPr lang="en-US" dirty="0"/>
               <a:t>Constructively criticize ideas, not persons.</a:t>
             </a:r>
           </a:p>
@@ -7982,7 +4616,7 @@
               <a:defRPr/>
             </a:pPr>
             <a:r>
-              <a:rPr lang="en-US" dirty="0" smtClean="0"/>
+              <a:rPr lang="en-US" dirty="0"/>
               <a:t>Resolve conflicts constructively.</a:t>
             </a:r>
           </a:p>
@@ -7999,7 +4633,7 @@
               <a:defRPr/>
             </a:pPr>
             <a:r>
-              <a:rPr lang="en-US" dirty="0" smtClean="0"/>
+              <a:rPr lang="en-US" dirty="0"/>
               <a:t>Pay attention; avoid disruptive behavior.</a:t>
             </a:r>
           </a:p>
@@ -8015,7 +4649,35 @@
               <a:buChar char=""/>
               <a:defRPr/>
             </a:pPr>
-            <a:endParaRPr lang="en-US" dirty="0" smtClean="0"/>
+            <a:endParaRPr lang="en-US" dirty="0"/>
+          </a:p>
+        </p:txBody>
+      </p:sp>
+      <p:sp>
+        <p:nvSpPr>
+          <p:cNvPr id="11269" name="AutoShape 2"/>
+          <p:cNvSpPr>
+            <a:spLocks noGrp="1" noChangeArrowheads="1"/>
+          </p:cNvSpPr>
+          <p:nvPr>
+            <p:ph type="title"/>
+          </p:nvPr>
+        </p:nvSpPr>
+        <p:spPr/>
+        <p:txBody>
+          <a:bodyPr/>
+          <a:lstStyle/>
+          <a:p>
+            <a:pPr fontAlgn="auto">
+              <a:spcAft>
+                <a:spcPts val="0"/>
+              </a:spcAft>
+              <a:defRPr/>
+            </a:pPr>
+            <a:r>
+              <a:rPr lang="en-US"/>
+              <a:t>Boeing Code of Cooperation</a:t>
+            </a:r>
           </a:p>
         </p:txBody>
       </p:sp>
@@ -8054,46 +4716,11 @@
           </a:p>
         </p:txBody>
       </p:sp>
-      <p:sp>
-        <p:nvSpPr>
-          <p:cNvPr id="11269" name="AutoShape 2"/>
-          <p:cNvSpPr>
-            <a:spLocks noGrp="1" noChangeArrowheads="1"/>
-          </p:cNvSpPr>
-          <p:nvPr>
-            <p:ph type="title"/>
-          </p:nvPr>
-        </p:nvSpPr>
-        <p:spPr/>
-        <p:txBody>
-          <a:bodyPr/>
-          <a:lstStyle/>
-          <a:p>
-            <a:pPr fontAlgn="auto">
-              <a:spcAft>
-                <a:spcPts val="0"/>
-              </a:spcAft>
-              <a:defRPr/>
-            </a:pPr>
-            <a:r>
-              <a:rPr lang="en-US" smtClean="0"/>
-              <a:t>Boeing Code of Cooperation</a:t>
-            </a:r>
-          </a:p>
-        </p:txBody>
-      </p:sp>
     </p:spTree>
   </p:cSld>
   <p:clrMapOvr>
     <a:masterClrMapping/>
   </p:clrMapOvr>
-  <p:timing>
-    <p:tnLst>
-      <p:par>
-        <p:cTn id="1" dur="indefinite" restart="never" nodeType="tmRoot"/>
-      </p:par>
-    </p:tnLst>
-  </p:timing>
 </p:sld>
 </file>
 
@@ -8138,7 +4765,7 @@
               </a:spcAft>
             </a:pPr>
             <a:r>
-              <a:rPr lang="en-US" smtClean="0"/>
+              <a:rPr lang="en-US"/>
               <a:t>No disruptive side conversations.</a:t>
             </a:r>
           </a:p>
@@ -8152,7 +4779,7 @@
               </a:spcAft>
             </a:pPr>
             <a:r>
-              <a:rPr lang="en-US" smtClean="0"/>
+              <a:rPr lang="en-US"/>
               <a:t>Only one person speaks at a time.</a:t>
             </a:r>
           </a:p>
@@ -8166,7 +4793,7 @@
               </a:spcAft>
             </a:pPr>
             <a:r>
-              <a:rPr lang="en-US" smtClean="0"/>
+              <a:rPr lang="en-US"/>
               <a:t>Everyone participates; no one dominates.</a:t>
             </a:r>
           </a:p>
@@ -8180,7 +4807,7 @@
               </a:spcAft>
             </a:pPr>
             <a:r>
-              <a:rPr lang="en-US" smtClean="0"/>
+              <a:rPr lang="en-US"/>
               <a:t>Be succinct; avoid long anecdotes and examples.</a:t>
             </a:r>
           </a:p>
@@ -8194,7 +4821,7 @@
               </a:spcAft>
             </a:pPr>
             <a:r>
-              <a:rPr lang="en-US" smtClean="0"/>
+              <a:rPr lang="en-US"/>
               <a:t>No rank in the room.</a:t>
             </a:r>
           </a:p>
@@ -8208,7 +4835,7 @@
               </a:spcAft>
             </a:pPr>
             <a:r>
-              <a:rPr lang="en-US" smtClean="0"/>
+              <a:rPr lang="en-US"/>
               <a:t>Respect those not present.</a:t>
             </a:r>
           </a:p>
@@ -8222,7 +4849,7 @@
               </a:spcAft>
             </a:pPr>
             <a:r>
-              <a:rPr lang="en-US" smtClean="0"/>
+              <a:rPr lang="en-US"/>
               <a:t>Ask questions when you do not understand.</a:t>
             </a:r>
           </a:p>
@@ -8236,8 +4863,38 @@
               </a:spcAft>
             </a:pPr>
             <a:r>
-              <a:rPr lang="en-US" smtClean="0"/>
+              <a:rPr lang="en-US"/>
               <a:t>Have fun</a:t>
+            </a:r>
+          </a:p>
+        </p:txBody>
+      </p:sp>
+      <p:sp>
+        <p:nvSpPr>
+          <p:cNvPr id="12293" name="AutoShape 2"/>
+          <p:cNvSpPr>
+            <a:spLocks noGrp="1" noChangeArrowheads="1"/>
+          </p:cNvSpPr>
+          <p:nvPr>
+            <p:ph type="title"/>
+          </p:nvPr>
+        </p:nvSpPr>
+        <p:spPr/>
+        <p:txBody>
+          <a:bodyPr>
+            <a:normAutofit fontScale="90000"/>
+          </a:bodyPr>
+          <a:lstStyle/>
+          <a:p>
+            <a:pPr fontAlgn="auto">
+              <a:spcAft>
+                <a:spcPts val="0"/>
+              </a:spcAft>
+              <a:defRPr/>
+            </a:pPr>
+            <a:r>
+              <a:rPr lang="en-US"/>
+              <a:t>Boeing Code of Conduct, cont’d</a:t>
             </a:r>
           </a:p>
         </p:txBody>
@@ -8277,48 +4934,11 @@
           </a:p>
         </p:txBody>
       </p:sp>
-      <p:sp>
-        <p:nvSpPr>
-          <p:cNvPr id="12293" name="AutoShape 2"/>
-          <p:cNvSpPr>
-            <a:spLocks noGrp="1" noChangeArrowheads="1"/>
-          </p:cNvSpPr>
-          <p:nvPr>
-            <p:ph type="title"/>
-          </p:nvPr>
-        </p:nvSpPr>
-        <p:spPr/>
-        <p:txBody>
-          <a:bodyPr>
-            <a:normAutofit fontScale="90000"/>
-          </a:bodyPr>
-          <a:lstStyle/>
-          <a:p>
-            <a:pPr fontAlgn="auto">
-              <a:spcAft>
-                <a:spcPts val="0"/>
-              </a:spcAft>
-              <a:defRPr/>
-            </a:pPr>
-            <a:r>
-              <a:rPr lang="en-US" smtClean="0"/>
-              <a:t>Boeing Code of Conduct, cont’d</a:t>
-            </a:r>
-          </a:p>
-        </p:txBody>
-      </p:sp>
     </p:spTree>
   </p:cSld>
   <p:clrMapOvr>
     <a:masterClrMapping/>
   </p:clrMapOvr>
-  <p:timing>
-    <p:tnLst>
-      <p:par>
-        <p:cTn id="1" dur="indefinite" restart="never" nodeType="tmRoot"/>
-      </p:par>
-    </p:tnLst>
-  </p:timing>
 </p:sld>
 </file>
 
@@ -8341,12 +4961,12 @@
       </p:grpSpPr>
       <p:sp>
         <p:nvSpPr>
-          <p:cNvPr id="6" name="Slide Number Placeholder 5"/>
+          <p:cNvPr id="88067" name="Rectangle 3"/>
           <p:cNvSpPr>
-            <a:spLocks noGrp="1"/>
+            <a:spLocks noGrp="1" noChangeArrowheads="1"/>
           </p:cNvSpPr>
           <p:nvPr>
-            <p:ph type="sldNum" sz="quarter" idx="12"/>
+            <p:ph idx="1"/>
           </p:nvPr>
         </p:nvSpPr>
         <p:spPr/>
@@ -8354,11 +4974,38 @@
           <a:bodyPr/>
           <a:lstStyle/>
           <a:p>
-            <a:fld id="{FACC7DBC-2739-4CBE-9BF4-0E818C51B8AD}" type="slidenum">
+            <a:pPr>
+              <a:buFont typeface="Wingdings" pitchFamily="2" charset="2"/>
+              <a:buNone/>
+            </a:pPr>
+            <a:r>
               <a:rPr lang="en-US"/>
-              <a:pPr/>
-              <a:t>2</a:t>
-            </a:fld>
+              <a:t>Task: Identify </a:t>
+            </a:r>
+            <a:r>
+              <a:rPr lang="en-US" b="1"/>
+              <a:t>ALL</a:t>
+            </a:r>
+            <a:r>
+              <a:rPr lang="en-US"/>
+              <a:t> symbols on the keypad of a standard pushbutton telephone.</a:t>
+            </a:r>
+          </a:p>
+          <a:p>
+            <a:pPr>
+              <a:buFont typeface="Wingdings" pitchFamily="2" charset="2"/>
+              <a:buNone/>
+            </a:pPr>
+            <a:r>
+              <a:rPr lang="en-US"/>
+              <a:t>Time: 3 minutes.</a:t>
+            </a:r>
+          </a:p>
+          <a:p>
+            <a:pPr>
+              <a:buFont typeface="Wingdings" pitchFamily="2" charset="2"/>
+              <a:buNone/>
+            </a:pPr>
             <a:endParaRPr lang="en-US"/>
           </a:p>
         </p:txBody>
@@ -8387,12 +5034,12 @@
       </p:sp>
       <p:sp>
         <p:nvSpPr>
-          <p:cNvPr id="88067" name="Rectangle 3"/>
+          <p:cNvPr id="6" name="Slide Number Placeholder 5"/>
           <p:cNvSpPr>
-            <a:spLocks noGrp="1" noChangeArrowheads="1"/>
+            <a:spLocks noGrp="1"/>
           </p:cNvSpPr>
           <p:nvPr>
-            <p:ph type="body" idx="1"/>
+            <p:ph type="sldNum" sz="quarter" idx="12"/>
           </p:nvPr>
         </p:nvSpPr>
         <p:spPr/>
@@ -8400,38 +5047,11 @@
           <a:bodyPr/>
           <a:lstStyle/>
           <a:p>
-            <a:pPr>
-              <a:buFont typeface="Wingdings" pitchFamily="2" charset="2"/>
-              <a:buNone/>
-            </a:pPr>
-            <a:r>
+            <a:fld id="{FACC7DBC-2739-4CBE-9BF4-0E818C51B8AD}" type="slidenum">
               <a:rPr lang="en-US"/>
-              <a:t>Task: Identify </a:t>
-            </a:r>
-            <a:r>
-              <a:rPr lang="en-US" b="1"/>
-              <a:t>ALL</a:t>
-            </a:r>
-            <a:r>
-              <a:rPr lang="en-US"/>
-              <a:t> symbols on the keypad of a standard pushbutton telephone.</a:t>
-            </a:r>
-          </a:p>
-          <a:p>
-            <a:pPr>
-              <a:buFont typeface="Wingdings" pitchFamily="2" charset="2"/>
-              <a:buNone/>
-            </a:pPr>
-            <a:r>
-              <a:rPr lang="en-US"/>
-              <a:t>Time: 3 minutes.</a:t>
-            </a:r>
-          </a:p>
-          <a:p>
-            <a:pPr>
-              <a:buFont typeface="Wingdings" pitchFamily="2" charset="2"/>
-              <a:buNone/>
-            </a:pPr>
+              <a:pPr/>
+              <a:t>2</a:t>
+            </a:fld>
             <a:endParaRPr lang="en-US"/>
           </a:p>
         </p:txBody>
@@ -8441,13 +5061,6 @@
   <p:clrMapOvr>
     <a:masterClrMapping/>
   </p:clrMapOvr>
-  <p:timing>
-    <p:tnLst>
-      <p:par>
-        <p:cTn id="1" dur="indefinite" restart="never" nodeType="tmRoot"/>
-      </p:par>
-    </p:tnLst>
-  </p:timing>
 </p:sld>
 </file>
 
@@ -8470,30 +5083,6 @@
       </p:grpSpPr>
       <p:sp>
         <p:nvSpPr>
-          <p:cNvPr id="28" name="Slide Number Placeholder 6"/>
-          <p:cNvSpPr>
-            <a:spLocks noGrp="1"/>
-          </p:cNvSpPr>
-          <p:nvPr>
-            <p:ph type="sldNum" sz="quarter" idx="12"/>
-          </p:nvPr>
-        </p:nvSpPr>
-        <p:spPr/>
-        <p:txBody>
-          <a:bodyPr/>
-          <a:lstStyle/>
-          <a:p>
-            <a:fld id="{B825B3EC-E10A-46A2-807F-F2DE6FB30C2B}" type="slidenum">
-              <a:rPr lang="en-US"/>
-              <a:pPr/>
-              <a:t>3</a:t>
-            </a:fld>
-            <a:endParaRPr lang="en-US"/>
-          </a:p>
-        </p:txBody>
-      </p:sp>
-      <p:sp>
-        <p:nvSpPr>
           <p:cNvPr id="89090" name="AutoShape 2"/>
           <p:cNvSpPr>
             <a:spLocks noGrp="1" noChangeArrowheads="1"/>
@@ -8597,9 +5186,27 @@
             <a:tbl>
               <a:tblPr/>
               <a:tblGrid>
-                <a:gridCol w="1257300"/>
-                <a:gridCol w="1255712"/>
-                <a:gridCol w="1257300"/>
+                <a:gridCol w="1257300">
+                  <a:extLst>
+                    <a:ext uri="{9D8B030D-6E8A-4147-A177-3AD203B41FA5}">
+                      <a16:colId xmlns:a16="http://schemas.microsoft.com/office/drawing/2014/main" val="20000"/>
+                    </a:ext>
+                  </a:extLst>
+                </a:gridCol>
+                <a:gridCol w="1255712">
+                  <a:extLst>
+                    <a:ext uri="{9D8B030D-6E8A-4147-A177-3AD203B41FA5}">
+                      <a16:colId xmlns:a16="http://schemas.microsoft.com/office/drawing/2014/main" val="20001"/>
+                    </a:ext>
+                  </a:extLst>
+                </a:gridCol>
+                <a:gridCol w="1257300">
+                  <a:extLst>
+                    <a:ext uri="{9D8B030D-6E8A-4147-A177-3AD203B41FA5}">
+                      <a16:colId xmlns:a16="http://schemas.microsoft.com/office/drawing/2014/main" val="20002"/>
+                    </a:ext>
+                  </a:extLst>
+                </a:gridCol>
               </a:tblGrid>
               <a:tr h="1198563">
                 <a:tc>
@@ -8625,7 +5232,7 @@
                         <a:buNone/>
                         <a:tabLst/>
                       </a:pPr>
-                      <a:endParaRPr kumimoji="0" lang="en-US" sz="2400" b="0" i="0" u="none" strike="noStrike" cap="none" normalizeH="0" baseline="0" smtClean="0">
+                      <a:endParaRPr kumimoji="0" lang="en-US" sz="2400" b="0" i="0" u="none" strike="noStrike" cap="none" normalizeH="0" baseline="0">
                         <a:ln>
                           <a:noFill/>
                         </a:ln>
@@ -8656,7 +5263,7 @@
                         <a:tabLst/>
                       </a:pPr>
                       <a:r>
-                        <a:rPr kumimoji="0" lang="en-US" sz="2400" b="0" i="0" u="none" strike="noStrike" cap="none" normalizeH="0" baseline="0" smtClean="0">
+                        <a:rPr kumimoji="0" lang="en-US" sz="2400" b="0" i="0" u="none" strike="noStrike" cap="none" normalizeH="0" baseline="0">
                           <a:ln>
                             <a:noFill/>
                           </a:ln>
@@ -8740,7 +5347,7 @@
                         <a:tabLst/>
                       </a:pPr>
                       <a:r>
-                        <a:rPr kumimoji="0" lang="en-US" sz="2400" b="0" i="0" u="none" strike="noStrike" cap="none" normalizeH="0" baseline="0" smtClean="0">
+                        <a:rPr kumimoji="0" lang="en-US" sz="2400" b="0" i="0" u="none" strike="noStrike" cap="none" normalizeH="0" baseline="0">
                           <a:ln>
                             <a:noFill/>
                           </a:ln>
@@ -8773,7 +5380,7 @@
                         <a:tabLst/>
                       </a:pPr>
                       <a:r>
-                        <a:rPr kumimoji="0" lang="en-US" sz="2400" b="0" i="0" u="none" strike="noStrike" cap="none" normalizeH="0" baseline="0" smtClean="0">
+                        <a:rPr kumimoji="0" lang="en-US" sz="2400" b="0" i="0" u="none" strike="noStrike" cap="none" normalizeH="0" baseline="0">
                           <a:ln>
                             <a:noFill/>
                           </a:ln>
@@ -8857,7 +5464,7 @@
                         <a:tabLst/>
                       </a:pPr>
                       <a:r>
-                        <a:rPr kumimoji="0" lang="en-US" sz="2400" b="0" i="0" u="none" strike="noStrike" cap="none" normalizeH="0" baseline="0" smtClean="0">
+                        <a:rPr kumimoji="0" lang="en-US" sz="2400" b="0" i="0" u="none" strike="noStrike" cap="none" normalizeH="0" baseline="0">
                           <a:ln>
                             <a:noFill/>
                           </a:ln>
@@ -8890,7 +5497,7 @@
                         <a:tabLst/>
                       </a:pPr>
                       <a:r>
-                        <a:rPr kumimoji="0" lang="en-US" sz="2400" b="0" i="0" u="none" strike="noStrike" cap="none" normalizeH="0" baseline="0" smtClean="0">
+                        <a:rPr kumimoji="0" lang="en-US" sz="2400" b="0" i="0" u="none" strike="noStrike" cap="none" normalizeH="0" baseline="0">
                           <a:ln>
                             <a:noFill/>
                           </a:ln>
@@ -8950,6 +5557,11 @@
                     <a:noFill/>
                   </a:tcPr>
                 </a:tc>
+                <a:extLst>
+                  <a:ext uri="{0D108BD9-81ED-4DB2-BD59-A6C34878D82A}">
+                    <a16:rowId xmlns:a16="http://schemas.microsoft.com/office/drawing/2014/main" val="10000"/>
+                  </a:ext>
+                </a:extLst>
               </a:tr>
               <a:tr h="1198563">
                 <a:tc>
@@ -8976,7 +5588,7 @@
                         <a:tabLst/>
                       </a:pPr>
                       <a:r>
-                        <a:rPr kumimoji="0" lang="en-US" sz="2400" b="0" i="0" u="none" strike="noStrike" cap="none" normalizeH="0" baseline="0" smtClean="0">
+                        <a:rPr kumimoji="0" lang="en-US" sz="2400" b="0" i="0" u="none" strike="noStrike" cap="none" normalizeH="0" baseline="0">
                           <a:ln>
                             <a:noFill/>
                           </a:ln>
@@ -9009,7 +5621,7 @@
                         <a:tabLst/>
                       </a:pPr>
                       <a:r>
-                        <a:rPr kumimoji="0" lang="en-US" sz="2400" b="0" i="0" u="none" strike="noStrike" cap="none" normalizeH="0" baseline="0" smtClean="0">
+                        <a:rPr kumimoji="0" lang="en-US" sz="2400" b="0" i="0" u="none" strike="noStrike" cap="none" normalizeH="0" baseline="0">
                           <a:ln>
                             <a:noFill/>
                           </a:ln>
@@ -9093,7 +5705,7 @@
                         <a:tabLst/>
                       </a:pPr>
                       <a:r>
-                        <a:rPr kumimoji="0" lang="en-US" sz="2400" b="0" i="0" u="none" strike="noStrike" cap="none" normalizeH="0" baseline="0" smtClean="0">
+                        <a:rPr kumimoji="0" lang="en-US" sz="2400" b="0" i="0" u="none" strike="noStrike" cap="none" normalizeH="0" baseline="0">
                           <a:ln>
                             <a:noFill/>
                           </a:ln>
@@ -9126,7 +5738,7 @@
                         <a:tabLst/>
                       </a:pPr>
                       <a:r>
-                        <a:rPr kumimoji="0" lang="en-US" sz="2400" b="0" i="0" u="none" strike="noStrike" cap="none" normalizeH="0" baseline="0" smtClean="0">
+                        <a:rPr kumimoji="0" lang="en-US" sz="2400" b="0" i="0" u="none" strike="noStrike" cap="none" normalizeH="0" baseline="0">
                           <a:ln>
                             <a:noFill/>
                           </a:ln>
@@ -9210,7 +5822,7 @@
                         <a:tabLst/>
                       </a:pPr>
                       <a:r>
-                        <a:rPr kumimoji="0" lang="en-US" sz="2400" b="0" i="0" u="none" strike="noStrike" cap="none" normalizeH="0" baseline="0" smtClean="0">
+                        <a:rPr kumimoji="0" lang="en-US" sz="2400" b="0" i="0" u="none" strike="noStrike" cap="none" normalizeH="0" baseline="0">
                           <a:ln>
                             <a:noFill/>
                           </a:ln>
@@ -9243,7 +5855,7 @@
                         <a:tabLst/>
                       </a:pPr>
                       <a:r>
-                        <a:rPr kumimoji="0" lang="en-US" sz="2400" b="0" i="0" u="none" strike="noStrike" cap="none" normalizeH="0" baseline="0" smtClean="0">
+                        <a:rPr kumimoji="0" lang="en-US" sz="2400" b="0" i="0" u="none" strike="noStrike" cap="none" normalizeH="0" baseline="0">
                           <a:ln>
                             <a:noFill/>
                           </a:ln>
@@ -9303,6 +5915,11 @@
                     <a:noFill/>
                   </a:tcPr>
                 </a:tc>
+                <a:extLst>
+                  <a:ext uri="{0D108BD9-81ED-4DB2-BD59-A6C34878D82A}">
+                    <a16:rowId xmlns:a16="http://schemas.microsoft.com/office/drawing/2014/main" val="10001"/>
+                  </a:ext>
+                </a:extLst>
               </a:tr>
               <a:tr h="1195388">
                 <a:tc>
@@ -9329,7 +5946,7 @@
                         <a:tabLst/>
                       </a:pPr>
                       <a:r>
-                        <a:rPr kumimoji="0" lang="en-US" sz="2400" b="0" i="0" u="none" strike="noStrike" cap="none" normalizeH="0" baseline="0" smtClean="0">
+                        <a:rPr kumimoji="0" lang="en-US" sz="2400" b="0" i="0" u="none" strike="noStrike" cap="none" normalizeH="0" baseline="0">
                           <a:ln>
                             <a:noFill/>
                           </a:ln>
@@ -9362,7 +5979,7 @@
                         <a:tabLst/>
                       </a:pPr>
                       <a:r>
-                        <a:rPr kumimoji="0" lang="en-US" sz="2400" b="0" i="0" u="none" strike="noStrike" cap="none" normalizeH="0" baseline="0" smtClean="0">
+                        <a:rPr kumimoji="0" lang="en-US" sz="2400" b="0" i="0" u="none" strike="noStrike" cap="none" normalizeH="0" baseline="0">
                           <a:ln>
                             <a:noFill/>
                           </a:ln>
@@ -9446,7 +6063,7 @@
                         <a:tabLst/>
                       </a:pPr>
                       <a:r>
-                        <a:rPr kumimoji="0" lang="en-US" sz="2400" b="0" i="0" u="none" strike="noStrike" cap="none" normalizeH="0" baseline="0" smtClean="0">
+                        <a:rPr kumimoji="0" lang="en-US" sz="2400" b="0" i="0" u="none" strike="noStrike" cap="none" normalizeH="0" baseline="0">
                           <a:ln>
                             <a:noFill/>
                           </a:ln>
@@ -9479,7 +6096,7 @@
                         <a:tabLst/>
                       </a:pPr>
                       <a:r>
-                        <a:rPr kumimoji="0" lang="en-US" sz="2400" b="0" i="0" u="none" strike="noStrike" cap="none" normalizeH="0" baseline="0" smtClean="0">
+                        <a:rPr kumimoji="0" lang="en-US" sz="2400" b="0" i="0" u="none" strike="noStrike" cap="none" normalizeH="0" baseline="0">
                           <a:ln>
                             <a:noFill/>
                           </a:ln>
@@ -9563,7 +6180,7 @@
                         <a:tabLst/>
                       </a:pPr>
                       <a:r>
-                        <a:rPr kumimoji="0" lang="en-US" sz="2400" b="0" i="0" u="none" strike="noStrike" cap="none" normalizeH="0" baseline="0" smtClean="0">
+                        <a:rPr kumimoji="0" lang="en-US" sz="2400" b="0" i="0" u="none" strike="noStrike" cap="none" normalizeH="0" baseline="0">
                           <a:ln>
                             <a:noFill/>
                           </a:ln>
@@ -9596,7 +6213,7 @@
                         <a:tabLst/>
                       </a:pPr>
                       <a:r>
-                        <a:rPr kumimoji="0" lang="en-US" sz="2400" b="0" i="0" u="none" strike="noStrike" cap="none" normalizeH="0" baseline="0" smtClean="0">
+                        <a:rPr kumimoji="0" lang="en-US" sz="2400" b="0" i="0" u="none" strike="noStrike" cap="none" normalizeH="0" baseline="0">
                           <a:ln>
                             <a:noFill/>
                           </a:ln>
@@ -9656,6 +6273,11 @@
                     <a:noFill/>
                   </a:tcPr>
                 </a:tc>
+                <a:extLst>
+                  <a:ext uri="{0D108BD9-81ED-4DB2-BD59-A6C34878D82A}">
+                    <a16:rowId xmlns:a16="http://schemas.microsoft.com/office/drawing/2014/main" val="10002"/>
+                  </a:ext>
+                </a:extLst>
               </a:tr>
               <a:tr h="1198563">
                 <a:tc>
@@ -9682,7 +6304,7 @@
                         <a:tabLst/>
                       </a:pPr>
                       <a:r>
-                        <a:rPr kumimoji="0" lang="en-US" sz="2400" b="0" i="0" u="none" strike="noStrike" cap="none" normalizeH="0" baseline="0" smtClean="0">
+                        <a:rPr kumimoji="0" lang="en-US" sz="2400" b="0" i="0" u="none" strike="noStrike" cap="none" normalizeH="0" baseline="0">
                           <a:ln>
                             <a:noFill/>
                           </a:ln>
@@ -9766,7 +6388,7 @@
                         <a:tabLst/>
                       </a:pPr>
                       <a:r>
-                        <a:rPr kumimoji="0" lang="en-US" sz="2400" b="0" i="0" u="none" strike="noStrike" cap="none" normalizeH="0" baseline="0" smtClean="0">
+                        <a:rPr kumimoji="0" lang="en-US" sz="2400" b="0" i="0" u="none" strike="noStrike" cap="none" normalizeH="0" baseline="0">
                           <a:ln>
                             <a:noFill/>
                           </a:ln>
@@ -9799,7 +6421,7 @@
                         <a:tabLst/>
                       </a:pPr>
                       <a:r>
-                        <a:rPr kumimoji="0" lang="en-US" sz="2400" b="0" i="0" u="none" strike="noStrike" cap="none" normalizeH="0" baseline="0" smtClean="0">
+                        <a:rPr kumimoji="0" lang="en-US" sz="2400" b="0" i="0" u="none" strike="noStrike" cap="none" normalizeH="0" baseline="0">
                           <a:ln>
                             <a:noFill/>
                           </a:ln>
@@ -9883,7 +6505,7 @@
                         <a:tabLst/>
                       </a:pPr>
                       <a:r>
-                        <a:rPr kumimoji="0" lang="en-US" sz="2400" b="0" i="0" u="none" strike="noStrike" cap="none" normalizeH="0" baseline="0" smtClean="0">
+                        <a:rPr kumimoji="0" lang="en-US" sz="2400" b="0" i="0" u="none" strike="noStrike" cap="none" normalizeH="0" baseline="0">
                           <a:ln>
                             <a:noFill/>
                           </a:ln>
@@ -9943,23 +6565,45 @@
                     <a:noFill/>
                   </a:tcPr>
                 </a:tc>
+                <a:extLst>
+                  <a:ext uri="{0D108BD9-81ED-4DB2-BD59-A6C34878D82A}">
+                    <a16:rowId xmlns:a16="http://schemas.microsoft.com/office/drawing/2014/main" val="10003"/>
+                  </a:ext>
+                </a:extLst>
               </a:tr>
             </a:tbl>
           </a:graphicData>
         </a:graphic>
       </p:graphicFrame>
+      <p:sp>
+        <p:nvSpPr>
+          <p:cNvPr id="28" name="Slide Number Placeholder 6"/>
+          <p:cNvSpPr>
+            <a:spLocks noGrp="1"/>
+          </p:cNvSpPr>
+          <p:nvPr>
+            <p:ph type="sldNum" sz="quarter" idx="12"/>
+          </p:nvPr>
+        </p:nvSpPr>
+        <p:spPr/>
+        <p:txBody>
+          <a:bodyPr/>
+          <a:lstStyle/>
+          <a:p>
+            <a:fld id="{B825B3EC-E10A-46A2-807F-F2DE6FB30C2B}" type="slidenum">
+              <a:rPr lang="en-US"/>
+              <a:pPr/>
+              <a:t>3</a:t>
+            </a:fld>
+            <a:endParaRPr lang="en-US"/>
+          </a:p>
+        </p:txBody>
+      </p:sp>
     </p:spTree>
   </p:cSld>
   <p:clrMapOvr>
     <a:masterClrMapping/>
   </p:clrMapOvr>
-  <p:timing>
-    <p:tnLst>
-      <p:par>
-        <p:cTn id="1" dur="indefinite" restart="never" nodeType="tmRoot"/>
-      </p:par>
-    </p:tnLst>
-  </p:timing>
 </p:sld>
 </file>
 
@@ -10004,11 +6648,11 @@
               </a:spcAft>
             </a:pPr>
             <a:r>
-              <a:rPr lang="en-US" sz="2800" smtClean="0"/>
+              <a:rPr lang="en-US" sz="2800"/>
               <a:t>Engineering projects are far too large to be carried out by a single person </a:t>
             </a:r>
             <a:r>
-              <a:rPr lang="en-US" sz="2800" smtClean="0">
+              <a:rPr lang="en-US" sz="2800">
                 <a:sym typeface="Symbol" pitchFamily="18" charset="2"/>
               </a:rPr>
               <a:t> must work on team.</a:t>
@@ -10024,7 +6668,7 @@
               </a:spcAft>
             </a:pPr>
             <a:r>
-              <a:rPr lang="en-US" sz="2800" smtClean="0">
+              <a:rPr lang="en-US" sz="2800">
                 <a:sym typeface="Symbol" pitchFamily="18" charset="2"/>
               </a:rPr>
               <a:t>High-performance teams can outperform equal number of individuals working in isolation.</a:t>
@@ -10040,12 +6684,40 @@
               </a:spcAft>
             </a:pPr>
             <a:r>
-              <a:rPr lang="en-US" sz="2800" b="1" smtClean="0">
+              <a:rPr lang="en-US" sz="2800" b="1">
                 <a:sym typeface="Symbol" pitchFamily="18" charset="2"/>
               </a:rPr>
               <a:t>Employers desire it – consistently listed as one of the top skills required of engineers!</a:t>
             </a:r>
-            <a:endParaRPr lang="en-US" sz="2800" b="1" smtClean="0"/>
+            <a:endParaRPr lang="en-US" sz="2800" b="1"/>
+          </a:p>
+        </p:txBody>
+      </p:sp>
+      <p:sp>
+        <p:nvSpPr>
+          <p:cNvPr id="4101" name="AutoShape 2"/>
+          <p:cNvSpPr>
+            <a:spLocks noGrp="1" noChangeArrowheads="1"/>
+          </p:cNvSpPr>
+          <p:nvPr>
+            <p:ph type="title"/>
+          </p:nvPr>
+        </p:nvSpPr>
+        <p:spPr/>
+        <p:txBody>
+          <a:bodyPr/>
+          <a:lstStyle/>
+          <a:p>
+            <a:pPr fontAlgn="auto">
+              <a:spcAft>
+                <a:spcPts val="0"/>
+              </a:spcAft>
+              <a:defRPr/>
+            </a:pPr>
+            <a:r>
+              <a:rPr lang="en-US"/>
+              <a:t>Motivation</a:t>
+            </a:r>
           </a:p>
         </p:txBody>
       </p:sp>
@@ -10081,34 +6753,6 @@
               <a:t>4</a:t>
             </a:fld>
             <a:endParaRPr lang="en-US"/>
-          </a:p>
-        </p:txBody>
-      </p:sp>
-      <p:sp>
-        <p:nvSpPr>
-          <p:cNvPr id="4101" name="AutoShape 2"/>
-          <p:cNvSpPr>
-            <a:spLocks noGrp="1" noChangeArrowheads="1"/>
-          </p:cNvSpPr>
-          <p:nvPr>
-            <p:ph type="title"/>
-          </p:nvPr>
-        </p:nvSpPr>
-        <p:spPr/>
-        <p:txBody>
-          <a:bodyPr/>
-          <a:lstStyle/>
-          <a:p>
-            <a:pPr fontAlgn="auto">
-              <a:spcAft>
-                <a:spcPts val="0"/>
-              </a:spcAft>
-              <a:defRPr/>
-            </a:pPr>
-            <a:r>
-              <a:rPr lang="en-US" smtClean="0"/>
-              <a:t>Motivation</a:t>
-            </a:r>
           </a:p>
         </p:txBody>
       </p:sp>
@@ -10338,7 +6982,7 @@
               </a:spcAft>
             </a:pPr>
             <a:r>
-              <a:rPr lang="en-US" sz="2800" smtClean="0"/>
+              <a:rPr lang="en-US" sz="2800"/>
               <a:t>Understand the characteristics that define a team and understand why a team is formed.</a:t>
             </a:r>
           </a:p>
@@ -10349,7 +6993,7 @@
               </a:spcAft>
             </a:pPr>
             <a:r>
-              <a:rPr lang="en-US" sz="2800" smtClean="0"/>
+              <a:rPr lang="en-US" sz="2800"/>
               <a:t>Understand different models for the stages of team development.</a:t>
             </a:r>
           </a:p>
@@ -10360,7 +7004,7 @@
               </a:spcAft>
             </a:pPr>
             <a:r>
-              <a:rPr lang="en-US" sz="2800" smtClean="0"/>
+              <a:rPr lang="en-US" sz="2800"/>
               <a:t>Understand the characteristics of effective teams.</a:t>
             </a:r>
           </a:p>
@@ -10371,8 +7015,36 @@
               </a:spcAft>
             </a:pPr>
             <a:r>
-              <a:rPr lang="en-US" sz="2800" smtClean="0"/>
+              <a:rPr lang="en-US" sz="2800"/>
               <a:t>Be able to develop Team Process Guidelines.</a:t>
+            </a:r>
+          </a:p>
+        </p:txBody>
+      </p:sp>
+      <p:sp>
+        <p:nvSpPr>
+          <p:cNvPr id="8194" name="AutoShape 2"/>
+          <p:cNvSpPr>
+            <a:spLocks noGrp="1" noChangeArrowheads="1"/>
+          </p:cNvSpPr>
+          <p:nvPr>
+            <p:ph type="title"/>
+          </p:nvPr>
+        </p:nvSpPr>
+        <p:spPr/>
+        <p:txBody>
+          <a:bodyPr/>
+          <a:lstStyle/>
+          <a:p>
+            <a:pPr fontAlgn="auto">
+              <a:spcAft>
+                <a:spcPts val="0"/>
+              </a:spcAft>
+              <a:defRPr/>
+            </a:pPr>
+            <a:r>
+              <a:rPr lang="en-US"/>
+              <a:t>Learning Objectives</a:t>
             </a:r>
           </a:p>
         </p:txBody>
@@ -10409,34 +7081,6 @@
               <a:t>5</a:t>
             </a:fld>
             <a:endParaRPr lang="en-US"/>
-          </a:p>
-        </p:txBody>
-      </p:sp>
-      <p:sp>
-        <p:nvSpPr>
-          <p:cNvPr id="8194" name="AutoShape 2"/>
-          <p:cNvSpPr>
-            <a:spLocks noGrp="1" noChangeArrowheads="1"/>
-          </p:cNvSpPr>
-          <p:nvPr>
-            <p:ph type="title"/>
-          </p:nvPr>
-        </p:nvSpPr>
-        <p:spPr/>
-        <p:txBody>
-          <a:bodyPr/>
-          <a:lstStyle/>
-          <a:p>
-            <a:pPr fontAlgn="auto">
-              <a:spcAft>
-                <a:spcPts val="0"/>
-              </a:spcAft>
-              <a:defRPr/>
-            </a:pPr>
-            <a:r>
-              <a:rPr lang="en-US" smtClean="0"/>
-              <a:t>Learning Objectives</a:t>
-            </a:r>
           </a:p>
         </p:txBody>
       </p:sp>
@@ -11154,11 +7798,11 @@
               <a:buNone/>
             </a:pPr>
             <a:r>
-              <a:rPr lang="en-US" sz="2800" i="1" smtClean="0"/>
+              <a:rPr lang="en-US" sz="2800" i="1"/>
               <a:t>“A small group of people with complementary skills, who are committed to a common performance, performance goals, and approach for which they hold themselves mutually accountable.”</a:t>
             </a:r>
             <a:r>
-              <a:rPr lang="en-US" sz="2800" smtClean="0"/>
+              <a:rPr lang="en-US" sz="2800"/>
               <a:t> , Katzenbach and Smith</a:t>
             </a:r>
           </a:p>
@@ -11168,7 +7812,7 @@
                 <a:spcPct val="80000"/>
               </a:lnSpc>
             </a:pPr>
-            <a:endParaRPr lang="en-US" sz="2800" smtClean="0"/>
+            <a:endParaRPr lang="en-US" sz="2800"/>
           </a:p>
           <a:p>
             <a:pPr>
@@ -11179,8 +7823,36 @@
               <a:buNone/>
             </a:pPr>
             <a:r>
-              <a:rPr lang="en-US" sz="2800" smtClean="0"/>
+              <a:rPr lang="en-US" sz="2800"/>
               <a:t>What are the important points ?</a:t>
+            </a:r>
+          </a:p>
+        </p:txBody>
+      </p:sp>
+      <p:sp>
+        <p:nvSpPr>
+          <p:cNvPr id="6149" name="AutoShape 2"/>
+          <p:cNvSpPr>
+            <a:spLocks noGrp="1" noChangeArrowheads="1"/>
+          </p:cNvSpPr>
+          <p:nvPr>
+            <p:ph type="title"/>
+          </p:nvPr>
+        </p:nvSpPr>
+        <p:spPr/>
+        <p:txBody>
+          <a:bodyPr/>
+          <a:lstStyle/>
+          <a:p>
+            <a:pPr fontAlgn="auto">
+              <a:spcAft>
+                <a:spcPts val="0"/>
+              </a:spcAft>
+              <a:defRPr/>
+            </a:pPr>
+            <a:r>
+              <a:rPr lang="en-US"/>
+              <a:t>9.1 What is a Team?</a:t>
             </a:r>
           </a:p>
         </p:txBody>
@@ -11220,46 +7892,11 @@
           </a:p>
         </p:txBody>
       </p:sp>
-      <p:sp>
-        <p:nvSpPr>
-          <p:cNvPr id="6149" name="AutoShape 2"/>
-          <p:cNvSpPr>
-            <a:spLocks noGrp="1" noChangeArrowheads="1"/>
-          </p:cNvSpPr>
-          <p:nvPr>
-            <p:ph type="title"/>
-          </p:nvPr>
-        </p:nvSpPr>
-        <p:spPr/>
-        <p:txBody>
-          <a:bodyPr/>
-          <a:lstStyle/>
-          <a:p>
-            <a:pPr fontAlgn="auto">
-              <a:spcAft>
-                <a:spcPts val="0"/>
-              </a:spcAft>
-              <a:defRPr/>
-            </a:pPr>
-            <a:r>
-              <a:rPr lang="en-US" smtClean="0"/>
-              <a:t>9.1 What is a Team?</a:t>
-            </a:r>
-          </a:p>
-        </p:txBody>
-      </p:sp>
     </p:spTree>
   </p:cSld>
   <p:clrMapOvr>
     <a:masterClrMapping/>
   </p:clrMapOvr>
-  <p:timing>
-    <p:tnLst>
-      <p:par>
-        <p:cTn id="1" dur="indefinite" restart="never" nodeType="tmRoot"/>
-      </p:par>
-    </p:tnLst>
-  </p:timing>
 </p:sld>
 </file>
 
@@ -11311,7 +7948,7 @@
               <a:buNone/>
             </a:pPr>
             <a:r>
-              <a:rPr lang="en-US" smtClean="0"/>
+              <a:rPr lang="en-US"/>
               <a:t>Forming</a:t>
             </a:r>
           </a:p>
@@ -11326,7 +7963,7 @@
               <a:buFont typeface="Wingdings" pitchFamily="2" charset="2"/>
               <a:buNone/>
             </a:pPr>
-            <a:endParaRPr lang="en-US" smtClean="0"/>
+            <a:endParaRPr lang="en-US"/>
           </a:p>
           <a:p>
             <a:pPr>
@@ -11340,7 +7977,7 @@
               <a:buNone/>
             </a:pPr>
             <a:r>
-              <a:rPr lang="en-US" smtClean="0"/>
+              <a:rPr lang="en-US"/>
               <a:t>Storming</a:t>
             </a:r>
           </a:p>
@@ -11355,7 +7992,7 @@
               <a:buFont typeface="Wingdings" pitchFamily="2" charset="2"/>
               <a:buNone/>
             </a:pPr>
-            <a:endParaRPr lang="en-US" smtClean="0"/>
+            <a:endParaRPr lang="en-US"/>
           </a:p>
           <a:p>
             <a:pPr>
@@ -11369,7 +8006,7 @@
               <a:buNone/>
             </a:pPr>
             <a:r>
-              <a:rPr lang="en-US" smtClean="0"/>
+              <a:rPr lang="en-US"/>
               <a:t>Norming</a:t>
             </a:r>
           </a:p>
@@ -11384,7 +8021,7 @@
               <a:buFont typeface="Wingdings" pitchFamily="2" charset="2"/>
               <a:buNone/>
             </a:pPr>
-            <a:endParaRPr lang="en-US" smtClean="0"/>
+            <a:endParaRPr lang="en-US"/>
           </a:p>
           <a:p>
             <a:pPr>
@@ -11398,7 +8035,7 @@
               <a:buNone/>
             </a:pPr>
             <a:r>
-              <a:rPr lang="en-US" smtClean="0"/>
+              <a:rPr lang="en-US"/>
               <a:t>Performing</a:t>
             </a:r>
           </a:p>
@@ -11413,7 +8050,7 @@
               <a:buFont typeface="Wingdings" pitchFamily="2" charset="2"/>
               <a:buNone/>
             </a:pPr>
-            <a:endParaRPr lang="en-US" smtClean="0"/>
+            <a:endParaRPr lang="en-US"/>
           </a:p>
           <a:p>
             <a:pPr>
@@ -11427,8 +8064,36 @@
               <a:buNone/>
             </a:pPr>
             <a:r>
-              <a:rPr lang="en-US" smtClean="0"/>
+              <a:rPr lang="en-US"/>
               <a:t>Adjourning</a:t>
+            </a:r>
+          </a:p>
+        </p:txBody>
+      </p:sp>
+      <p:sp>
+        <p:nvSpPr>
+          <p:cNvPr id="7173" name="AutoShape 2"/>
+          <p:cNvSpPr>
+            <a:spLocks noGrp="1" noChangeArrowheads="1"/>
+          </p:cNvSpPr>
+          <p:nvPr>
+            <p:ph type="title"/>
+          </p:nvPr>
+        </p:nvSpPr>
+        <p:spPr/>
+        <p:txBody>
+          <a:bodyPr/>
+          <a:lstStyle/>
+          <a:p>
+            <a:pPr fontAlgn="auto">
+              <a:spcAft>
+                <a:spcPts val="0"/>
+              </a:spcAft>
+              <a:defRPr/>
+            </a:pPr>
+            <a:r>
+              <a:rPr lang="en-US" sz="3200"/>
+              <a:t>9.2 Models of Team Development</a:t>
             </a:r>
           </a:p>
         </p:txBody>
@@ -11465,34 +8130,6 @@
               <a:t>7</a:t>
             </a:fld>
             <a:endParaRPr lang="en-US"/>
-          </a:p>
-        </p:txBody>
-      </p:sp>
-      <p:sp>
-        <p:nvSpPr>
-          <p:cNvPr id="7173" name="AutoShape 2"/>
-          <p:cNvSpPr>
-            <a:spLocks noGrp="1" noChangeArrowheads="1"/>
-          </p:cNvSpPr>
-          <p:nvPr>
-            <p:ph type="title"/>
-          </p:nvPr>
-        </p:nvSpPr>
-        <p:spPr/>
-        <p:txBody>
-          <a:bodyPr/>
-          <a:lstStyle/>
-          <a:p>
-            <a:pPr fontAlgn="auto">
-              <a:spcAft>
-                <a:spcPts val="0"/>
-              </a:spcAft>
-              <a:defRPr/>
-            </a:pPr>
-            <a:r>
-              <a:rPr lang="en-US" sz="3200" smtClean="0"/>
-              <a:t>9.2 Models of Team Development</a:t>
-            </a:r>
           </a:p>
         </p:txBody>
       </p:sp>
@@ -11826,6 +8463,34 @@
       </p:pic>
       <p:sp>
         <p:nvSpPr>
+          <p:cNvPr id="8197" name="AutoShape 1026"/>
+          <p:cNvSpPr>
+            <a:spLocks noGrp="1" noChangeArrowheads="1"/>
+          </p:cNvSpPr>
+          <p:nvPr>
+            <p:ph type="title"/>
+          </p:nvPr>
+        </p:nvSpPr>
+        <p:spPr/>
+        <p:txBody>
+          <a:bodyPr/>
+          <a:lstStyle/>
+          <a:p>
+            <a:pPr fontAlgn="auto">
+              <a:spcAft>
+                <a:spcPts val="0"/>
+              </a:spcAft>
+              <a:defRPr/>
+            </a:pPr>
+            <a:r>
+              <a:rPr lang="en-US"/>
+              <a:t>Team Performance Curve</a:t>
+            </a:r>
+          </a:p>
+        </p:txBody>
+      </p:sp>
+      <p:sp>
+        <p:nvSpPr>
           <p:cNvPr id="18435" name="Slide Number Placeholder 5"/>
           <p:cNvSpPr>
             <a:spLocks noGrp="1"/>
@@ -11856,34 +8521,6 @@
               <a:t>8</a:t>
             </a:fld>
             <a:endParaRPr lang="en-US"/>
-          </a:p>
-        </p:txBody>
-      </p:sp>
-      <p:sp>
-        <p:nvSpPr>
-          <p:cNvPr id="8197" name="AutoShape 1026"/>
-          <p:cNvSpPr>
-            <a:spLocks noGrp="1" noChangeArrowheads="1"/>
-          </p:cNvSpPr>
-          <p:nvPr>
-            <p:ph type="title"/>
-          </p:nvPr>
-        </p:nvSpPr>
-        <p:spPr/>
-        <p:txBody>
-          <a:bodyPr/>
-          <a:lstStyle/>
-          <a:p>
-            <a:pPr fontAlgn="auto">
-              <a:spcAft>
-                <a:spcPts val="0"/>
-              </a:spcAft>
-              <a:defRPr/>
-            </a:pPr>
-            <a:r>
-              <a:rPr lang="en-US" smtClean="0"/>
-              <a:t>Team Performance Curve</a:t>
-            </a:r>
           </a:p>
         </p:txBody>
       </p:sp>
@@ -11926,13 +8563,6 @@
   <p:clrMapOvr>
     <a:masterClrMapping/>
   </p:clrMapOvr>
-  <p:timing>
-    <p:tnLst>
-      <p:par>
-        <p:cTn id="1" dur="indefinite" restart="never" nodeType="tmRoot"/>
-      </p:par>
-    </p:tnLst>
-  </p:timing>
 </p:sld>
 </file>
 
@@ -11973,7 +8603,7 @@
               <a:buAutoNum type="arabicPeriod"/>
             </a:pPr>
             <a:r>
-              <a:rPr lang="en-US" sz="2400" smtClean="0"/>
+              <a:rPr lang="en-US" sz="2400"/>
               <a:t>Select Team Members Based Upon Skills.</a:t>
             </a:r>
           </a:p>
@@ -11983,7 +8613,7 @@
               <a:buAutoNum type="arabicPeriod"/>
             </a:pPr>
             <a:r>
-              <a:rPr lang="en-US" sz="2400" smtClean="0"/>
+              <a:rPr lang="en-US" sz="2400"/>
               <a:t>Identify and Agree Upon Objectives Upon Objectives.</a:t>
             </a:r>
           </a:p>
@@ -11993,7 +8623,7 @@
               <a:buAutoNum type="arabicPeriod"/>
             </a:pPr>
             <a:r>
-              <a:rPr lang="en-US" sz="2400" smtClean="0"/>
+              <a:rPr lang="en-US" sz="2400"/>
               <a:t>Make it Clear How the Team will Make Decisions!</a:t>
             </a:r>
           </a:p>
@@ -12003,7 +8633,7 @@
               <a:buAutoNum type="arabicPeriod"/>
             </a:pPr>
             <a:r>
-              <a:rPr lang="en-US" sz="2400" smtClean="0"/>
+              <a:rPr lang="en-US" sz="2400"/>
               <a:t>Hold effective meetings.</a:t>
             </a:r>
           </a:p>
@@ -12013,7 +8643,7 @@
               <a:buAutoNum type="arabicPeriod"/>
             </a:pPr>
             <a:r>
-              <a:rPr lang="en-US" sz="2400" smtClean="0"/>
+              <a:rPr lang="en-US" sz="2400"/>
               <a:t>Determine team roles.</a:t>
             </a:r>
           </a:p>
@@ -12023,7 +8653,7 @@
               <a:buAutoNum type="arabicPeriod"/>
             </a:pPr>
             <a:r>
-              <a:rPr lang="en-US" sz="2400" smtClean="0"/>
+              <a:rPr lang="en-US" sz="2400"/>
               <a:t>Assign tasks &amp; responsibilities.</a:t>
             </a:r>
           </a:p>
@@ -12033,7 +8663,7 @@
               <a:buAutoNum type="arabicPeriod"/>
             </a:pPr>
             <a:r>
-              <a:rPr lang="en-US" sz="2400" smtClean="0"/>
+              <a:rPr lang="en-US" sz="2400"/>
               <a:t>Spend a lot of time together.</a:t>
             </a:r>
           </a:p>
@@ -12043,7 +8673,7 @@
               <a:buAutoNum type="arabicPeriod"/>
             </a:pPr>
             <a:r>
-              <a:rPr lang="en-US" sz="2400" smtClean="0"/>
+              <a:rPr lang="en-US" sz="2400"/>
               <a:t>Respect team members.</a:t>
             </a:r>
           </a:p>
@@ -12053,7 +8683,7 @@
               <a:buAutoNum type="arabicPeriod"/>
             </a:pPr>
             <a:r>
-              <a:rPr lang="en-US" sz="2400" smtClean="0"/>
+              <a:rPr lang="en-US" sz="2400"/>
               <a:t>Manage conflicts constructively.</a:t>
             </a:r>
           </a:p>
@@ -12062,74 +8692,104 @@
               <a:buFont typeface="Wingdings" pitchFamily="2" charset="2"/>
               <a:buNone/>
             </a:pPr>
-            <a:endParaRPr lang="en-US" sz="2400" smtClean="0"/>
+            <a:endParaRPr lang="en-US" sz="2400"/>
           </a:p>
           <a:p>
             <a:pPr marL="609600" indent="-609600">
               <a:buFont typeface="Wingdings" pitchFamily="2" charset="2"/>
               <a:buAutoNum type="arabicPeriod"/>
             </a:pPr>
-            <a:endParaRPr lang="en-US" smtClean="0"/>
+            <a:endParaRPr lang="en-US"/>
           </a:p>
           <a:p>
             <a:pPr marL="609600" indent="-609600">
               <a:buFont typeface="Wingdings" pitchFamily="2" charset="2"/>
               <a:buAutoNum type="arabicPeriod"/>
             </a:pPr>
-            <a:endParaRPr lang="en-US" smtClean="0"/>
+            <a:endParaRPr lang="en-US"/>
           </a:p>
           <a:p>
             <a:pPr marL="609600" indent="-609600">
               <a:buFont typeface="Wingdings" pitchFamily="2" charset="2"/>
               <a:buAutoNum type="arabicPeriod"/>
             </a:pPr>
-            <a:endParaRPr lang="en-US" smtClean="0"/>
+            <a:endParaRPr lang="en-US"/>
           </a:p>
           <a:p>
             <a:pPr marL="609600" indent="-609600">
               <a:buFont typeface="Wingdings" pitchFamily="2" charset="2"/>
               <a:buAutoNum type="arabicPeriod"/>
             </a:pPr>
-            <a:endParaRPr lang="en-US" smtClean="0"/>
+            <a:endParaRPr lang="en-US"/>
           </a:p>
           <a:p>
             <a:pPr marL="609600" indent="-609600">
               <a:buFont typeface="Wingdings" pitchFamily="2" charset="2"/>
               <a:buAutoNum type="arabicPeriod"/>
             </a:pPr>
-            <a:endParaRPr lang="en-US" smtClean="0"/>
+            <a:endParaRPr lang="en-US"/>
           </a:p>
           <a:p>
             <a:pPr marL="609600" indent="-609600">
               <a:buFont typeface="Wingdings" pitchFamily="2" charset="2"/>
               <a:buAutoNum type="arabicPeriod"/>
             </a:pPr>
-            <a:endParaRPr lang="en-US" sz="2400" smtClean="0"/>
+            <a:endParaRPr lang="en-US" sz="2400"/>
           </a:p>
           <a:p>
             <a:pPr marL="609600" indent="-609600">
               <a:buFont typeface="Wingdings" pitchFamily="2" charset="2"/>
               <a:buAutoNum type="arabicPeriod"/>
             </a:pPr>
-            <a:endParaRPr lang="en-US" sz="2400" smtClean="0"/>
+            <a:endParaRPr lang="en-US" sz="2400"/>
           </a:p>
           <a:p>
             <a:pPr marL="609600" indent="-609600">
               <a:buFont typeface="Wingdings" pitchFamily="2" charset="2"/>
               <a:buAutoNum type="arabicPeriod"/>
             </a:pPr>
-            <a:endParaRPr lang="en-US" sz="2400" smtClean="0"/>
+            <a:endParaRPr lang="en-US" sz="2400"/>
           </a:p>
           <a:p>
             <a:pPr marL="990600" lvl="1" indent="-533400"/>
-            <a:endParaRPr lang="en-US" sz="2000" smtClean="0"/>
+            <a:endParaRPr lang="en-US" sz="2000"/>
           </a:p>
           <a:p>
             <a:pPr marL="609600" indent="-609600">
               <a:buFont typeface="Wingdings" pitchFamily="2" charset="2"/>
               <a:buNone/>
             </a:pPr>
-            <a:endParaRPr lang="en-US" sz="2400" smtClean="0"/>
+            <a:endParaRPr lang="en-US" sz="2400"/>
+          </a:p>
+        </p:txBody>
+      </p:sp>
+      <p:sp>
+        <p:nvSpPr>
+          <p:cNvPr id="71682" name="AutoShape 2"/>
+          <p:cNvSpPr>
+            <a:spLocks noGrp="1" noChangeArrowheads="1"/>
+          </p:cNvSpPr>
+          <p:nvPr>
+            <p:ph type="title"/>
+          </p:nvPr>
+        </p:nvSpPr>
+        <p:spPr/>
+        <p:txBody>
+          <a:bodyPr>
+            <a:normAutofit fontScale="90000"/>
+          </a:bodyPr>
+          <a:lstStyle/>
+          <a:p>
+            <a:pPr fontAlgn="auto">
+              <a:spcAft>
+                <a:spcPts val="0"/>
+              </a:spcAft>
+              <a:defRPr/>
+            </a:pPr>
+            <a:r>
+              <a:rPr lang="en-US" dirty="0"/>
+              <a:t>9.3 Characteristics of Effective Teams</a:t>
+            </a:r>
           </a:p>
         </p:txBody>
       </p:sp>
@@ -12165,36 +8825,6 @@
               <a:t>9</a:t>
             </a:fld>
             <a:endParaRPr lang="en-US"/>
-          </a:p>
-        </p:txBody>
-      </p:sp>
-      <p:sp>
-        <p:nvSpPr>
-          <p:cNvPr id="71682" name="AutoShape 2"/>
-          <p:cNvSpPr>
-            <a:spLocks noGrp="1" noChangeArrowheads="1"/>
-          </p:cNvSpPr>
-          <p:nvPr>
-            <p:ph type="title"/>
-          </p:nvPr>
-        </p:nvSpPr>
-        <p:spPr/>
-        <p:txBody>
-          <a:bodyPr>
-            <a:normAutofit fontScale="90000"/>
-          </a:bodyPr>
-          <a:lstStyle/>
-          <a:p>
-            <a:pPr fontAlgn="auto">
-              <a:spcAft>
-                <a:spcPts val="0"/>
-              </a:spcAft>
-              <a:defRPr/>
-            </a:pPr>
-            <a:r>
-              <a:rPr lang="en-US" dirty="0" smtClean="0"/>
-              <a:t>9.3 Characteristics of Effective Teams</a:t>
-            </a:r>
           </a:p>
         </p:txBody>
       </p:sp>
@@ -12850,7 +9480,7 @@
 </file>
 
 <file path=ppt/theme/theme1.xml><?xml version="1.0" encoding="utf-8"?>
-<a:theme xmlns:a="http://schemas.openxmlformats.org/drawingml/2006/main" name="Concourse">
+<a:theme xmlns:a="http://schemas.openxmlformats.org/drawingml/2006/main" name="defaultTheme">
   <a:themeElements>
     <a:clrScheme name="Concourse">
       <a:dk1>
@@ -13131,6 +9761,11 @@
   </a:themeElements>
   <a:objectDefaults/>
   <a:extraClrSchemeLst/>
+  <a:extLst>
+    <a:ext uri="{05A4C25C-085E-4340-85A3-A5531E510DB2}">
+      <thm15:themeFamily xmlns:thm15="http://schemas.microsoft.com/office/thememl/2012/main" name="defaultTheme" id="{661CD92A-C36D-4F2B-8E41-E5885149E24D}" vid="{4C2F1882-CADC-4979-8569-ECF27F875A2F}"/>
+    </a:ext>
+  </a:extLst>
 </a:theme>
 </file>
 
@@ -13698,176 +10333,4 @@
   <a:objectDefaults/>
   <a:extraClrSchemeLst/>
 </a:theme>
-</file>
-
-<file path=ppt/theme/themeOverride1.xml><?xml version="1.0" encoding="utf-8"?>
-<a:themeOverride xmlns:a="http://schemas.openxmlformats.org/drawingml/2006/main">
-  <a:clrScheme name="Concourse">
-    <a:dk1>
-      <a:sysClr val="windowText" lastClr="000000"/>
-    </a:dk1>
-    <a:lt1>
-      <a:sysClr val="window" lastClr="FFFFFF"/>
-    </a:lt1>
-    <a:dk2>
-      <a:srgbClr val="464646"/>
-    </a:dk2>
-    <a:lt2>
-      <a:srgbClr val="DEF5FA"/>
-    </a:lt2>
-    <a:accent1>
-      <a:srgbClr val="2DA2BF"/>
-    </a:accent1>
-    <a:accent2>
-      <a:srgbClr val="DA1F28"/>
-    </a:accent2>
-    <a:accent3>
-      <a:srgbClr val="EB641B"/>
-    </a:accent3>
-    <a:accent4>
-      <a:srgbClr val="39639D"/>
-    </a:accent4>
-    <a:accent5>
-      <a:srgbClr val="474B78"/>
-    </a:accent5>
-    <a:accent6>
-      <a:srgbClr val="7D3C4A"/>
-    </a:accent6>
-    <a:hlink>
-      <a:srgbClr val="FF8119"/>
-    </a:hlink>
-    <a:folHlink>
-      <a:srgbClr val="44B9E8"/>
-    </a:folHlink>
-  </a:clrScheme>
-</a:themeOverride>
-</file>
-
-<file path=ppt/theme/themeOverride2.xml><?xml version="1.0" encoding="utf-8"?>
-<a:themeOverride xmlns:a="http://schemas.openxmlformats.org/drawingml/2006/main">
-  <a:clrScheme name="Concourse">
-    <a:dk1>
-      <a:sysClr val="windowText" lastClr="000000"/>
-    </a:dk1>
-    <a:lt1>
-      <a:sysClr val="window" lastClr="FFFFFF"/>
-    </a:lt1>
-    <a:dk2>
-      <a:srgbClr val="464646"/>
-    </a:dk2>
-    <a:lt2>
-      <a:srgbClr val="DEF5FA"/>
-    </a:lt2>
-    <a:accent1>
-      <a:srgbClr val="2DA2BF"/>
-    </a:accent1>
-    <a:accent2>
-      <a:srgbClr val="DA1F28"/>
-    </a:accent2>
-    <a:accent3>
-      <a:srgbClr val="EB641B"/>
-    </a:accent3>
-    <a:accent4>
-      <a:srgbClr val="39639D"/>
-    </a:accent4>
-    <a:accent5>
-      <a:srgbClr val="474B78"/>
-    </a:accent5>
-    <a:accent6>
-      <a:srgbClr val="7D3C4A"/>
-    </a:accent6>
-    <a:hlink>
-      <a:srgbClr val="FF8119"/>
-    </a:hlink>
-    <a:folHlink>
-      <a:srgbClr val="44B9E8"/>
-    </a:folHlink>
-  </a:clrScheme>
-</a:themeOverride>
-</file>
-
-<file path=ppt/theme/themeOverride3.xml><?xml version="1.0" encoding="utf-8"?>
-<a:themeOverride xmlns:a="http://schemas.openxmlformats.org/drawingml/2006/main">
-  <a:clrScheme name="Concourse">
-    <a:dk1>
-      <a:sysClr val="windowText" lastClr="000000"/>
-    </a:dk1>
-    <a:lt1>
-      <a:sysClr val="window" lastClr="FFFFFF"/>
-    </a:lt1>
-    <a:dk2>
-      <a:srgbClr val="464646"/>
-    </a:dk2>
-    <a:lt2>
-      <a:srgbClr val="DEF5FA"/>
-    </a:lt2>
-    <a:accent1>
-      <a:srgbClr val="2DA2BF"/>
-    </a:accent1>
-    <a:accent2>
-      <a:srgbClr val="DA1F28"/>
-    </a:accent2>
-    <a:accent3>
-      <a:srgbClr val="EB641B"/>
-    </a:accent3>
-    <a:accent4>
-      <a:srgbClr val="39639D"/>
-    </a:accent4>
-    <a:accent5>
-      <a:srgbClr val="474B78"/>
-    </a:accent5>
-    <a:accent6>
-      <a:srgbClr val="7D3C4A"/>
-    </a:accent6>
-    <a:hlink>
-      <a:srgbClr val="FF8119"/>
-    </a:hlink>
-    <a:folHlink>
-      <a:srgbClr val="44B9E8"/>
-    </a:folHlink>
-  </a:clrScheme>
-</a:themeOverride>
-</file>
-
-<file path=ppt/theme/themeOverride4.xml><?xml version="1.0" encoding="utf-8"?>
-<a:themeOverride xmlns:a="http://schemas.openxmlformats.org/drawingml/2006/main">
-  <a:clrScheme name="Concourse">
-    <a:dk1>
-      <a:sysClr val="windowText" lastClr="000000"/>
-    </a:dk1>
-    <a:lt1>
-      <a:sysClr val="window" lastClr="FFFFFF"/>
-    </a:lt1>
-    <a:dk2>
-      <a:srgbClr val="464646"/>
-    </a:dk2>
-    <a:lt2>
-      <a:srgbClr val="DEF5FA"/>
-    </a:lt2>
-    <a:accent1>
-      <a:srgbClr val="2DA2BF"/>
-    </a:accent1>
-    <a:accent2>
-      <a:srgbClr val="DA1F28"/>
-    </a:accent2>
-    <a:accent3>
-      <a:srgbClr val="EB641B"/>
-    </a:accent3>
-    <a:accent4>
-      <a:srgbClr val="39639D"/>
-    </a:accent4>
-    <a:accent5>
-      <a:srgbClr val="474B78"/>
-    </a:accent5>
-    <a:accent6>
-      <a:srgbClr val="7D3C4A"/>
-    </a:accent6>
-    <a:hlink>
-      <a:srgbClr val="FF8119"/>
-    </a:hlink>
-    <a:folHlink>
-      <a:srgbClr val="44B9E8"/>
-    </a:folHlink>
-  </a:clrScheme>
-</a:themeOverride>
 </file>